--- a/PyConJP_2012.pptx
+++ b/PyConJP_2012.pptx
@@ -5,7 +5,7 @@
     <p:sldMasterId id="2147483648" r:id="rId1"/>
   </p:sldMasterIdLst>
   <p:notesMasterIdLst>
-    <p:notesMasterId r:id="rId31"/>
+    <p:notesMasterId r:id="rId37"/>
   </p:notesMasterIdLst>
   <p:sldIdLst>
     <p:sldId id="256" r:id="rId2"/>
@@ -23,20 +23,26 @@
     <p:sldId id="269" r:id="rId14"/>
     <p:sldId id="270" r:id="rId15"/>
     <p:sldId id="271" r:id="rId16"/>
-    <p:sldId id="272" r:id="rId17"/>
-    <p:sldId id="274" r:id="rId18"/>
-    <p:sldId id="275" r:id="rId19"/>
-    <p:sldId id="273" r:id="rId20"/>
-    <p:sldId id="276" r:id="rId21"/>
-    <p:sldId id="277" r:id="rId22"/>
-    <p:sldId id="278" r:id="rId23"/>
-    <p:sldId id="279" r:id="rId24"/>
-    <p:sldId id="280" r:id="rId25"/>
-    <p:sldId id="281" r:id="rId26"/>
-    <p:sldId id="282" r:id="rId27"/>
-    <p:sldId id="283" r:id="rId28"/>
-    <p:sldId id="284" r:id="rId29"/>
-    <p:sldId id="285" r:id="rId30"/>
+    <p:sldId id="286" r:id="rId17"/>
+    <p:sldId id="287" r:id="rId18"/>
+    <p:sldId id="288" r:id="rId19"/>
+    <p:sldId id="289" r:id="rId20"/>
+    <p:sldId id="290" r:id="rId21"/>
+    <p:sldId id="274" r:id="rId22"/>
+    <p:sldId id="275" r:id="rId23"/>
+    <p:sldId id="273" r:id="rId24"/>
+    <p:sldId id="276" r:id="rId25"/>
+    <p:sldId id="277" r:id="rId26"/>
+    <p:sldId id="291" r:id="rId27"/>
+    <p:sldId id="292" r:id="rId28"/>
+    <p:sldId id="278" r:id="rId29"/>
+    <p:sldId id="279" r:id="rId30"/>
+    <p:sldId id="280" r:id="rId31"/>
+    <p:sldId id="281" r:id="rId32"/>
+    <p:sldId id="282" r:id="rId33"/>
+    <p:sldId id="283" r:id="rId34"/>
+    <p:sldId id="284" r:id="rId35"/>
+    <p:sldId id="285" r:id="rId36"/>
   </p:sldIdLst>
   <p:sldSz cx="9144000" cy="6858000" type="screen4x3"/>
   <p:notesSz cx="6858000" cy="9144000"/>
@@ -220,7 +226,7 @@
           <a:p>
             <a:fld id="{7C44D3B6-9429-4138-BDC2-B28BDEAF1E22}" type="datetimeFigureOut">
               <a:rPr kumimoji="1" lang="ja-JP" altLang="en-US" smtClean="0"/>
-              <a:t>2012/9/14</a:t>
+              <a:t>2012/9/22</a:t>
             </a:fld>
             <a:endParaRPr kumimoji="1" lang="ja-JP" altLang="en-US"/>
           </a:p>
@@ -4535,11 +4541,7 @@
             </a:r>
             <a:r>
               <a:rPr lang="ja-JP" altLang="en-US" dirty="0" smtClean="0"/>
-              <a:t>をインストールするためのパッケージ管理ツールを用意</a:t>
-            </a:r>
-            <a:r>
-              <a:rPr lang="ja-JP" altLang="en-US" dirty="0" smtClean="0"/>
-              <a:t>します</a:t>
+              <a:t>をインストールするためのパッケージ管理ツールを用意します</a:t>
             </a:r>
             <a:endParaRPr lang="en-US" altLang="ja-JP" dirty="0" smtClean="0"/>
           </a:p>
@@ -5081,14 +5083,7 @@
                 <a:latin typeface="Courier New" pitchFamily="49" charset="0"/>
                 <a:cs typeface="Courier New" pitchFamily="49" charset="0"/>
               </a:rPr>
-              <a:t> </a:t>
-            </a:r>
-            <a:r>
-              <a:rPr lang="en-US" altLang="ja-JP" sz="2200" dirty="0" smtClean="0">
-                <a:latin typeface="Courier New" pitchFamily="49" charset="0"/>
-                <a:cs typeface="Courier New" pitchFamily="49" charset="0"/>
-              </a:rPr>
-              <a:t>flask</a:t>
+              <a:t> flask</a:t>
             </a:r>
           </a:p>
           <a:p>
@@ -5120,14 +5115,7 @@
                 <a:latin typeface="Courier New" pitchFamily="49" charset="0"/>
                 <a:cs typeface="Courier New" pitchFamily="49" charset="0"/>
               </a:rPr>
-              <a:t>python –c </a:t>
-            </a:r>
-            <a:r>
-              <a:rPr kumimoji="1" lang="en-US" altLang="ja-JP" sz="2200" dirty="0" smtClean="0">
-                <a:latin typeface="Courier New" pitchFamily="49" charset="0"/>
-                <a:cs typeface="Courier New" pitchFamily="49" charset="0"/>
-              </a:rPr>
-              <a:t>"import flask" </a:t>
+              <a:t>python –c "import flask" </a:t>
             </a:r>
             <a:r>
               <a:rPr kumimoji="1" lang="ja-JP" altLang="en-US" sz="2200" dirty="0" smtClean="0">
@@ -6134,11 +6122,7 @@
             </a:pPr>
             <a:r>
               <a:rPr lang="ja-JP" altLang="en-US" sz="2200" dirty="0" smtClean="0"/>
-              <a:t>を参照してください。まじめに写経しても、コピペでもかまいません</a:t>
-            </a:r>
-            <a:r>
-              <a:rPr lang="ja-JP" altLang="en-US" sz="2200" dirty="0" smtClean="0"/>
-              <a:t>。</a:t>
+              <a:t>を参照してください。まじめに写経しても、コピペでもかまいません。</a:t>
             </a:r>
             <a:endParaRPr lang="en-US" altLang="ja-JP" sz="2200" dirty="0" smtClean="0"/>
           </a:p>
@@ -6340,20 +6324,8 @@
           <a:lstStyle/>
           <a:p>
             <a:r>
-              <a:rPr lang="en-US" altLang="ja-JP" dirty="0"/>
-              <a:t>Flask</a:t>
-            </a:r>
-            <a:r>
-              <a:rPr lang="ja-JP" altLang="en-US" dirty="0"/>
-              <a:t>による</a:t>
-            </a:r>
-            <a:r>
-              <a:rPr lang="en-US" altLang="ja-JP" dirty="0"/>
-              <a:t>Web</a:t>
-            </a:r>
-            <a:r>
-              <a:rPr lang="ja-JP" altLang="en-US" dirty="0"/>
-              <a:t>アプリケーション</a:t>
+              <a:rPr kumimoji="1" lang="en-US" altLang="ja-JP" dirty="0" smtClean="0"/>
+              <a:t>handson.py</a:t>
             </a:r>
             <a:endParaRPr kumimoji="1" lang="ja-JP" altLang="en-US" dirty="0"/>
           </a:p>
@@ -6369,9 +6341,19 @@
             <p:ph idx="1"/>
           </p:nvPr>
         </p:nvSpPr>
-        <p:spPr/>
-        <p:txBody>
-          <a:bodyPr>
+        <p:spPr>
+          <a:xfrm>
+            <a:off x="457200" y="1268760"/>
+            <a:ext cx="8219256" cy="4349079"/>
+          </a:xfrm>
+          <a:ln>
+            <a:solidFill>
+              <a:schemeClr val="accent1"/>
+            </a:solidFill>
+          </a:ln>
+        </p:spPr>
+        <p:txBody>
+          <a:bodyPr numCol="2" spcCol="360000">
             <a:normAutofit/>
           </a:bodyPr>
           <a:lstStyle/>
@@ -6380,50 +6362,18 @@
               <a:buNone/>
             </a:pPr>
             <a:r>
-              <a:rPr lang="en-US" altLang="ja-JP" dirty="0"/>
-              <a:t>3</a:t>
-            </a:r>
-            <a:r>
-              <a:rPr kumimoji="1" lang="en-US" altLang="ja-JP" dirty="0" smtClean="0"/>
-              <a:t>. </a:t>
-            </a:r>
-            <a:r>
-              <a:rPr kumimoji="1" lang="ja-JP" altLang="en-US" dirty="0" smtClean="0"/>
-              <a:t>実行</a:t>
-            </a:r>
-            <a:r>
-              <a:rPr kumimoji="1" lang="en-US" altLang="ja-JP" dirty="0" smtClean="0"/>
-              <a:t/>
-            </a:r>
-            <a:br>
-              <a:rPr kumimoji="1" lang="en-US" altLang="ja-JP" dirty="0" smtClean="0"/>
-            </a:br>
-            <a:r>
-              <a:rPr kumimoji="1" lang="en-US" altLang="ja-JP" sz="1000" dirty="0" smtClean="0">
-                <a:latin typeface="Courier New" pitchFamily="49" charset="0"/>
-                <a:cs typeface="Courier New" pitchFamily="49" charset="0"/>
-              </a:rPr>
-              <a:t/>
-            </a:r>
-            <a:br>
-              <a:rPr kumimoji="1" lang="en-US" altLang="ja-JP" sz="1000" dirty="0" smtClean="0">
-                <a:latin typeface="Courier New" pitchFamily="49" charset="0"/>
-                <a:cs typeface="Courier New" pitchFamily="49" charset="0"/>
-              </a:rPr>
-            </a:br>
-            <a:r>
-              <a:rPr kumimoji="1" lang="en-US" altLang="ja-JP" dirty="0" smtClean="0">
-                <a:latin typeface="Courier New" pitchFamily="49" charset="0"/>
-                <a:cs typeface="Courier New" pitchFamily="49" charset="0"/>
-              </a:rPr>
-              <a:t>$python handson.py</a:t>
+              <a:rPr lang="en-US" altLang="ja-JP" sz="900" dirty="0">
+                <a:latin typeface="Courier New" pitchFamily="49" charset="0"/>
+                <a:cs typeface="Courier New" pitchFamily="49" charset="0"/>
+              </a:rPr>
+              <a:t># -*- coding: utf-8 -*-</a:t>
             </a:r>
           </a:p>
           <a:p>
             <a:pPr marL="0" indent="0">
               <a:buNone/>
             </a:pPr>
-            <a:endParaRPr lang="en-US" altLang="ja-JP" sz="1000" dirty="0">
+            <a:endParaRPr lang="en-US" altLang="ja-JP" sz="900" dirty="0">
               <a:latin typeface="Courier New" pitchFamily="49" charset="0"/>
               <a:cs typeface="Courier New" pitchFamily="49" charset="0"/>
             </a:endParaRPr>
@@ -6433,49 +6383,20 @@
               <a:buNone/>
             </a:pPr>
             <a:r>
-              <a:rPr lang="ja-JP" altLang="en-US" sz="2200" dirty="0">
-                <a:latin typeface="Courier New" pitchFamily="49" charset="0"/>
-                <a:cs typeface="Courier New" pitchFamily="49" charset="0"/>
-              </a:rPr>
-              <a:t>ブラウザ</a:t>
-            </a:r>
-            <a:r>
-              <a:rPr lang="ja-JP" altLang="en-US" sz="2200" dirty="0" smtClean="0">
-                <a:latin typeface="Courier New" pitchFamily="49" charset="0"/>
-                <a:cs typeface="Courier New" pitchFamily="49" charset="0"/>
-              </a:rPr>
-              <a:t>で </a:t>
-            </a:r>
-            <a:r>
-              <a:rPr lang="en-US" altLang="ja-JP" sz="2200" dirty="0" smtClean="0">
-                <a:latin typeface="Courier New" pitchFamily="49" charset="0"/>
-                <a:cs typeface="Courier New" pitchFamily="49" charset="0"/>
-                <a:hlinkClick r:id="rId2"/>
-              </a:rPr>
-              <a:t>http://localhost:5000/</a:t>
-            </a:r>
-            <a:r>
-              <a:rPr lang="en-US" altLang="ja-JP" sz="2200" dirty="0" smtClean="0">
-                <a:latin typeface="Courier New" pitchFamily="49" charset="0"/>
-                <a:cs typeface="Courier New" pitchFamily="49" charset="0"/>
-              </a:rPr>
-              <a:t> </a:t>
-            </a:r>
-            <a:r>
-              <a:rPr lang="ja-JP" altLang="en-US" sz="2200" dirty="0" smtClean="0">
-                <a:latin typeface="Courier New" pitchFamily="49" charset="0"/>
-                <a:cs typeface="Courier New" pitchFamily="49" charset="0"/>
-              </a:rPr>
-              <a:t>を開きます</a:t>
-            </a:r>
-            <a:r>
-              <a:rPr lang="ja-JP" altLang="en-US" sz="2200" dirty="0" smtClean="0">
-                <a:latin typeface="Courier New" pitchFamily="49" charset="0"/>
-                <a:cs typeface="Courier New" pitchFamily="49" charset="0"/>
-              </a:rPr>
-              <a:t>。</a:t>
-            </a:r>
-            <a:endParaRPr lang="en-US" altLang="ja-JP" sz="2200" dirty="0" smtClean="0">
+              <a:rPr lang="en-US" altLang="ja-JP" sz="900" dirty="0">
+                <a:latin typeface="Courier New" pitchFamily="49" charset="0"/>
+                <a:cs typeface="Courier New" pitchFamily="49" charset="0"/>
+              </a:rPr>
+              <a:t>from flask import Flask, request, </a:t>
+            </a:r>
+            <a:r>
+              <a:rPr lang="en-US" altLang="ja-JP" sz="900" dirty="0" smtClean="0">
+                <a:latin typeface="Courier New" pitchFamily="49" charset="0"/>
+                <a:cs typeface="Courier New" pitchFamily="49" charset="0"/>
+              </a:rPr>
+              <a:t>session</a:t>
+            </a:r>
+            <a:endParaRPr lang="en-US" altLang="ja-JP" sz="900" dirty="0">
               <a:latin typeface="Courier New" pitchFamily="49" charset="0"/>
               <a:cs typeface="Courier New" pitchFamily="49" charset="0"/>
             </a:endParaRPr>
@@ -6484,7 +6405,42 @@
             <a:pPr marL="0" indent="0">
               <a:buNone/>
             </a:pPr>
-            <a:endParaRPr kumimoji="1" lang="en-US" altLang="ja-JP" sz="2200" dirty="0">
+            <a:r>
+              <a:rPr lang="en-US" altLang="ja-JP" sz="900" dirty="0">
+                <a:latin typeface="Courier New" pitchFamily="49" charset="0"/>
+                <a:cs typeface="Courier New" pitchFamily="49" charset="0"/>
+              </a:rPr>
+              <a:t>from flask import </a:t>
+            </a:r>
+            <a:r>
+              <a:rPr lang="en-US" altLang="ja-JP" sz="900" dirty="0" err="1" smtClean="0">
+                <a:latin typeface="Courier New" pitchFamily="49" charset="0"/>
+                <a:cs typeface="Courier New" pitchFamily="49" charset="0"/>
+              </a:rPr>
+              <a:t>render_template</a:t>
+            </a:r>
+            <a:r>
+              <a:rPr lang="en-US" altLang="ja-JP" sz="900" dirty="0" smtClean="0">
+                <a:latin typeface="Courier New" pitchFamily="49" charset="0"/>
+                <a:cs typeface="Courier New" pitchFamily="49" charset="0"/>
+              </a:rPr>
+              <a:t>, redirect</a:t>
+            </a:r>
+            <a:r>
+              <a:rPr lang="en-US" altLang="ja-JP" sz="900" dirty="0">
+                <a:latin typeface="Courier New" pitchFamily="49" charset="0"/>
+                <a:cs typeface="Courier New" pitchFamily="49" charset="0"/>
+              </a:rPr>
+              <a:t>, </a:t>
+            </a:r>
+            <a:r>
+              <a:rPr lang="en-US" altLang="ja-JP" sz="900" dirty="0" err="1">
+                <a:latin typeface="Courier New" pitchFamily="49" charset="0"/>
+                <a:cs typeface="Courier New" pitchFamily="49" charset="0"/>
+              </a:rPr>
+              <a:t>url_for</a:t>
+            </a:r>
+            <a:endParaRPr lang="en-US" altLang="ja-JP" sz="900" dirty="0">
               <a:latin typeface="Courier New" pitchFamily="49" charset="0"/>
               <a:cs typeface="Courier New" pitchFamily="49" charset="0"/>
             </a:endParaRPr>
@@ -6493,84 +6449,7 @@
             <a:pPr marL="0" indent="0">
               <a:buNone/>
             </a:pPr>
-            <a:r>
-              <a:rPr lang="en-US" altLang="ja-JP" dirty="0" smtClean="0"/>
-              <a:t>4. </a:t>
-            </a:r>
-            <a:r>
-              <a:rPr lang="ja-JP" altLang="en-US" dirty="0" smtClean="0"/>
-              <a:t>終了方法</a:t>
-            </a:r>
-            <a:r>
-              <a:rPr lang="en-US" altLang="ja-JP" dirty="0"/>
-              <a:t/>
-            </a:r>
-            <a:br>
-              <a:rPr lang="en-US" altLang="ja-JP" dirty="0"/>
-            </a:br>
-            <a:r>
-              <a:rPr lang="en-US" altLang="ja-JP" sz="1000" dirty="0">
-                <a:latin typeface="Courier New" pitchFamily="49" charset="0"/>
-                <a:cs typeface="Courier New" pitchFamily="49" charset="0"/>
-              </a:rPr>
-              <a:t/>
-            </a:r>
-            <a:br>
-              <a:rPr lang="en-US" altLang="ja-JP" sz="1000" dirty="0">
-                <a:latin typeface="Courier New" pitchFamily="49" charset="0"/>
-                <a:cs typeface="Courier New" pitchFamily="49" charset="0"/>
-              </a:rPr>
-            </a:br>
-            <a:r>
-              <a:rPr lang="en-US" altLang="ja-JP" sz="2400" dirty="0" smtClean="0">
-                <a:latin typeface="Courier New" pitchFamily="49" charset="0"/>
-                <a:cs typeface="Courier New" pitchFamily="49" charset="0"/>
-              </a:rPr>
-              <a:t>^C</a:t>
-            </a:r>
-            <a:r>
-              <a:rPr lang="ja-JP" altLang="en-US" sz="2400" dirty="0" smtClean="0">
-                <a:latin typeface="Courier New" pitchFamily="49" charset="0"/>
-                <a:cs typeface="Courier New" pitchFamily="49" charset="0"/>
-              </a:rPr>
-              <a:t>（</a:t>
-            </a:r>
-            <a:r>
-              <a:rPr lang="en-US" altLang="ja-JP" sz="2400" dirty="0" err="1" smtClean="0">
-                <a:latin typeface="Courier New" pitchFamily="49" charset="0"/>
-                <a:cs typeface="Courier New" pitchFamily="49" charset="0"/>
-              </a:rPr>
-              <a:t>Control+C</a:t>
-            </a:r>
-            <a:r>
-              <a:rPr lang="en-US" altLang="ja-JP" sz="2400" dirty="0" smtClean="0">
-                <a:latin typeface="Courier New" pitchFamily="49" charset="0"/>
-                <a:cs typeface="Courier New" pitchFamily="49" charset="0"/>
-              </a:rPr>
-              <a:t>)</a:t>
-            </a:r>
-            <a:r>
-              <a:rPr lang="ja-JP" altLang="en-US" sz="2400" dirty="0" smtClean="0">
-                <a:latin typeface="Courier New" pitchFamily="49" charset="0"/>
-                <a:cs typeface="Courier New" pitchFamily="49" charset="0"/>
-              </a:rPr>
-              <a:t>で</a:t>
-            </a:r>
-            <a:r>
-              <a:rPr lang="ja-JP" altLang="en-US" sz="2400" dirty="0">
-                <a:latin typeface="Courier New" pitchFamily="49" charset="0"/>
-                <a:cs typeface="Courier New" pitchFamily="49" charset="0"/>
-              </a:rPr>
-              <a:t>終了</a:t>
-            </a:r>
-            <a:r>
-              <a:rPr lang="ja-JP" altLang="en-US" sz="2400" dirty="0" smtClean="0">
-                <a:latin typeface="Courier New" pitchFamily="49" charset="0"/>
-                <a:cs typeface="Courier New" pitchFamily="49" charset="0"/>
-              </a:rPr>
-              <a:t>します。</a:t>
-            </a:r>
-            <a:endParaRPr lang="en-US" altLang="ja-JP" sz="2400" dirty="0" smtClean="0">
+            <a:endParaRPr lang="en-US" altLang="ja-JP" sz="900" dirty="0">
               <a:latin typeface="Courier New" pitchFamily="49" charset="0"/>
               <a:cs typeface="Courier New" pitchFamily="49" charset="0"/>
             </a:endParaRPr>
@@ -6580,48 +6459,37 @@
               <a:buNone/>
             </a:pPr>
             <a:r>
-              <a:rPr lang="en-US" altLang="ja-JP" sz="2400" dirty="0" smtClean="0">
-                <a:latin typeface="Courier New" pitchFamily="49" charset="0"/>
-                <a:cs typeface="Courier New" pitchFamily="49" charset="0"/>
-              </a:rPr>
-              <a:t>Windows</a:t>
-            </a:r>
-            <a:r>
-              <a:rPr lang="ja-JP" altLang="en-US" sz="2400" dirty="0" smtClean="0">
-                <a:latin typeface="Courier New" pitchFamily="49" charset="0"/>
-                <a:cs typeface="Courier New" pitchFamily="49" charset="0"/>
-              </a:rPr>
-              <a:t>で、終了するまで時間がかかる場合、</a:t>
-            </a:r>
-            <a:r>
-              <a:rPr lang="en-US" altLang="ja-JP" sz="2400" dirty="0" err="1" smtClean="0">
-                <a:latin typeface="Courier New" pitchFamily="49" charset="0"/>
-                <a:cs typeface="Courier New" pitchFamily="49" charset="0"/>
-              </a:rPr>
-              <a:t>Control+Break</a:t>
-            </a:r>
-            <a:r>
-              <a:rPr lang="ja-JP" altLang="en-US" sz="2400" dirty="0" smtClean="0">
-                <a:latin typeface="Courier New" pitchFamily="49" charset="0"/>
-                <a:cs typeface="Courier New" pitchFamily="49" charset="0"/>
-              </a:rPr>
-              <a:t>でも</a:t>
-            </a:r>
-            <a:r>
-              <a:rPr lang="ja-JP" altLang="en-US" sz="2400" dirty="0">
-                <a:latin typeface="Courier New" pitchFamily="49" charset="0"/>
-                <a:cs typeface="Courier New" pitchFamily="49" charset="0"/>
-              </a:rPr>
-              <a:t>終了</a:t>
-            </a:r>
-            <a:r>
-              <a:rPr lang="ja-JP" altLang="en-US" sz="2400" dirty="0" smtClean="0">
-                <a:latin typeface="Courier New" pitchFamily="49" charset="0"/>
-                <a:cs typeface="Courier New" pitchFamily="49" charset="0"/>
-              </a:rPr>
-              <a:t>します。</a:t>
-            </a:r>
-            <a:endParaRPr lang="en-US" altLang="ja-JP" sz="2400" dirty="0">
+              <a:rPr lang="en-US" altLang="ja-JP" sz="900" dirty="0">
+                <a:latin typeface="Courier New" pitchFamily="49" charset="0"/>
+                <a:cs typeface="Courier New" pitchFamily="49" charset="0"/>
+              </a:rPr>
+              <a:t># Flask</a:t>
+            </a:r>
+            <a:r>
+              <a:rPr lang="ja-JP" altLang="en-US" sz="900" dirty="0">
+                <a:latin typeface="Courier New" pitchFamily="49" charset="0"/>
+                <a:cs typeface="Courier New" pitchFamily="49" charset="0"/>
+              </a:rPr>
+              <a:t>のアプリケーション オブジェクトを作成</a:t>
+            </a:r>
+          </a:p>
+          <a:p>
+            <a:pPr marL="0" indent="0">
+              <a:buNone/>
+            </a:pPr>
+            <a:r>
+              <a:rPr lang="en-US" altLang="ja-JP" sz="900" dirty="0">
+                <a:latin typeface="Courier New" pitchFamily="49" charset="0"/>
+                <a:cs typeface="Courier New" pitchFamily="49" charset="0"/>
+              </a:rPr>
+              <a:t>app = Flask(__name__)</a:t>
+            </a:r>
+          </a:p>
+          <a:p>
+            <a:pPr marL="0" indent="0">
+              <a:buNone/>
+            </a:pPr>
+            <a:endParaRPr lang="en-US" altLang="ja-JP" sz="900" dirty="0">
               <a:latin typeface="Courier New" pitchFamily="49" charset="0"/>
               <a:cs typeface="Courier New" pitchFamily="49" charset="0"/>
             </a:endParaRPr>
@@ -6630,7 +6498,1034 @@
             <a:pPr marL="0" indent="0">
               <a:buNone/>
             </a:pPr>
-            <a:endParaRPr kumimoji="1" lang="en-US" altLang="ja-JP" sz="2200" dirty="0"/>
+            <a:endParaRPr lang="en-US" altLang="ja-JP" sz="900" dirty="0">
+              <a:latin typeface="Courier New" pitchFamily="49" charset="0"/>
+              <a:cs typeface="Courier New" pitchFamily="49" charset="0"/>
+            </a:endParaRPr>
+          </a:p>
+          <a:p>
+            <a:pPr marL="0" indent="0">
+              <a:buNone/>
+            </a:pPr>
+            <a:r>
+              <a:rPr lang="en-US" altLang="ja-JP" sz="900" dirty="0">
+                <a:latin typeface="Courier New" pitchFamily="49" charset="0"/>
+                <a:cs typeface="Courier New" pitchFamily="49" charset="0"/>
+              </a:rPr>
+              <a:t># http://localhost:5000/</a:t>
+            </a:r>
+            <a:r>
+              <a:rPr lang="ja-JP" altLang="en-US" sz="900" dirty="0">
+                <a:latin typeface="Courier New" pitchFamily="49" charset="0"/>
+                <a:cs typeface="Courier New" pitchFamily="49" charset="0"/>
+              </a:rPr>
+              <a:t>でアクセスされる関数</a:t>
+            </a:r>
+          </a:p>
+          <a:p>
+            <a:pPr marL="0" indent="0">
+              <a:buNone/>
+            </a:pPr>
+            <a:r>
+              <a:rPr lang="en-US" altLang="ja-JP" sz="900" dirty="0">
+                <a:latin typeface="Courier New" pitchFamily="49" charset="0"/>
+                <a:cs typeface="Courier New" pitchFamily="49" charset="0"/>
+              </a:rPr>
+              <a:t>@</a:t>
+            </a:r>
+            <a:r>
+              <a:rPr lang="en-US" altLang="ja-JP" sz="900" dirty="0" err="1">
+                <a:latin typeface="Courier New" pitchFamily="49" charset="0"/>
+                <a:cs typeface="Courier New" pitchFamily="49" charset="0"/>
+              </a:rPr>
+              <a:t>app.route</a:t>
+            </a:r>
+            <a:r>
+              <a:rPr lang="en-US" altLang="ja-JP" sz="900" dirty="0">
+                <a:latin typeface="Courier New" pitchFamily="49" charset="0"/>
+                <a:cs typeface="Courier New" pitchFamily="49" charset="0"/>
+              </a:rPr>
+              <a:t>('/')</a:t>
+            </a:r>
+          </a:p>
+          <a:p>
+            <a:pPr marL="0" indent="0">
+              <a:buNone/>
+            </a:pPr>
+            <a:r>
+              <a:rPr lang="en-US" altLang="ja-JP" sz="900" dirty="0" err="1">
+                <a:latin typeface="Courier New" pitchFamily="49" charset="0"/>
+                <a:cs typeface="Courier New" pitchFamily="49" charset="0"/>
+              </a:rPr>
+              <a:t>def</a:t>
+            </a:r>
+            <a:r>
+              <a:rPr lang="en-US" altLang="ja-JP" sz="900" dirty="0">
+                <a:latin typeface="Courier New" pitchFamily="49" charset="0"/>
+                <a:cs typeface="Courier New" pitchFamily="49" charset="0"/>
+              </a:rPr>
+              <a:t> </a:t>
+            </a:r>
+            <a:r>
+              <a:rPr lang="en-US" altLang="ja-JP" sz="900" dirty="0" err="1">
+                <a:latin typeface="Courier New" pitchFamily="49" charset="0"/>
+                <a:cs typeface="Courier New" pitchFamily="49" charset="0"/>
+              </a:rPr>
+              <a:t>index_html</a:t>
+            </a:r>
+            <a:r>
+              <a:rPr lang="en-US" altLang="ja-JP" sz="900" dirty="0">
+                <a:latin typeface="Courier New" pitchFamily="49" charset="0"/>
+                <a:cs typeface="Courier New" pitchFamily="49" charset="0"/>
+              </a:rPr>
+              <a:t>():</a:t>
+            </a:r>
+          </a:p>
+          <a:p>
+            <a:pPr marL="0" indent="0">
+              <a:buNone/>
+            </a:pPr>
+            <a:r>
+              <a:rPr lang="en-US" altLang="ja-JP" sz="900" dirty="0">
+                <a:latin typeface="Courier New" pitchFamily="49" charset="0"/>
+                <a:cs typeface="Courier New" pitchFamily="49" charset="0"/>
+              </a:rPr>
+              <a:t>    return """</a:t>
+            </a:r>
+          </a:p>
+          <a:p>
+            <a:pPr marL="0" indent="0">
+              <a:buNone/>
+            </a:pPr>
+            <a:r>
+              <a:rPr lang="en-US" altLang="ja-JP" sz="900" dirty="0">
+                <a:latin typeface="Courier New" pitchFamily="49" charset="0"/>
+                <a:cs typeface="Courier New" pitchFamily="49" charset="0"/>
+              </a:rPr>
+              <a:t>&lt;!</a:t>
+            </a:r>
+            <a:r>
+              <a:rPr lang="en-US" altLang="ja-JP" sz="900" dirty="0" err="1">
+                <a:latin typeface="Courier New" pitchFamily="49" charset="0"/>
+                <a:cs typeface="Courier New" pitchFamily="49" charset="0"/>
+              </a:rPr>
+              <a:t>doctype</a:t>
+            </a:r>
+            <a:r>
+              <a:rPr lang="en-US" altLang="ja-JP" sz="900" dirty="0">
+                <a:latin typeface="Courier New" pitchFamily="49" charset="0"/>
+                <a:cs typeface="Courier New" pitchFamily="49" charset="0"/>
+              </a:rPr>
+              <a:t> html&gt;</a:t>
+            </a:r>
+          </a:p>
+          <a:p>
+            <a:pPr marL="0" indent="0">
+              <a:buNone/>
+            </a:pPr>
+            <a:r>
+              <a:rPr lang="en-US" altLang="ja-JP" sz="900" dirty="0">
+                <a:latin typeface="Courier New" pitchFamily="49" charset="0"/>
+                <a:cs typeface="Courier New" pitchFamily="49" charset="0"/>
+              </a:rPr>
+              <a:t>&lt;</a:t>
+            </a:r>
+            <a:r>
+              <a:rPr lang="en-US" altLang="ja-JP" sz="900" dirty="0" err="1">
+                <a:latin typeface="Courier New" pitchFamily="49" charset="0"/>
+                <a:cs typeface="Courier New" pitchFamily="49" charset="0"/>
+              </a:rPr>
+              <a:t>ul</a:t>
+            </a:r>
+            <a:r>
+              <a:rPr lang="en-US" altLang="ja-JP" sz="900" dirty="0">
+                <a:latin typeface="Courier New" pitchFamily="49" charset="0"/>
+                <a:cs typeface="Courier New" pitchFamily="49" charset="0"/>
+              </a:rPr>
+              <a:t>&gt;</a:t>
+            </a:r>
+          </a:p>
+          <a:p>
+            <a:pPr marL="0" indent="0">
+              <a:buNone/>
+            </a:pPr>
+            <a:r>
+              <a:rPr lang="en-US" altLang="ja-JP" sz="900" dirty="0">
+                <a:latin typeface="Courier New" pitchFamily="49" charset="0"/>
+                <a:cs typeface="Courier New" pitchFamily="49" charset="0"/>
+              </a:rPr>
+              <a:t>&lt;li&gt;&lt;a </a:t>
+            </a:r>
+            <a:r>
+              <a:rPr lang="en-US" altLang="ja-JP" sz="900" dirty="0" err="1">
+                <a:latin typeface="Courier New" pitchFamily="49" charset="0"/>
+                <a:cs typeface="Courier New" pitchFamily="49" charset="0"/>
+              </a:rPr>
+              <a:t>href</a:t>
+            </a:r>
+            <a:r>
+              <a:rPr lang="en-US" altLang="ja-JP" sz="900" dirty="0">
+                <a:latin typeface="Courier New" pitchFamily="49" charset="0"/>
+                <a:cs typeface="Courier New" pitchFamily="49" charset="0"/>
+              </a:rPr>
+              <a:t>="/</a:t>
+            </a:r>
+            <a:r>
+              <a:rPr lang="en-US" altLang="ja-JP" sz="900" dirty="0" err="1">
+                <a:latin typeface="Courier New" pitchFamily="49" charset="0"/>
+                <a:cs typeface="Courier New" pitchFamily="49" charset="0"/>
+              </a:rPr>
+              <a:t>message_form</a:t>
+            </a:r>
+            <a:r>
+              <a:rPr lang="en-US" altLang="ja-JP" sz="900" dirty="0">
+                <a:latin typeface="Courier New" pitchFamily="49" charset="0"/>
+                <a:cs typeface="Courier New" pitchFamily="49" charset="0"/>
+              </a:rPr>
+              <a:t>"&gt;</a:t>
+            </a:r>
+            <a:r>
+              <a:rPr lang="ja-JP" altLang="en-US" sz="900" dirty="0">
+                <a:latin typeface="Courier New" pitchFamily="49" charset="0"/>
+                <a:cs typeface="Courier New" pitchFamily="49" charset="0"/>
+              </a:rPr>
+              <a:t>メッセージ追加</a:t>
+            </a:r>
+            <a:r>
+              <a:rPr lang="en-US" altLang="ja-JP" sz="900" dirty="0">
+                <a:latin typeface="Courier New" pitchFamily="49" charset="0"/>
+                <a:cs typeface="Courier New" pitchFamily="49" charset="0"/>
+              </a:rPr>
+              <a:t>&lt;/a&gt;&lt;/li&gt;</a:t>
+            </a:r>
+          </a:p>
+          <a:p>
+            <a:pPr marL="0" indent="0">
+              <a:buNone/>
+            </a:pPr>
+            <a:r>
+              <a:rPr lang="en-US" altLang="ja-JP" sz="900" dirty="0">
+                <a:latin typeface="Courier New" pitchFamily="49" charset="0"/>
+                <a:cs typeface="Courier New" pitchFamily="49" charset="0"/>
+              </a:rPr>
+              <a:t>&lt;li&gt;&lt;a </a:t>
+            </a:r>
+            <a:r>
+              <a:rPr lang="en-US" altLang="ja-JP" sz="900" dirty="0" err="1">
+                <a:latin typeface="Courier New" pitchFamily="49" charset="0"/>
+                <a:cs typeface="Courier New" pitchFamily="49" charset="0"/>
+              </a:rPr>
+              <a:t>href</a:t>
+            </a:r>
+            <a:r>
+              <a:rPr lang="en-US" altLang="ja-JP" sz="900" dirty="0">
+                <a:latin typeface="Courier New" pitchFamily="49" charset="0"/>
+                <a:cs typeface="Courier New" pitchFamily="49" charset="0"/>
+              </a:rPr>
+              <a:t>="/show"&gt;</a:t>
+            </a:r>
+            <a:r>
+              <a:rPr lang="ja-JP" altLang="en-US" sz="900" dirty="0">
+                <a:latin typeface="Courier New" pitchFamily="49" charset="0"/>
+                <a:cs typeface="Courier New" pitchFamily="49" charset="0"/>
+              </a:rPr>
+              <a:t>メッセージ表示</a:t>
+            </a:r>
+            <a:r>
+              <a:rPr lang="en-US" altLang="ja-JP" sz="900" dirty="0">
+                <a:latin typeface="Courier New" pitchFamily="49" charset="0"/>
+                <a:cs typeface="Courier New" pitchFamily="49" charset="0"/>
+              </a:rPr>
+              <a:t>&lt;/a&gt;&lt;/li&gt;</a:t>
+            </a:r>
+          </a:p>
+          <a:p>
+            <a:pPr marL="0" indent="0">
+              <a:buNone/>
+            </a:pPr>
+            <a:r>
+              <a:rPr lang="en-US" altLang="ja-JP" sz="900" dirty="0">
+                <a:latin typeface="Courier New" pitchFamily="49" charset="0"/>
+                <a:cs typeface="Courier New" pitchFamily="49" charset="0"/>
+              </a:rPr>
+              <a:t>&lt;/</a:t>
+            </a:r>
+            <a:r>
+              <a:rPr lang="en-US" altLang="ja-JP" sz="900" dirty="0" err="1">
+                <a:latin typeface="Courier New" pitchFamily="49" charset="0"/>
+                <a:cs typeface="Courier New" pitchFamily="49" charset="0"/>
+              </a:rPr>
+              <a:t>ul</a:t>
+            </a:r>
+            <a:r>
+              <a:rPr lang="en-US" altLang="ja-JP" sz="900" dirty="0">
+                <a:latin typeface="Courier New" pitchFamily="49" charset="0"/>
+                <a:cs typeface="Courier New" pitchFamily="49" charset="0"/>
+              </a:rPr>
+              <a:t>&gt;</a:t>
+            </a:r>
+          </a:p>
+          <a:p>
+            <a:pPr marL="0" indent="0">
+              <a:buNone/>
+            </a:pPr>
+            <a:r>
+              <a:rPr lang="en-US" altLang="ja-JP" sz="900" dirty="0">
+                <a:latin typeface="Courier New" pitchFamily="49" charset="0"/>
+                <a:cs typeface="Courier New" pitchFamily="49" charset="0"/>
+              </a:rPr>
+              <a:t>"""</a:t>
+            </a:r>
+          </a:p>
+          <a:p>
+            <a:pPr marL="0" indent="0">
+              <a:buNone/>
+            </a:pPr>
+            <a:endParaRPr lang="en-US" altLang="ja-JP" sz="900" dirty="0">
+              <a:latin typeface="Courier New" pitchFamily="49" charset="0"/>
+              <a:cs typeface="Courier New" pitchFamily="49" charset="0"/>
+            </a:endParaRPr>
+          </a:p>
+          <a:p>
+            <a:pPr marL="0" indent="0">
+              <a:buNone/>
+            </a:pPr>
+            <a:r>
+              <a:rPr lang="en-US" altLang="ja-JP" sz="900" dirty="0">
+                <a:latin typeface="Courier New" pitchFamily="49" charset="0"/>
+                <a:cs typeface="Courier New" pitchFamily="49" charset="0"/>
+              </a:rPr>
+              <a:t># /</a:t>
+            </a:r>
+            <a:r>
+              <a:rPr lang="en-US" altLang="ja-JP" sz="900" dirty="0" err="1">
+                <a:latin typeface="Courier New" pitchFamily="49" charset="0"/>
+                <a:cs typeface="Courier New" pitchFamily="49" charset="0"/>
+              </a:rPr>
+              <a:t>message_form</a:t>
+            </a:r>
+            <a:r>
+              <a:rPr lang="ja-JP" altLang="en-US" sz="900" dirty="0">
+                <a:latin typeface="Courier New" pitchFamily="49" charset="0"/>
+                <a:cs typeface="Courier New" pitchFamily="49" charset="0"/>
+              </a:rPr>
+              <a:t>でアクセスされる関数</a:t>
+            </a:r>
+          </a:p>
+          <a:p>
+            <a:pPr marL="0" indent="0">
+              <a:buNone/>
+            </a:pPr>
+            <a:r>
+              <a:rPr lang="en-US" altLang="ja-JP" sz="900" dirty="0">
+                <a:latin typeface="Courier New" pitchFamily="49" charset="0"/>
+                <a:cs typeface="Courier New" pitchFamily="49" charset="0"/>
+              </a:rPr>
+              <a:t>@</a:t>
+            </a:r>
+            <a:r>
+              <a:rPr lang="en-US" altLang="ja-JP" sz="900" dirty="0" err="1">
+                <a:latin typeface="Courier New" pitchFamily="49" charset="0"/>
+                <a:cs typeface="Courier New" pitchFamily="49" charset="0"/>
+              </a:rPr>
+              <a:t>app.route</a:t>
+            </a:r>
+            <a:r>
+              <a:rPr lang="en-US" altLang="ja-JP" sz="900" dirty="0">
+                <a:latin typeface="Courier New" pitchFamily="49" charset="0"/>
+                <a:cs typeface="Courier New" pitchFamily="49" charset="0"/>
+              </a:rPr>
+              <a:t>('/</a:t>
+            </a:r>
+            <a:r>
+              <a:rPr lang="en-US" altLang="ja-JP" sz="900" dirty="0" err="1">
+                <a:latin typeface="Courier New" pitchFamily="49" charset="0"/>
+                <a:cs typeface="Courier New" pitchFamily="49" charset="0"/>
+              </a:rPr>
+              <a:t>message_form</a:t>
+            </a:r>
+            <a:r>
+              <a:rPr lang="en-US" altLang="ja-JP" sz="900" dirty="0">
+                <a:latin typeface="Courier New" pitchFamily="49" charset="0"/>
+                <a:cs typeface="Courier New" pitchFamily="49" charset="0"/>
+              </a:rPr>
+              <a:t>')</a:t>
+            </a:r>
+          </a:p>
+          <a:p>
+            <a:pPr marL="0" indent="0">
+              <a:buNone/>
+            </a:pPr>
+            <a:r>
+              <a:rPr lang="en-US" altLang="ja-JP" sz="900" dirty="0" err="1">
+                <a:latin typeface="Courier New" pitchFamily="49" charset="0"/>
+                <a:cs typeface="Courier New" pitchFamily="49" charset="0"/>
+              </a:rPr>
+              <a:t>def</a:t>
+            </a:r>
+            <a:r>
+              <a:rPr lang="en-US" altLang="ja-JP" sz="900" dirty="0">
+                <a:latin typeface="Courier New" pitchFamily="49" charset="0"/>
+                <a:cs typeface="Courier New" pitchFamily="49" charset="0"/>
+              </a:rPr>
+              <a:t> </a:t>
+            </a:r>
+            <a:r>
+              <a:rPr lang="en-US" altLang="ja-JP" sz="900" dirty="0" err="1">
+                <a:latin typeface="Courier New" pitchFamily="49" charset="0"/>
+                <a:cs typeface="Courier New" pitchFamily="49" charset="0"/>
+              </a:rPr>
+              <a:t>message_form</a:t>
+            </a:r>
+            <a:r>
+              <a:rPr lang="en-US" altLang="ja-JP" sz="900" dirty="0">
+                <a:latin typeface="Courier New" pitchFamily="49" charset="0"/>
+                <a:cs typeface="Courier New" pitchFamily="49" charset="0"/>
+              </a:rPr>
+              <a:t>():</a:t>
+            </a:r>
+          </a:p>
+          <a:p>
+            <a:pPr marL="0" indent="0">
+              <a:buNone/>
+            </a:pPr>
+            <a:r>
+              <a:rPr lang="en-US" altLang="ja-JP" sz="900" dirty="0">
+                <a:latin typeface="Courier New" pitchFamily="49" charset="0"/>
+                <a:cs typeface="Courier New" pitchFamily="49" charset="0"/>
+              </a:rPr>
+              <a:t>    # </a:t>
+            </a:r>
+            <a:r>
+              <a:rPr lang="ja-JP" altLang="en-US" sz="900" dirty="0">
+                <a:latin typeface="Courier New" pitchFamily="49" charset="0"/>
+                <a:cs typeface="Courier New" pitchFamily="49" charset="0"/>
+              </a:rPr>
+              <a:t>テンプレートファイル </a:t>
+            </a:r>
+            <a:r>
+              <a:rPr lang="en-US" altLang="ja-JP" sz="900" dirty="0">
+                <a:latin typeface="Courier New" pitchFamily="49" charset="0"/>
+                <a:cs typeface="Courier New" pitchFamily="49" charset="0"/>
+              </a:rPr>
+              <a:t>templates/message_form.html</a:t>
+            </a:r>
+            <a:r>
+              <a:rPr lang="ja-JP" altLang="en-US" sz="900" dirty="0">
+                <a:latin typeface="Courier New" pitchFamily="49" charset="0"/>
+                <a:cs typeface="Courier New" pitchFamily="49" charset="0"/>
+              </a:rPr>
+              <a:t>を表示</a:t>
+            </a:r>
+          </a:p>
+          <a:p>
+            <a:pPr marL="0" indent="0">
+              <a:buNone/>
+            </a:pPr>
+            <a:r>
+              <a:rPr lang="ja-JP" altLang="en-US" sz="900" dirty="0">
+                <a:latin typeface="Courier New" pitchFamily="49" charset="0"/>
+                <a:cs typeface="Courier New" pitchFamily="49" charset="0"/>
+              </a:rPr>
+              <a:t>    </a:t>
+            </a:r>
+            <a:r>
+              <a:rPr lang="en-US" altLang="ja-JP" sz="900" dirty="0">
+                <a:latin typeface="Courier New" pitchFamily="49" charset="0"/>
+                <a:cs typeface="Courier New" pitchFamily="49" charset="0"/>
+              </a:rPr>
+              <a:t>return </a:t>
+            </a:r>
+            <a:r>
+              <a:rPr lang="en-US" altLang="ja-JP" sz="900" dirty="0" err="1">
+                <a:latin typeface="Courier New" pitchFamily="49" charset="0"/>
+                <a:cs typeface="Courier New" pitchFamily="49" charset="0"/>
+              </a:rPr>
+              <a:t>render_template</a:t>
+            </a:r>
+            <a:r>
+              <a:rPr lang="en-US" altLang="ja-JP" sz="900" dirty="0">
+                <a:latin typeface="Courier New" pitchFamily="49" charset="0"/>
+                <a:cs typeface="Courier New" pitchFamily="49" charset="0"/>
+              </a:rPr>
+              <a:t>('message_form.html')</a:t>
+            </a:r>
+          </a:p>
+          <a:p>
+            <a:pPr marL="0" indent="0">
+              <a:buNone/>
+            </a:pPr>
+            <a:endParaRPr lang="en-US" altLang="ja-JP" sz="900" dirty="0">
+              <a:latin typeface="Courier New" pitchFamily="49" charset="0"/>
+              <a:cs typeface="Courier New" pitchFamily="49" charset="0"/>
+            </a:endParaRPr>
+          </a:p>
+          <a:p>
+            <a:pPr marL="0" indent="0">
+              <a:buNone/>
+            </a:pPr>
+            <a:endParaRPr lang="en-US" altLang="ja-JP" sz="900" dirty="0">
+              <a:latin typeface="Courier New" pitchFamily="49" charset="0"/>
+              <a:cs typeface="Courier New" pitchFamily="49" charset="0"/>
+            </a:endParaRPr>
+          </a:p>
+          <a:p>
+            <a:pPr marL="0" indent="0">
+              <a:buNone/>
+            </a:pPr>
+            <a:r>
+              <a:rPr lang="en-US" altLang="ja-JP" sz="900" dirty="0">
+                <a:latin typeface="Courier New" pitchFamily="49" charset="0"/>
+                <a:cs typeface="Courier New" pitchFamily="49" charset="0"/>
+              </a:rPr>
+              <a:t># /</a:t>
+            </a:r>
+            <a:r>
+              <a:rPr lang="en-US" altLang="ja-JP" sz="900" dirty="0" err="1">
+                <a:latin typeface="Courier New" pitchFamily="49" charset="0"/>
+                <a:cs typeface="Courier New" pitchFamily="49" charset="0"/>
+              </a:rPr>
+              <a:t>add_message</a:t>
+            </a:r>
+            <a:r>
+              <a:rPr lang="ja-JP" altLang="en-US" sz="900" dirty="0">
+                <a:latin typeface="Courier New" pitchFamily="49" charset="0"/>
+                <a:cs typeface="Courier New" pitchFamily="49" charset="0"/>
+              </a:rPr>
+              <a:t>でリクエストのメッセージを登録</a:t>
+            </a:r>
+          </a:p>
+          <a:p>
+            <a:pPr marL="0" indent="0">
+              <a:buNone/>
+            </a:pPr>
+            <a:r>
+              <a:rPr lang="en-US" altLang="ja-JP" sz="900" dirty="0">
+                <a:latin typeface="Courier New" pitchFamily="49" charset="0"/>
+                <a:cs typeface="Courier New" pitchFamily="49" charset="0"/>
+              </a:rPr>
+              <a:t>@</a:t>
+            </a:r>
+            <a:r>
+              <a:rPr lang="en-US" altLang="ja-JP" sz="900" dirty="0" err="1">
+                <a:latin typeface="Courier New" pitchFamily="49" charset="0"/>
+                <a:cs typeface="Courier New" pitchFamily="49" charset="0"/>
+              </a:rPr>
+              <a:t>app.route</a:t>
+            </a:r>
+            <a:r>
+              <a:rPr lang="en-US" altLang="ja-JP" sz="900" dirty="0">
+                <a:latin typeface="Courier New" pitchFamily="49" charset="0"/>
+                <a:cs typeface="Courier New" pitchFamily="49" charset="0"/>
+              </a:rPr>
+              <a:t>('/</a:t>
+            </a:r>
+            <a:r>
+              <a:rPr lang="en-US" altLang="ja-JP" sz="900" dirty="0" err="1">
+                <a:latin typeface="Courier New" pitchFamily="49" charset="0"/>
+                <a:cs typeface="Courier New" pitchFamily="49" charset="0"/>
+              </a:rPr>
+              <a:t>add_message</a:t>
+            </a:r>
+            <a:r>
+              <a:rPr lang="en-US" altLang="ja-JP" sz="900" dirty="0">
+                <a:latin typeface="Courier New" pitchFamily="49" charset="0"/>
+                <a:cs typeface="Courier New" pitchFamily="49" charset="0"/>
+              </a:rPr>
+              <a:t>', methods=['POST'])</a:t>
+            </a:r>
+          </a:p>
+          <a:p>
+            <a:pPr marL="0" indent="0">
+              <a:buNone/>
+            </a:pPr>
+            <a:r>
+              <a:rPr lang="en-US" altLang="ja-JP" sz="900" dirty="0" err="1">
+                <a:latin typeface="Courier New" pitchFamily="49" charset="0"/>
+                <a:cs typeface="Courier New" pitchFamily="49" charset="0"/>
+              </a:rPr>
+              <a:t>def</a:t>
+            </a:r>
+            <a:r>
+              <a:rPr lang="en-US" altLang="ja-JP" sz="900" dirty="0">
+                <a:latin typeface="Courier New" pitchFamily="49" charset="0"/>
+                <a:cs typeface="Courier New" pitchFamily="49" charset="0"/>
+              </a:rPr>
+              <a:t> </a:t>
+            </a:r>
+            <a:r>
+              <a:rPr lang="en-US" altLang="ja-JP" sz="900" dirty="0" err="1">
+                <a:latin typeface="Courier New" pitchFamily="49" charset="0"/>
+                <a:cs typeface="Courier New" pitchFamily="49" charset="0"/>
+              </a:rPr>
+              <a:t>add_message</a:t>
+            </a:r>
+            <a:r>
+              <a:rPr lang="en-US" altLang="ja-JP" sz="900" dirty="0">
+                <a:latin typeface="Courier New" pitchFamily="49" charset="0"/>
+                <a:cs typeface="Courier New" pitchFamily="49" charset="0"/>
+              </a:rPr>
+              <a:t>():</a:t>
+            </a:r>
+          </a:p>
+          <a:p>
+            <a:pPr marL="0" indent="0">
+              <a:buNone/>
+            </a:pPr>
+            <a:r>
+              <a:rPr lang="en-US" altLang="ja-JP" sz="900" dirty="0">
+                <a:latin typeface="Courier New" pitchFamily="49" charset="0"/>
+                <a:cs typeface="Courier New" pitchFamily="49" charset="0"/>
+              </a:rPr>
+              <a:t>    # Session</a:t>
+            </a:r>
+            <a:r>
+              <a:rPr lang="ja-JP" altLang="en-US" sz="900" dirty="0">
+                <a:latin typeface="Courier New" pitchFamily="49" charset="0"/>
+                <a:cs typeface="Courier New" pitchFamily="49" charset="0"/>
+              </a:rPr>
+              <a:t>にメッセージを登録</a:t>
+            </a:r>
+          </a:p>
+          <a:p>
+            <a:pPr marL="0" indent="0">
+              <a:buNone/>
+            </a:pPr>
+            <a:r>
+              <a:rPr lang="ja-JP" altLang="en-US" sz="900" dirty="0">
+                <a:latin typeface="Courier New" pitchFamily="49" charset="0"/>
+                <a:cs typeface="Courier New" pitchFamily="49" charset="0"/>
+              </a:rPr>
+              <a:t>    </a:t>
+            </a:r>
+            <a:r>
+              <a:rPr lang="en-US" altLang="ja-JP" sz="900" dirty="0" err="1">
+                <a:latin typeface="Courier New" pitchFamily="49" charset="0"/>
+                <a:cs typeface="Courier New" pitchFamily="49" charset="0"/>
+              </a:rPr>
+              <a:t>msgs</a:t>
+            </a:r>
+            <a:r>
+              <a:rPr lang="en-US" altLang="ja-JP" sz="900" dirty="0">
+                <a:latin typeface="Courier New" pitchFamily="49" charset="0"/>
+                <a:cs typeface="Courier New" pitchFamily="49" charset="0"/>
+              </a:rPr>
+              <a:t> = </a:t>
+            </a:r>
+            <a:r>
+              <a:rPr lang="en-US" altLang="ja-JP" sz="900" dirty="0" err="1">
+                <a:latin typeface="Courier New" pitchFamily="49" charset="0"/>
+                <a:cs typeface="Courier New" pitchFamily="49" charset="0"/>
+              </a:rPr>
+              <a:t>session.get</a:t>
+            </a:r>
+            <a:r>
+              <a:rPr lang="en-US" altLang="ja-JP" sz="900" dirty="0">
+                <a:latin typeface="Courier New" pitchFamily="49" charset="0"/>
+                <a:cs typeface="Courier New" pitchFamily="49" charset="0"/>
+              </a:rPr>
+              <a:t>('messages', [])</a:t>
+            </a:r>
+          </a:p>
+          <a:p>
+            <a:pPr marL="0" indent="0">
+              <a:buNone/>
+            </a:pPr>
+            <a:r>
+              <a:rPr lang="en-US" altLang="ja-JP" sz="900" dirty="0">
+                <a:latin typeface="Courier New" pitchFamily="49" charset="0"/>
+                <a:cs typeface="Courier New" pitchFamily="49" charset="0"/>
+              </a:rPr>
+              <a:t>    </a:t>
+            </a:r>
+            <a:r>
+              <a:rPr lang="en-US" altLang="ja-JP" sz="900" dirty="0" err="1">
+                <a:latin typeface="Courier New" pitchFamily="49" charset="0"/>
+                <a:cs typeface="Courier New" pitchFamily="49" charset="0"/>
+              </a:rPr>
+              <a:t>msgs.append</a:t>
+            </a:r>
+            <a:r>
+              <a:rPr lang="en-US" altLang="ja-JP" sz="900" dirty="0">
+                <a:latin typeface="Courier New" pitchFamily="49" charset="0"/>
+                <a:cs typeface="Courier New" pitchFamily="49" charset="0"/>
+              </a:rPr>
+              <a:t>(</a:t>
+            </a:r>
+            <a:r>
+              <a:rPr lang="en-US" altLang="ja-JP" sz="900" dirty="0" err="1">
+                <a:latin typeface="Courier New" pitchFamily="49" charset="0"/>
+                <a:cs typeface="Courier New" pitchFamily="49" charset="0"/>
+              </a:rPr>
+              <a:t>request.form</a:t>
+            </a:r>
+            <a:r>
+              <a:rPr lang="en-US" altLang="ja-JP" sz="900" dirty="0">
+                <a:latin typeface="Courier New" pitchFamily="49" charset="0"/>
+                <a:cs typeface="Courier New" pitchFamily="49" charset="0"/>
+              </a:rPr>
+              <a:t>['message'])</a:t>
+            </a:r>
+          </a:p>
+          <a:p>
+            <a:pPr marL="0" indent="0">
+              <a:buNone/>
+            </a:pPr>
+            <a:r>
+              <a:rPr lang="en-US" altLang="ja-JP" sz="900" dirty="0">
+                <a:latin typeface="Courier New" pitchFamily="49" charset="0"/>
+                <a:cs typeface="Courier New" pitchFamily="49" charset="0"/>
+              </a:rPr>
+              <a:t>    session['messages'] = </a:t>
+            </a:r>
+            <a:r>
+              <a:rPr lang="en-US" altLang="ja-JP" sz="900" dirty="0" err="1">
+                <a:latin typeface="Courier New" pitchFamily="49" charset="0"/>
+                <a:cs typeface="Courier New" pitchFamily="49" charset="0"/>
+              </a:rPr>
+              <a:t>msgs</a:t>
+            </a:r>
+            <a:r>
+              <a:rPr lang="en-US" altLang="ja-JP" sz="900" dirty="0">
+                <a:latin typeface="Courier New" pitchFamily="49" charset="0"/>
+                <a:cs typeface="Courier New" pitchFamily="49" charset="0"/>
+              </a:rPr>
+              <a:t>[-10:]</a:t>
+            </a:r>
+          </a:p>
+          <a:p>
+            <a:pPr marL="0" indent="0">
+              <a:buNone/>
+            </a:pPr>
+            <a:r>
+              <a:rPr lang="en-US" altLang="ja-JP" sz="900" dirty="0">
+                <a:latin typeface="Courier New" pitchFamily="49" charset="0"/>
+                <a:cs typeface="Courier New" pitchFamily="49" charset="0"/>
+              </a:rPr>
+              <a:t>    return redirect(</a:t>
+            </a:r>
+            <a:r>
+              <a:rPr lang="en-US" altLang="ja-JP" sz="900" dirty="0" err="1">
+                <a:latin typeface="Courier New" pitchFamily="49" charset="0"/>
+                <a:cs typeface="Courier New" pitchFamily="49" charset="0"/>
+              </a:rPr>
+              <a:t>url_for</a:t>
+            </a:r>
+            <a:r>
+              <a:rPr lang="en-US" altLang="ja-JP" sz="900" dirty="0">
+                <a:latin typeface="Courier New" pitchFamily="49" charset="0"/>
+                <a:cs typeface="Courier New" pitchFamily="49" charset="0"/>
+              </a:rPr>
+              <a:t>('</a:t>
+            </a:r>
+            <a:r>
+              <a:rPr lang="en-US" altLang="ja-JP" sz="900" dirty="0" err="1">
+                <a:latin typeface="Courier New" pitchFamily="49" charset="0"/>
+                <a:cs typeface="Courier New" pitchFamily="49" charset="0"/>
+              </a:rPr>
+              <a:t>show_messages</a:t>
+            </a:r>
+            <a:r>
+              <a:rPr lang="en-US" altLang="ja-JP" sz="900" dirty="0">
+                <a:latin typeface="Courier New" pitchFamily="49" charset="0"/>
+                <a:cs typeface="Courier New" pitchFamily="49" charset="0"/>
+              </a:rPr>
+              <a:t>'))</a:t>
+            </a:r>
+          </a:p>
+          <a:p>
+            <a:pPr marL="0" indent="0">
+              <a:buNone/>
+            </a:pPr>
+            <a:endParaRPr lang="en-US" altLang="ja-JP" sz="900" dirty="0">
+              <a:latin typeface="Courier New" pitchFamily="49" charset="0"/>
+              <a:cs typeface="Courier New" pitchFamily="49" charset="0"/>
+            </a:endParaRPr>
+          </a:p>
+          <a:p>
+            <a:pPr marL="0" indent="0">
+              <a:buNone/>
+            </a:pPr>
+            <a:endParaRPr lang="en-US" altLang="ja-JP" sz="900" dirty="0">
+              <a:latin typeface="Courier New" pitchFamily="49" charset="0"/>
+              <a:cs typeface="Courier New" pitchFamily="49" charset="0"/>
+            </a:endParaRPr>
+          </a:p>
+          <a:p>
+            <a:pPr marL="0" indent="0">
+              <a:buNone/>
+            </a:pPr>
+            <a:r>
+              <a:rPr lang="en-US" altLang="ja-JP" sz="900" dirty="0">
+                <a:latin typeface="Courier New" pitchFamily="49" charset="0"/>
+                <a:cs typeface="Courier New" pitchFamily="49" charset="0"/>
+              </a:rPr>
+              <a:t># /show</a:t>
+            </a:r>
+            <a:r>
+              <a:rPr lang="ja-JP" altLang="en-US" sz="900" dirty="0">
+                <a:latin typeface="Courier New" pitchFamily="49" charset="0"/>
+                <a:cs typeface="Courier New" pitchFamily="49" charset="0"/>
+              </a:rPr>
+              <a:t>でリクエストのメッセージを登録</a:t>
+            </a:r>
+          </a:p>
+          <a:p>
+            <a:pPr marL="0" indent="0">
+              <a:buNone/>
+            </a:pPr>
+            <a:r>
+              <a:rPr lang="en-US" altLang="ja-JP" sz="900" dirty="0">
+                <a:latin typeface="Courier New" pitchFamily="49" charset="0"/>
+                <a:cs typeface="Courier New" pitchFamily="49" charset="0"/>
+              </a:rPr>
+              <a:t>@</a:t>
+            </a:r>
+            <a:r>
+              <a:rPr lang="en-US" altLang="ja-JP" sz="900" dirty="0" err="1">
+                <a:latin typeface="Courier New" pitchFamily="49" charset="0"/>
+                <a:cs typeface="Courier New" pitchFamily="49" charset="0"/>
+              </a:rPr>
+              <a:t>app.route</a:t>
+            </a:r>
+            <a:r>
+              <a:rPr lang="en-US" altLang="ja-JP" sz="900" dirty="0">
+                <a:latin typeface="Courier New" pitchFamily="49" charset="0"/>
+                <a:cs typeface="Courier New" pitchFamily="49" charset="0"/>
+              </a:rPr>
+              <a:t>('/show')</a:t>
+            </a:r>
+          </a:p>
+          <a:p>
+            <a:pPr marL="0" indent="0">
+              <a:buNone/>
+            </a:pPr>
+            <a:r>
+              <a:rPr lang="en-US" altLang="ja-JP" sz="900" dirty="0" err="1">
+                <a:latin typeface="Courier New" pitchFamily="49" charset="0"/>
+                <a:cs typeface="Courier New" pitchFamily="49" charset="0"/>
+              </a:rPr>
+              <a:t>def</a:t>
+            </a:r>
+            <a:r>
+              <a:rPr lang="en-US" altLang="ja-JP" sz="900" dirty="0">
+                <a:latin typeface="Courier New" pitchFamily="49" charset="0"/>
+                <a:cs typeface="Courier New" pitchFamily="49" charset="0"/>
+              </a:rPr>
+              <a:t> </a:t>
+            </a:r>
+            <a:r>
+              <a:rPr lang="en-US" altLang="ja-JP" sz="900" dirty="0" err="1">
+                <a:latin typeface="Courier New" pitchFamily="49" charset="0"/>
+                <a:cs typeface="Courier New" pitchFamily="49" charset="0"/>
+              </a:rPr>
+              <a:t>show_messages</a:t>
+            </a:r>
+            <a:r>
+              <a:rPr lang="en-US" altLang="ja-JP" sz="900" dirty="0">
+                <a:latin typeface="Courier New" pitchFamily="49" charset="0"/>
+                <a:cs typeface="Courier New" pitchFamily="49" charset="0"/>
+              </a:rPr>
+              <a:t>():</a:t>
+            </a:r>
+          </a:p>
+          <a:p>
+            <a:pPr marL="0" indent="0">
+              <a:buNone/>
+            </a:pPr>
+            <a:r>
+              <a:rPr lang="en-US" altLang="ja-JP" sz="900" dirty="0">
+                <a:latin typeface="Courier New" pitchFamily="49" charset="0"/>
+                <a:cs typeface="Courier New" pitchFamily="49" charset="0"/>
+              </a:rPr>
+              <a:t>    # </a:t>
+            </a:r>
+            <a:r>
+              <a:rPr lang="ja-JP" altLang="en-US" sz="900" dirty="0">
+                <a:latin typeface="Courier New" pitchFamily="49" charset="0"/>
+                <a:cs typeface="Courier New" pitchFamily="49" charset="0"/>
+              </a:rPr>
+              <a:t>テンプレートファイル </a:t>
+            </a:r>
+            <a:r>
+              <a:rPr lang="en-US" altLang="ja-JP" sz="900" dirty="0">
+                <a:latin typeface="Courier New" pitchFamily="49" charset="0"/>
+                <a:cs typeface="Courier New" pitchFamily="49" charset="0"/>
+              </a:rPr>
+              <a:t>templates/show_messages.html</a:t>
+            </a:r>
+            <a:r>
+              <a:rPr lang="ja-JP" altLang="en-US" sz="900" dirty="0">
+                <a:latin typeface="Courier New" pitchFamily="49" charset="0"/>
+                <a:cs typeface="Courier New" pitchFamily="49" charset="0"/>
+              </a:rPr>
+              <a:t>を表示</a:t>
+            </a:r>
+          </a:p>
+          <a:p>
+            <a:pPr marL="0" indent="0">
+              <a:buNone/>
+            </a:pPr>
+            <a:r>
+              <a:rPr lang="ja-JP" altLang="en-US" sz="900" dirty="0">
+                <a:latin typeface="Courier New" pitchFamily="49" charset="0"/>
+                <a:cs typeface="Courier New" pitchFamily="49" charset="0"/>
+              </a:rPr>
+              <a:t>    </a:t>
+            </a:r>
+            <a:r>
+              <a:rPr lang="en-US" altLang="ja-JP" sz="900" dirty="0">
+                <a:latin typeface="Courier New" pitchFamily="49" charset="0"/>
+                <a:cs typeface="Courier New" pitchFamily="49" charset="0"/>
+              </a:rPr>
+              <a:t>return </a:t>
+            </a:r>
+            <a:r>
+              <a:rPr lang="en-US" altLang="ja-JP" sz="900" dirty="0" err="1">
+                <a:latin typeface="Courier New" pitchFamily="49" charset="0"/>
+                <a:cs typeface="Courier New" pitchFamily="49" charset="0"/>
+              </a:rPr>
+              <a:t>render_template</a:t>
+            </a:r>
+            <a:r>
+              <a:rPr lang="en-US" altLang="ja-JP" sz="900" dirty="0">
+                <a:latin typeface="Courier New" pitchFamily="49" charset="0"/>
+                <a:cs typeface="Courier New" pitchFamily="49" charset="0"/>
+              </a:rPr>
+              <a:t>('show_messages.html',</a:t>
+            </a:r>
+          </a:p>
+          <a:p>
+            <a:pPr marL="0" indent="0">
+              <a:buNone/>
+            </a:pPr>
+            <a:r>
+              <a:rPr lang="en-US" altLang="ja-JP" sz="900" dirty="0">
+                <a:latin typeface="Courier New" pitchFamily="49" charset="0"/>
+                <a:cs typeface="Courier New" pitchFamily="49" charset="0"/>
+              </a:rPr>
+              <a:t>                           messages=reversed(session['messages']))</a:t>
+            </a:r>
+          </a:p>
+          <a:p>
+            <a:pPr marL="0" indent="0">
+              <a:buNone/>
+            </a:pPr>
+            <a:endParaRPr lang="en-US" altLang="ja-JP" sz="900" dirty="0">
+              <a:latin typeface="Courier New" pitchFamily="49" charset="0"/>
+              <a:cs typeface="Courier New" pitchFamily="49" charset="0"/>
+            </a:endParaRPr>
+          </a:p>
+          <a:p>
+            <a:pPr marL="0" indent="0">
+              <a:buNone/>
+            </a:pPr>
+            <a:r>
+              <a:rPr lang="en-US" altLang="ja-JP" sz="900" dirty="0" err="1">
+                <a:latin typeface="Courier New" pitchFamily="49" charset="0"/>
+                <a:cs typeface="Courier New" pitchFamily="49" charset="0"/>
+              </a:rPr>
+              <a:t>def</a:t>
+            </a:r>
+            <a:r>
+              <a:rPr lang="en-US" altLang="ja-JP" sz="900" dirty="0">
+                <a:latin typeface="Courier New" pitchFamily="49" charset="0"/>
+                <a:cs typeface="Courier New" pitchFamily="49" charset="0"/>
+              </a:rPr>
+              <a:t> main():</a:t>
+            </a:r>
+          </a:p>
+          <a:p>
+            <a:pPr marL="0" indent="0">
+              <a:buNone/>
+            </a:pPr>
+            <a:r>
+              <a:rPr lang="en-US" altLang="ja-JP" sz="900" dirty="0">
+                <a:latin typeface="Courier New" pitchFamily="49" charset="0"/>
+                <a:cs typeface="Courier New" pitchFamily="49" charset="0"/>
+              </a:rPr>
+              <a:t>    </a:t>
+            </a:r>
+            <a:r>
+              <a:rPr lang="en-US" altLang="ja-JP" sz="900" dirty="0" err="1">
+                <a:latin typeface="Courier New" pitchFamily="49" charset="0"/>
+                <a:cs typeface="Courier New" pitchFamily="49" charset="0"/>
+              </a:rPr>
+              <a:t>app.secret_key</a:t>
+            </a:r>
+            <a:r>
+              <a:rPr lang="en-US" altLang="ja-JP" sz="900" dirty="0">
+                <a:latin typeface="Courier New" pitchFamily="49" charset="0"/>
+                <a:cs typeface="Courier New" pitchFamily="49" charset="0"/>
+              </a:rPr>
+              <a:t> = "secret"</a:t>
+            </a:r>
+          </a:p>
+          <a:p>
+            <a:pPr marL="0" indent="0">
+              <a:buNone/>
+            </a:pPr>
+            <a:r>
+              <a:rPr lang="en-US" altLang="ja-JP" sz="900" dirty="0">
+                <a:latin typeface="Courier New" pitchFamily="49" charset="0"/>
+                <a:cs typeface="Courier New" pitchFamily="49" charset="0"/>
+              </a:rPr>
+              <a:t>    </a:t>
+            </a:r>
+            <a:r>
+              <a:rPr lang="en-US" altLang="ja-JP" sz="900" dirty="0" err="1">
+                <a:latin typeface="Courier New" pitchFamily="49" charset="0"/>
+                <a:cs typeface="Courier New" pitchFamily="49" charset="0"/>
+              </a:rPr>
+              <a:t>app.run</a:t>
+            </a:r>
+            <a:r>
+              <a:rPr lang="en-US" altLang="ja-JP" sz="900" dirty="0">
+                <a:latin typeface="Courier New" pitchFamily="49" charset="0"/>
+                <a:cs typeface="Courier New" pitchFamily="49" charset="0"/>
+              </a:rPr>
+              <a:t>(debug = True)</a:t>
+            </a:r>
+          </a:p>
+          <a:p>
+            <a:pPr marL="0" indent="0">
+              <a:buNone/>
+            </a:pPr>
+            <a:r>
+              <a:rPr lang="en-US" altLang="ja-JP" sz="900" dirty="0">
+                <a:latin typeface="Courier New" pitchFamily="49" charset="0"/>
+                <a:cs typeface="Courier New" pitchFamily="49" charset="0"/>
+              </a:rPr>
+              <a:t>    </a:t>
+            </a:r>
+          </a:p>
+          <a:p>
+            <a:pPr marL="0" indent="0">
+              <a:buNone/>
+            </a:pPr>
+            <a:r>
+              <a:rPr lang="en-US" altLang="ja-JP" sz="900" dirty="0">
+                <a:latin typeface="Courier New" pitchFamily="49" charset="0"/>
+                <a:cs typeface="Courier New" pitchFamily="49" charset="0"/>
+              </a:rPr>
+              <a:t>if __name__ == '__main__':</a:t>
+            </a:r>
+          </a:p>
+          <a:p>
+            <a:pPr marL="0" indent="0">
+              <a:buNone/>
+            </a:pPr>
+            <a:r>
+              <a:rPr lang="en-US" altLang="ja-JP" sz="900" dirty="0">
+                <a:latin typeface="Courier New" pitchFamily="49" charset="0"/>
+                <a:cs typeface="Courier New" pitchFamily="49" charset="0"/>
+              </a:rPr>
+              <a:t>    main()</a:t>
+            </a:r>
+            <a:endParaRPr kumimoji="1" lang="ja-JP" altLang="en-US" sz="900" dirty="0">
+              <a:latin typeface="Courier New" pitchFamily="49" charset="0"/>
+              <a:cs typeface="Courier New" pitchFamily="49" charset="0"/>
+            </a:endParaRPr>
           </a:p>
         </p:txBody>
       </p:sp>
@@ -6706,7 +7601,7 @@
     </p:spTree>
     <p:extLst>
       <p:ext uri="{BB962C8B-B14F-4D97-AF65-F5344CB8AC3E}">
-        <p14:creationId xmlns:p14="http://schemas.microsoft.com/office/powerpoint/2010/main" val="2816356892"/>
+        <p14:creationId xmlns:p14="http://schemas.microsoft.com/office/powerpoint/2010/main" val="3387187589"/>
       </p:ext>
     </p:extLst>
   </p:cSld>
@@ -6750,46 +7645,46 @@
             <p:ph type="title"/>
           </p:nvPr>
         </p:nvSpPr>
-        <p:spPr/>
-        <p:txBody>
-          <a:bodyPr/>
-          <a:lstStyle/>
-          <a:p>
-            <a:r>
-              <a:rPr lang="en-US" altLang="ja-JP" dirty="0"/>
-              <a:t>Flask</a:t>
-            </a:r>
-            <a:r>
-              <a:rPr lang="ja-JP" altLang="en-US" dirty="0"/>
-              <a:t>による</a:t>
-            </a:r>
-            <a:r>
-              <a:rPr lang="en-US" altLang="ja-JP" dirty="0"/>
-              <a:t>Web</a:t>
-            </a:r>
-            <a:r>
-              <a:rPr lang="ja-JP" altLang="en-US" dirty="0"/>
-              <a:t>アプリケーション</a:t>
-            </a:r>
-            <a:endParaRPr kumimoji="1" lang="ja-JP" altLang="en-US" dirty="0"/>
-          </a:p>
-        </p:txBody>
-      </p:sp>
-      <p:sp>
-        <p:nvSpPr>
-          <p:cNvPr id="3" name="コンテンツ プレースホルダー 2"/>
-          <p:cNvSpPr>
-            <a:spLocks noGrp="1"/>
-          </p:cNvSpPr>
-          <p:nvPr>
-            <p:ph idx="1"/>
-          </p:nvPr>
-        </p:nvSpPr>
         <p:spPr>
           <a:xfrm>
-            <a:off x="457200" y="1600201"/>
-            <a:ext cx="8229600" cy="1252735"/>
+            <a:off x="457200" y="274638"/>
+            <a:ext cx="8363272" cy="1143000"/>
           </a:xfrm>
+        </p:spPr>
+        <p:txBody>
+          <a:bodyPr>
+            <a:noAutofit/>
+          </a:bodyPr>
+          <a:lstStyle/>
+          <a:p>
+            <a:r>
+              <a:rPr kumimoji="1" lang="en-US" altLang="ja-JP" sz="3400" dirty="0" smtClean="0"/>
+              <a:t>message_form.html</a:t>
+            </a:r>
+            <a:endParaRPr kumimoji="1" lang="ja-JP" altLang="en-US" sz="3400" dirty="0"/>
+          </a:p>
+        </p:txBody>
+      </p:sp>
+      <p:sp>
+        <p:nvSpPr>
+          <p:cNvPr id="3" name="コンテンツ プレースホルダー 2"/>
+          <p:cNvSpPr>
+            <a:spLocks noGrp="1"/>
+          </p:cNvSpPr>
+          <p:nvPr>
+            <p:ph idx="1"/>
+          </p:nvPr>
+        </p:nvSpPr>
+        <p:spPr>
+          <a:xfrm>
+            <a:off x="457200" y="1268760"/>
+            <a:ext cx="8219256" cy="4525963"/>
+          </a:xfrm>
+          <a:ln>
+            <a:solidFill>
+              <a:schemeClr val="tx2"/>
+            </a:solidFill>
+          </a:ln>
         </p:spPr>
         <p:txBody>
           <a:bodyPr>
@@ -6801,18 +7696,315 @@
               <a:buNone/>
             </a:pPr>
             <a:r>
-              <a:rPr lang="en-US" altLang="ja-JP" dirty="0"/>
-              <a:t>5</a:t>
-            </a:r>
-            <a:r>
-              <a:rPr kumimoji="1" lang="en-US" altLang="ja-JP" dirty="0" smtClean="0"/>
-              <a:t>. </a:t>
-            </a:r>
-            <a:r>
-              <a:rPr kumimoji="1" lang="ja-JP" altLang="en-US" dirty="0" smtClean="0"/>
-              <a:t>ソースコード解説</a:t>
-            </a:r>
-            <a:endParaRPr kumimoji="1" lang="en-US" altLang="ja-JP" sz="2200" dirty="0"/>
+              <a:rPr lang="en-US" altLang="ja-JP" sz="1400" dirty="0">
+                <a:latin typeface="Courier New" pitchFamily="49" charset="0"/>
+                <a:cs typeface="Courier New" pitchFamily="49" charset="0"/>
+              </a:rPr>
+              <a:t>&lt;!</a:t>
+            </a:r>
+            <a:r>
+              <a:rPr lang="en-US" altLang="ja-JP" sz="1400" dirty="0" err="1">
+                <a:latin typeface="Courier New" pitchFamily="49" charset="0"/>
+                <a:cs typeface="Courier New" pitchFamily="49" charset="0"/>
+              </a:rPr>
+              <a:t>doctype</a:t>
+            </a:r>
+            <a:r>
+              <a:rPr lang="en-US" altLang="ja-JP" sz="1400" dirty="0">
+                <a:latin typeface="Courier New" pitchFamily="49" charset="0"/>
+                <a:cs typeface="Courier New" pitchFamily="49" charset="0"/>
+              </a:rPr>
+              <a:t> html&gt;</a:t>
+            </a:r>
+          </a:p>
+          <a:p>
+            <a:pPr marL="0" indent="0">
+              <a:buNone/>
+            </a:pPr>
+            <a:r>
+              <a:rPr lang="en-US" altLang="ja-JP" sz="1400" dirty="0">
+                <a:latin typeface="Courier New" pitchFamily="49" charset="0"/>
+                <a:cs typeface="Courier New" pitchFamily="49" charset="0"/>
+              </a:rPr>
+              <a:t>&lt;link </a:t>
+            </a:r>
+            <a:r>
+              <a:rPr lang="en-US" altLang="ja-JP" sz="1400" dirty="0" err="1">
+                <a:latin typeface="Courier New" pitchFamily="49" charset="0"/>
+                <a:cs typeface="Courier New" pitchFamily="49" charset="0"/>
+              </a:rPr>
+              <a:t>rel</a:t>
+            </a:r>
+            <a:r>
+              <a:rPr lang="en-US" altLang="ja-JP" sz="1400" dirty="0">
+                <a:latin typeface="Courier New" pitchFamily="49" charset="0"/>
+                <a:cs typeface="Courier New" pitchFamily="49" charset="0"/>
+              </a:rPr>
+              <a:t>=</a:t>
+            </a:r>
+            <a:r>
+              <a:rPr lang="en-US" altLang="ja-JP" sz="1400" dirty="0" err="1">
+                <a:latin typeface="Courier New" pitchFamily="49" charset="0"/>
+                <a:cs typeface="Courier New" pitchFamily="49" charset="0"/>
+              </a:rPr>
+              <a:t>stylesheet</a:t>
+            </a:r>
+            <a:r>
+              <a:rPr lang="en-US" altLang="ja-JP" sz="1400" dirty="0">
+                <a:latin typeface="Courier New" pitchFamily="49" charset="0"/>
+                <a:cs typeface="Courier New" pitchFamily="49" charset="0"/>
+              </a:rPr>
+              <a:t> type=text/</a:t>
+            </a:r>
+            <a:r>
+              <a:rPr lang="en-US" altLang="ja-JP" sz="1400" dirty="0" err="1">
+                <a:latin typeface="Courier New" pitchFamily="49" charset="0"/>
+                <a:cs typeface="Courier New" pitchFamily="49" charset="0"/>
+              </a:rPr>
+              <a:t>css</a:t>
+            </a:r>
+            <a:r>
+              <a:rPr lang="en-US" altLang="ja-JP" sz="1400" dirty="0">
+                <a:latin typeface="Courier New" pitchFamily="49" charset="0"/>
+                <a:cs typeface="Courier New" pitchFamily="49" charset="0"/>
+              </a:rPr>
+              <a:t> </a:t>
+            </a:r>
+            <a:r>
+              <a:rPr lang="en-US" altLang="ja-JP" sz="1400" dirty="0" err="1">
+                <a:latin typeface="Courier New" pitchFamily="49" charset="0"/>
+                <a:cs typeface="Courier New" pitchFamily="49" charset="0"/>
+              </a:rPr>
+              <a:t>href</a:t>
+            </a:r>
+            <a:r>
+              <a:rPr lang="en-US" altLang="ja-JP" sz="1400" dirty="0">
+                <a:latin typeface="Courier New" pitchFamily="49" charset="0"/>
+                <a:cs typeface="Courier New" pitchFamily="49" charset="0"/>
+              </a:rPr>
+              <a:t>="{{ </a:t>
+            </a:r>
+            <a:r>
+              <a:rPr lang="en-US" altLang="ja-JP" sz="1400" dirty="0" err="1">
+                <a:latin typeface="Courier New" pitchFamily="49" charset="0"/>
+                <a:cs typeface="Courier New" pitchFamily="49" charset="0"/>
+              </a:rPr>
+              <a:t>url_for</a:t>
+            </a:r>
+            <a:r>
+              <a:rPr lang="en-US" altLang="ja-JP" sz="1400" dirty="0">
+                <a:latin typeface="Courier New" pitchFamily="49" charset="0"/>
+                <a:cs typeface="Courier New" pitchFamily="49" charset="0"/>
+              </a:rPr>
+              <a:t>('static', filename='style.css') }}"&gt;</a:t>
+            </a:r>
+          </a:p>
+          <a:p>
+            <a:pPr marL="0" indent="0">
+              <a:buNone/>
+            </a:pPr>
+            <a:r>
+              <a:rPr lang="en-US" altLang="ja-JP" sz="1400" dirty="0">
+                <a:latin typeface="Courier New" pitchFamily="49" charset="0"/>
+                <a:cs typeface="Courier New" pitchFamily="49" charset="0"/>
+              </a:rPr>
+              <a:t>&lt;title&gt;</a:t>
+            </a:r>
+            <a:r>
+              <a:rPr lang="ja-JP" altLang="en-US" sz="1400" dirty="0">
+                <a:latin typeface="Courier New" pitchFamily="49" charset="0"/>
+                <a:cs typeface="Courier New" pitchFamily="49" charset="0"/>
+              </a:rPr>
+              <a:t>メッセージ登録</a:t>
+            </a:r>
+            <a:r>
+              <a:rPr lang="en-US" altLang="ja-JP" sz="1400" dirty="0">
+                <a:latin typeface="Courier New" pitchFamily="49" charset="0"/>
+                <a:cs typeface="Courier New" pitchFamily="49" charset="0"/>
+              </a:rPr>
+              <a:t>&lt;/title&gt;</a:t>
+            </a:r>
+          </a:p>
+          <a:p>
+            <a:pPr marL="0" indent="0">
+              <a:buNone/>
+            </a:pPr>
+            <a:endParaRPr lang="en-US" altLang="ja-JP" sz="1400" dirty="0">
+              <a:latin typeface="Courier New" pitchFamily="49" charset="0"/>
+              <a:cs typeface="Courier New" pitchFamily="49" charset="0"/>
+            </a:endParaRPr>
+          </a:p>
+          <a:p>
+            <a:pPr marL="0" indent="0">
+              <a:buNone/>
+            </a:pPr>
+            <a:r>
+              <a:rPr lang="en-US" altLang="ja-JP" sz="1400" dirty="0">
+                <a:latin typeface="Courier New" pitchFamily="49" charset="0"/>
+                <a:cs typeface="Courier New" pitchFamily="49" charset="0"/>
+              </a:rPr>
+              <a:t>&lt;h1&gt;</a:t>
+            </a:r>
+            <a:r>
+              <a:rPr lang="ja-JP" altLang="en-US" sz="1400" dirty="0">
+                <a:latin typeface="Courier New" pitchFamily="49" charset="0"/>
+                <a:cs typeface="Courier New" pitchFamily="49" charset="0"/>
+              </a:rPr>
+              <a:t>メッセージ登録</a:t>
+            </a:r>
+            <a:r>
+              <a:rPr lang="en-US" altLang="ja-JP" sz="1400" dirty="0">
+                <a:latin typeface="Courier New" pitchFamily="49" charset="0"/>
+                <a:cs typeface="Courier New" pitchFamily="49" charset="0"/>
+              </a:rPr>
+              <a:t>&lt;/h1&gt;</a:t>
+            </a:r>
+          </a:p>
+          <a:p>
+            <a:pPr marL="0" indent="0">
+              <a:buNone/>
+            </a:pPr>
+            <a:r>
+              <a:rPr lang="en-US" altLang="ja-JP" sz="1400" dirty="0">
+                <a:latin typeface="Courier New" pitchFamily="49" charset="0"/>
+                <a:cs typeface="Courier New" pitchFamily="49" charset="0"/>
+              </a:rPr>
+              <a:t>&lt;form method="post" action="{{</a:t>
+            </a:r>
+            <a:r>
+              <a:rPr lang="en-US" altLang="ja-JP" sz="1400" dirty="0" err="1">
+                <a:latin typeface="Courier New" pitchFamily="49" charset="0"/>
+                <a:cs typeface="Courier New" pitchFamily="49" charset="0"/>
+              </a:rPr>
+              <a:t>url_for</a:t>
+            </a:r>
+            <a:r>
+              <a:rPr lang="en-US" altLang="ja-JP" sz="1400" dirty="0">
+                <a:latin typeface="Courier New" pitchFamily="49" charset="0"/>
+                <a:cs typeface="Courier New" pitchFamily="49" charset="0"/>
+              </a:rPr>
+              <a:t>('</a:t>
+            </a:r>
+            <a:r>
+              <a:rPr lang="en-US" altLang="ja-JP" sz="1400" dirty="0" err="1">
+                <a:latin typeface="Courier New" pitchFamily="49" charset="0"/>
+                <a:cs typeface="Courier New" pitchFamily="49" charset="0"/>
+              </a:rPr>
+              <a:t>add_message</a:t>
+            </a:r>
+            <a:r>
+              <a:rPr lang="en-US" altLang="ja-JP" sz="1400" dirty="0">
+                <a:latin typeface="Courier New" pitchFamily="49" charset="0"/>
+                <a:cs typeface="Courier New" pitchFamily="49" charset="0"/>
+              </a:rPr>
+              <a:t>')}}"&gt;</a:t>
+            </a:r>
+          </a:p>
+          <a:p>
+            <a:pPr marL="0" indent="0">
+              <a:buNone/>
+            </a:pPr>
+            <a:r>
+              <a:rPr lang="en-US" altLang="ja-JP" sz="1400" dirty="0">
+                <a:latin typeface="Courier New" pitchFamily="49" charset="0"/>
+                <a:cs typeface="Courier New" pitchFamily="49" charset="0"/>
+              </a:rPr>
+              <a:t>&lt;div&gt;</a:t>
+            </a:r>
+            <a:r>
+              <a:rPr lang="ja-JP" altLang="en-US" sz="1400" dirty="0">
+                <a:latin typeface="Courier New" pitchFamily="49" charset="0"/>
+                <a:cs typeface="Courier New" pitchFamily="49" charset="0"/>
+              </a:rPr>
+              <a:t>メッセージ </a:t>
+            </a:r>
+            <a:r>
+              <a:rPr lang="en-US" altLang="ja-JP" sz="1400" dirty="0">
+                <a:latin typeface="Courier New" pitchFamily="49" charset="0"/>
+                <a:cs typeface="Courier New" pitchFamily="49" charset="0"/>
+              </a:rPr>
+              <a:t>:</a:t>
+            </a:r>
+          </a:p>
+          <a:p>
+            <a:pPr marL="0" indent="0">
+              <a:buNone/>
+            </a:pPr>
+            <a:r>
+              <a:rPr lang="en-US" altLang="ja-JP" sz="1400" dirty="0">
+                <a:latin typeface="Courier New" pitchFamily="49" charset="0"/>
+                <a:cs typeface="Courier New" pitchFamily="49" charset="0"/>
+              </a:rPr>
+              <a:t>  &lt;input type="text" name="message" size=40&gt;</a:t>
+            </a:r>
+          </a:p>
+          <a:p>
+            <a:pPr marL="0" indent="0">
+              <a:buNone/>
+            </a:pPr>
+            <a:r>
+              <a:rPr lang="en-US" altLang="ja-JP" sz="1400" dirty="0">
+                <a:latin typeface="Courier New" pitchFamily="49" charset="0"/>
+                <a:cs typeface="Courier New" pitchFamily="49" charset="0"/>
+              </a:rPr>
+              <a:t>  &lt;button type="submit"&gt;</a:t>
+            </a:r>
+            <a:r>
+              <a:rPr lang="ja-JP" altLang="en-US" sz="1400" dirty="0">
+                <a:latin typeface="Courier New" pitchFamily="49" charset="0"/>
+                <a:cs typeface="Courier New" pitchFamily="49" charset="0"/>
+              </a:rPr>
+              <a:t>登録</a:t>
+            </a:r>
+            <a:r>
+              <a:rPr lang="en-US" altLang="ja-JP" sz="1400" dirty="0">
+                <a:latin typeface="Courier New" pitchFamily="49" charset="0"/>
+                <a:cs typeface="Courier New" pitchFamily="49" charset="0"/>
+              </a:rPr>
+              <a:t>&lt;/button&gt;</a:t>
+            </a:r>
+          </a:p>
+          <a:p>
+            <a:pPr marL="0" indent="0">
+              <a:buNone/>
+            </a:pPr>
+            <a:r>
+              <a:rPr lang="en-US" altLang="ja-JP" sz="1400" dirty="0">
+                <a:latin typeface="Courier New" pitchFamily="49" charset="0"/>
+                <a:cs typeface="Courier New" pitchFamily="49" charset="0"/>
+              </a:rPr>
+              <a:t>&lt;/div&gt;</a:t>
+            </a:r>
+          </a:p>
+          <a:p>
+            <a:pPr marL="0" indent="0">
+              <a:buNone/>
+            </a:pPr>
+            <a:endParaRPr lang="en-US" altLang="ja-JP" sz="1400" dirty="0">
+              <a:latin typeface="Courier New" pitchFamily="49" charset="0"/>
+              <a:cs typeface="Courier New" pitchFamily="49" charset="0"/>
+            </a:endParaRPr>
+          </a:p>
+          <a:p>
+            <a:pPr marL="0" indent="0">
+              <a:buNone/>
+            </a:pPr>
+            <a:r>
+              <a:rPr lang="en-US" altLang="ja-JP" sz="1400" dirty="0">
+                <a:latin typeface="Courier New" pitchFamily="49" charset="0"/>
+                <a:cs typeface="Courier New" pitchFamily="49" charset="0"/>
+              </a:rPr>
+              <a:t>&lt;/form&gt;</a:t>
+            </a:r>
+          </a:p>
+          <a:p>
+            <a:pPr marL="0" indent="0">
+              <a:buNone/>
+            </a:pPr>
+            <a:endParaRPr kumimoji="1" lang="ja-JP" altLang="en-US" sz="1400" dirty="0">
+              <a:latin typeface="Courier New" pitchFamily="49" charset="0"/>
+              <a:cs typeface="Courier New" pitchFamily="49" charset="0"/>
+            </a:endParaRPr>
           </a:p>
         </p:txBody>
       </p:sp>
@@ -6885,528 +8077,16 @@
           </a:p>
         </p:txBody>
       </p:sp>
-      <p:sp>
-        <p:nvSpPr>
-          <p:cNvPr id="7" name="テキスト ボックス 6"/>
-          <p:cNvSpPr txBox="1"/>
-          <p:nvPr/>
-        </p:nvSpPr>
-        <p:spPr>
-          <a:xfrm>
-            <a:off x="628215" y="2348880"/>
-            <a:ext cx="3079689" cy="369332"/>
-          </a:xfrm>
-          <a:prstGeom prst="rect">
-            <a:avLst/>
-          </a:prstGeom>
-        </p:spPr>
-        <p:style>
-          <a:lnRef idx="1">
-            <a:schemeClr val="accent1"/>
-          </a:lnRef>
-          <a:fillRef idx="2">
-            <a:schemeClr val="accent1"/>
-          </a:fillRef>
-          <a:effectRef idx="1">
-            <a:schemeClr val="accent1"/>
-          </a:effectRef>
-          <a:fontRef idx="minor">
-            <a:schemeClr val="dk1"/>
-          </a:fontRef>
-        </p:style>
-        <p:txBody>
-          <a:bodyPr wrap="none" rtlCol="0">
-            <a:spAutoFit/>
-          </a:bodyPr>
-          <a:lstStyle/>
-          <a:p>
-            <a:r>
-              <a:rPr lang="en-US" altLang="ja-JP" dirty="0">
-                <a:latin typeface="Courier New" pitchFamily="49" charset="0"/>
-                <a:cs typeface="Courier New" pitchFamily="49" charset="0"/>
-              </a:rPr>
-              <a:t>app = Flask(__name</a:t>
-            </a:r>
-            <a:r>
-              <a:rPr lang="en-US" altLang="ja-JP" dirty="0" smtClean="0">
-                <a:latin typeface="Courier New" pitchFamily="49" charset="0"/>
-                <a:cs typeface="Courier New" pitchFamily="49" charset="0"/>
-              </a:rPr>
-              <a:t>__)</a:t>
-            </a:r>
-            <a:endParaRPr lang="en-US" altLang="ja-JP" dirty="0">
-              <a:latin typeface="Courier New" pitchFamily="49" charset="0"/>
-              <a:cs typeface="Courier New" pitchFamily="49" charset="0"/>
-            </a:endParaRPr>
-          </a:p>
-        </p:txBody>
-      </p:sp>
-      <p:sp>
-        <p:nvSpPr>
-          <p:cNvPr id="8" name="テキスト ボックス 7"/>
-          <p:cNvSpPr txBox="1"/>
-          <p:nvPr/>
-        </p:nvSpPr>
-        <p:spPr>
-          <a:xfrm>
-            <a:off x="3851920" y="2349460"/>
-            <a:ext cx="4903907" cy="430887"/>
-          </a:xfrm>
-          <a:prstGeom prst="rect">
-            <a:avLst/>
-          </a:prstGeom>
-          <a:noFill/>
-        </p:spPr>
-        <p:txBody>
-          <a:bodyPr wrap="none" rtlCol="0">
-            <a:spAutoFit/>
-          </a:bodyPr>
-          <a:lstStyle/>
-          <a:p>
-            <a:r>
-              <a:rPr kumimoji="1" lang="en-US" altLang="ja-JP" sz="2200" dirty="0" smtClean="0"/>
-              <a:t>Flask</a:t>
-            </a:r>
-            <a:r>
-              <a:rPr kumimoji="1" lang="ja-JP" altLang="en-US" sz="2200" dirty="0" smtClean="0"/>
-              <a:t>アプリケーションオブジェクトの作成</a:t>
-            </a:r>
-            <a:endParaRPr kumimoji="1" lang="ja-JP" altLang="en-US" sz="2200" dirty="0"/>
-          </a:p>
-        </p:txBody>
-      </p:sp>
-      <p:sp>
-        <p:nvSpPr>
-          <p:cNvPr id="9" name="テキスト ボックス 8"/>
-          <p:cNvSpPr txBox="1"/>
-          <p:nvPr/>
-        </p:nvSpPr>
-        <p:spPr>
-          <a:xfrm>
-            <a:off x="634576" y="2996952"/>
-            <a:ext cx="3073328" cy="923330"/>
-          </a:xfrm>
-          <a:prstGeom prst="rect">
-            <a:avLst/>
-          </a:prstGeom>
-        </p:spPr>
-        <p:style>
-          <a:lnRef idx="1">
-            <a:schemeClr val="accent1"/>
-          </a:lnRef>
-          <a:fillRef idx="2">
-            <a:schemeClr val="accent1"/>
-          </a:fillRef>
-          <a:effectRef idx="1">
-            <a:schemeClr val="accent1"/>
-          </a:effectRef>
-          <a:fontRef idx="minor">
-            <a:schemeClr val="dk1"/>
-          </a:fontRef>
-        </p:style>
-        <p:txBody>
-          <a:bodyPr wrap="square" rtlCol="0">
-            <a:spAutoFit/>
-          </a:bodyPr>
-          <a:lstStyle/>
-          <a:p>
-            <a:r>
-              <a:rPr lang="en-US" altLang="ja-JP" dirty="0">
-                <a:latin typeface="Courier New" pitchFamily="49" charset="0"/>
-                <a:cs typeface="Courier New" pitchFamily="49" charset="0"/>
-              </a:rPr>
-              <a:t>@</a:t>
-            </a:r>
-            <a:r>
-              <a:rPr lang="en-US" altLang="ja-JP" dirty="0" err="1">
-                <a:latin typeface="Courier New" pitchFamily="49" charset="0"/>
-                <a:cs typeface="Courier New" pitchFamily="49" charset="0"/>
-              </a:rPr>
-              <a:t>app.route</a:t>
-            </a:r>
-            <a:r>
-              <a:rPr lang="en-US" altLang="ja-JP" dirty="0">
-                <a:latin typeface="Courier New" pitchFamily="49" charset="0"/>
-                <a:cs typeface="Courier New" pitchFamily="49" charset="0"/>
-              </a:rPr>
-              <a:t>('/')</a:t>
-            </a:r>
-          </a:p>
-          <a:p>
-            <a:r>
-              <a:rPr lang="en-US" altLang="ja-JP" dirty="0" err="1">
-                <a:latin typeface="Courier New" pitchFamily="49" charset="0"/>
-                <a:cs typeface="Courier New" pitchFamily="49" charset="0"/>
-              </a:rPr>
-              <a:t>def</a:t>
-            </a:r>
-            <a:r>
-              <a:rPr lang="en-US" altLang="ja-JP" dirty="0">
-                <a:latin typeface="Courier New" pitchFamily="49" charset="0"/>
-                <a:cs typeface="Courier New" pitchFamily="49" charset="0"/>
-              </a:rPr>
-              <a:t> </a:t>
-            </a:r>
-            <a:r>
-              <a:rPr lang="en-US" altLang="ja-JP" dirty="0" err="1">
-                <a:latin typeface="Courier New" pitchFamily="49" charset="0"/>
-                <a:cs typeface="Courier New" pitchFamily="49" charset="0"/>
-              </a:rPr>
-              <a:t>index_html</a:t>
-            </a:r>
-            <a:r>
-              <a:rPr lang="en-US" altLang="ja-JP" dirty="0">
-                <a:latin typeface="Courier New" pitchFamily="49" charset="0"/>
-                <a:cs typeface="Courier New" pitchFamily="49" charset="0"/>
-              </a:rPr>
-              <a:t>():</a:t>
-            </a:r>
-          </a:p>
-          <a:p>
-            <a:r>
-              <a:rPr lang="en-US" altLang="ja-JP" dirty="0">
-                <a:latin typeface="Courier New" pitchFamily="49" charset="0"/>
-                <a:cs typeface="Courier New" pitchFamily="49" charset="0"/>
-              </a:rPr>
-              <a:t>    return </a:t>
-            </a:r>
-            <a:r>
-              <a:rPr lang="en-US" altLang="ja-JP" dirty="0" smtClean="0">
-                <a:latin typeface="Courier New" pitchFamily="49" charset="0"/>
-                <a:cs typeface="Courier New" pitchFamily="49" charset="0"/>
-              </a:rPr>
-              <a:t>"Hello"</a:t>
-            </a:r>
-            <a:endParaRPr lang="en-US" altLang="ja-JP" dirty="0">
-              <a:latin typeface="Courier New" pitchFamily="49" charset="0"/>
-              <a:cs typeface="Courier New" pitchFamily="49" charset="0"/>
-            </a:endParaRPr>
-          </a:p>
-        </p:txBody>
-      </p:sp>
-      <p:sp>
-        <p:nvSpPr>
-          <p:cNvPr id="10" name="テキスト ボックス 9"/>
-          <p:cNvSpPr txBox="1"/>
-          <p:nvPr/>
-        </p:nvSpPr>
-        <p:spPr>
-          <a:xfrm>
-            <a:off x="3851920" y="2996952"/>
-            <a:ext cx="4778872" cy="800219"/>
-          </a:xfrm>
-          <a:prstGeom prst="rect">
-            <a:avLst/>
-          </a:prstGeom>
-          <a:noFill/>
-        </p:spPr>
-        <p:txBody>
-          <a:bodyPr wrap="none" rtlCol="0">
-            <a:spAutoFit/>
-          </a:bodyPr>
-          <a:lstStyle/>
-          <a:p>
-            <a:r>
-              <a:rPr kumimoji="1" lang="en-US" altLang="ja-JP" sz="2400" b="1" dirty="0" smtClean="0">
-                <a:latin typeface="Courier New" pitchFamily="49" charset="0"/>
-                <a:cs typeface="Courier New" pitchFamily="49" charset="0"/>
-              </a:rPr>
-              <a:t>@</a:t>
-            </a:r>
-            <a:r>
-              <a:rPr kumimoji="1" lang="en-US" altLang="ja-JP" sz="2400" b="1" dirty="0" err="1" smtClean="0">
-                <a:latin typeface="Courier New" pitchFamily="49" charset="0"/>
-                <a:cs typeface="Courier New" pitchFamily="49" charset="0"/>
-              </a:rPr>
-              <a:t>app.route</a:t>
-            </a:r>
-            <a:r>
-              <a:rPr lang="en-US" altLang="ja-JP" sz="2400" b="1" dirty="0">
-                <a:latin typeface="Courier New" pitchFamily="49" charset="0"/>
-                <a:cs typeface="Courier New" pitchFamily="49" charset="0"/>
-              </a:rPr>
-              <a:t>('URL')</a:t>
-            </a:r>
-            <a:r>
-              <a:rPr kumimoji="1" lang="ja-JP" altLang="en-US" sz="2200" dirty="0" smtClean="0"/>
-              <a:t>で</a:t>
-            </a:r>
-            <a:r>
-              <a:rPr lang="ja-JP" altLang="en-US" sz="2200" dirty="0"/>
-              <a:t>、</a:t>
-            </a:r>
-            <a:r>
-              <a:rPr kumimoji="1" lang="en-US" altLang="ja-JP" sz="2200" dirty="0" smtClean="0"/>
-              <a:t>URL</a:t>
-            </a:r>
-            <a:r>
-              <a:rPr kumimoji="1" lang="ja-JP" altLang="en-US" sz="2200" dirty="0" smtClean="0"/>
-              <a:t>への</a:t>
-            </a:r>
-            <a:r>
-              <a:rPr kumimoji="1" lang="en-US" altLang="ja-JP" sz="2200" dirty="0" smtClean="0"/>
-              <a:t/>
-            </a:r>
-            <a:br>
-              <a:rPr kumimoji="1" lang="en-US" altLang="ja-JP" sz="2200" dirty="0" smtClean="0"/>
-            </a:br>
-            <a:r>
-              <a:rPr kumimoji="1" lang="ja-JP" altLang="en-US" sz="2200" dirty="0" smtClean="0"/>
-              <a:t>リクエストハンドラを指定</a:t>
-            </a:r>
-            <a:endParaRPr kumimoji="1" lang="ja-JP" altLang="en-US" sz="2200" dirty="0"/>
-          </a:p>
-        </p:txBody>
-      </p:sp>
-      <p:sp>
-        <p:nvSpPr>
-          <p:cNvPr id="11" name="テキスト ボックス 10"/>
-          <p:cNvSpPr txBox="1"/>
-          <p:nvPr/>
-        </p:nvSpPr>
-        <p:spPr>
-          <a:xfrm>
-            <a:off x="611560" y="4149080"/>
-            <a:ext cx="3096344" cy="923330"/>
-          </a:xfrm>
-          <a:prstGeom prst="rect">
-            <a:avLst/>
-          </a:prstGeom>
-        </p:spPr>
-        <p:style>
-          <a:lnRef idx="1">
-            <a:schemeClr val="accent1"/>
-          </a:lnRef>
-          <a:fillRef idx="2">
-            <a:schemeClr val="accent1"/>
-          </a:fillRef>
-          <a:effectRef idx="1">
-            <a:schemeClr val="accent1"/>
-          </a:effectRef>
-          <a:fontRef idx="minor">
-            <a:schemeClr val="dk1"/>
-          </a:fontRef>
-        </p:style>
-        <p:txBody>
-          <a:bodyPr wrap="square" rtlCol="0">
-            <a:spAutoFit/>
-          </a:bodyPr>
-          <a:lstStyle/>
-          <a:p>
-            <a:r>
-              <a:rPr lang="en-US" altLang="ja-JP" dirty="0" err="1" smtClean="0">
-                <a:latin typeface="Courier New" pitchFamily="49" charset="0"/>
-                <a:cs typeface="Courier New" pitchFamily="49" charset="0"/>
-              </a:rPr>
-              <a:t>render_template</a:t>
-            </a:r>
-            <a:r>
-              <a:rPr lang="en-US" altLang="ja-JP" dirty="0" smtClean="0">
-                <a:latin typeface="Courier New" pitchFamily="49" charset="0"/>
-                <a:cs typeface="Courier New" pitchFamily="49" charset="0"/>
-              </a:rPr>
-              <a:t>(</a:t>
-            </a:r>
-            <a:br>
-              <a:rPr lang="en-US" altLang="ja-JP" dirty="0" smtClean="0">
-                <a:latin typeface="Courier New" pitchFamily="49" charset="0"/>
-                <a:cs typeface="Courier New" pitchFamily="49" charset="0"/>
-              </a:rPr>
-            </a:br>
-            <a:r>
-              <a:rPr lang="en-US" altLang="ja-JP" dirty="0" smtClean="0">
-                <a:latin typeface="Courier New" pitchFamily="49" charset="0"/>
-                <a:cs typeface="Courier New" pitchFamily="49" charset="0"/>
-              </a:rPr>
-              <a:t>  '</a:t>
-            </a:r>
-            <a:r>
-              <a:rPr lang="ja-JP" altLang="en-US" dirty="0" smtClean="0">
-                <a:latin typeface="Courier New" pitchFamily="49" charset="0"/>
-                <a:cs typeface="Courier New" pitchFamily="49" charset="0"/>
-              </a:rPr>
-              <a:t>テンプレートファイル</a:t>
-            </a:r>
-            <a:r>
-              <a:rPr lang="en-US" altLang="ja-JP" dirty="0" smtClean="0">
-                <a:latin typeface="Courier New" pitchFamily="49" charset="0"/>
-                <a:cs typeface="Courier New" pitchFamily="49" charset="0"/>
-              </a:rPr>
-              <a:t>',</a:t>
-            </a:r>
-            <a:br>
-              <a:rPr lang="en-US" altLang="ja-JP" dirty="0" smtClean="0">
-                <a:latin typeface="Courier New" pitchFamily="49" charset="0"/>
-                <a:cs typeface="Courier New" pitchFamily="49" charset="0"/>
-              </a:rPr>
-            </a:br>
-            <a:r>
-              <a:rPr lang="en-US" altLang="ja-JP" dirty="0" smtClean="0">
-                <a:latin typeface="Courier New" pitchFamily="49" charset="0"/>
-                <a:cs typeface="Courier New" pitchFamily="49" charset="0"/>
-              </a:rPr>
-              <a:t>  </a:t>
-            </a:r>
-            <a:r>
-              <a:rPr lang="en-US" altLang="ja-JP" dirty="0" err="1" smtClean="0">
-                <a:latin typeface="Courier New" pitchFamily="49" charset="0"/>
-                <a:cs typeface="Courier New" pitchFamily="49" charset="0"/>
-              </a:rPr>
-              <a:t>arg</a:t>
-            </a:r>
-            <a:r>
-              <a:rPr lang="en-US" altLang="ja-JP" dirty="0" smtClean="0">
-                <a:latin typeface="Courier New" pitchFamily="49" charset="0"/>
-                <a:cs typeface="Courier New" pitchFamily="49" charset="0"/>
-              </a:rPr>
-              <a:t>=vale)</a:t>
-            </a:r>
-            <a:endParaRPr lang="en-US" altLang="ja-JP" dirty="0">
-              <a:latin typeface="Courier New" pitchFamily="49" charset="0"/>
-              <a:cs typeface="Courier New" pitchFamily="49" charset="0"/>
-            </a:endParaRPr>
-          </a:p>
-        </p:txBody>
-      </p:sp>
-      <p:sp>
-        <p:nvSpPr>
-          <p:cNvPr id="12" name="テキスト ボックス 11"/>
-          <p:cNvSpPr txBox="1"/>
-          <p:nvPr/>
-        </p:nvSpPr>
-        <p:spPr>
-          <a:xfrm>
-            <a:off x="4004320" y="4221088"/>
-            <a:ext cx="3446777" cy="430887"/>
-          </a:xfrm>
-          <a:prstGeom prst="rect">
-            <a:avLst/>
-          </a:prstGeom>
-          <a:noFill/>
-        </p:spPr>
-        <p:txBody>
-          <a:bodyPr wrap="none" rtlCol="0">
-            <a:spAutoFit/>
-          </a:bodyPr>
-          <a:lstStyle/>
-          <a:p>
-            <a:r>
-              <a:rPr kumimoji="1" lang="en-US" altLang="ja-JP" sz="2200" dirty="0" smtClean="0">
-                <a:latin typeface="Courier New" pitchFamily="49" charset="0"/>
-                <a:cs typeface="Courier New" pitchFamily="49" charset="0"/>
-              </a:rPr>
-              <a:t>Jinja2</a:t>
-            </a:r>
-            <a:r>
-              <a:rPr kumimoji="1" lang="ja-JP" altLang="en-US" sz="2200" dirty="0" smtClean="0">
-                <a:latin typeface="Courier New" pitchFamily="49" charset="0"/>
-                <a:cs typeface="Courier New" pitchFamily="49" charset="0"/>
-              </a:rPr>
-              <a:t>テンプレートを実行</a:t>
-            </a:r>
-            <a:endParaRPr kumimoji="1" lang="ja-JP" altLang="en-US" sz="2200" dirty="0"/>
-          </a:p>
-        </p:txBody>
-      </p:sp>
-      <p:sp>
-        <p:nvSpPr>
-          <p:cNvPr id="13" name="テキスト ボックス 12"/>
-          <p:cNvSpPr txBox="1"/>
-          <p:nvPr/>
-        </p:nvSpPr>
-        <p:spPr>
-          <a:xfrm>
-            <a:off x="611560" y="5291916"/>
-            <a:ext cx="3631122" cy="369332"/>
-          </a:xfrm>
-          <a:prstGeom prst="rect">
-            <a:avLst/>
-          </a:prstGeom>
-        </p:spPr>
-        <p:style>
-          <a:lnRef idx="1">
-            <a:schemeClr val="accent1"/>
-          </a:lnRef>
-          <a:fillRef idx="2">
-            <a:schemeClr val="accent1"/>
-          </a:fillRef>
-          <a:effectRef idx="1">
-            <a:schemeClr val="accent1"/>
-          </a:effectRef>
-          <a:fontRef idx="minor">
-            <a:schemeClr val="dk1"/>
-          </a:fontRef>
-        </p:style>
-        <p:txBody>
-          <a:bodyPr wrap="none" rtlCol="0">
-            <a:spAutoFit/>
-          </a:bodyPr>
-          <a:lstStyle/>
-          <a:p>
-            <a:r>
-              <a:rPr lang="en-US" altLang="ja-JP" dirty="0" err="1">
-                <a:latin typeface="Courier New" pitchFamily="49" charset="0"/>
-                <a:cs typeface="Courier New" pitchFamily="49" charset="0"/>
-              </a:rPr>
-              <a:t>app.secret_key</a:t>
-            </a:r>
-            <a:r>
-              <a:rPr lang="en-US" altLang="ja-JP" dirty="0">
-                <a:latin typeface="Courier New" pitchFamily="49" charset="0"/>
-                <a:cs typeface="Courier New" pitchFamily="49" charset="0"/>
-              </a:rPr>
-              <a:t> = "secret"</a:t>
-            </a:r>
-          </a:p>
-        </p:txBody>
-      </p:sp>
-      <p:sp>
-        <p:nvSpPr>
-          <p:cNvPr id="14" name="テキスト ボックス 13"/>
-          <p:cNvSpPr txBox="1"/>
-          <p:nvPr/>
-        </p:nvSpPr>
-        <p:spPr>
-          <a:xfrm>
-            <a:off x="4427984" y="5302369"/>
-            <a:ext cx="4719562" cy="430887"/>
-          </a:xfrm>
-          <a:prstGeom prst="rect">
-            <a:avLst/>
-          </a:prstGeom>
-          <a:noFill/>
-        </p:spPr>
-        <p:txBody>
-          <a:bodyPr wrap="none" rtlCol="0">
-            <a:spAutoFit/>
-          </a:bodyPr>
-          <a:lstStyle/>
-          <a:p>
-            <a:r>
-              <a:rPr kumimoji="1" lang="ja-JP" altLang="en-US" sz="2200" dirty="0" smtClean="0"/>
-              <a:t>セッションを利用するためのおまじない</a:t>
-            </a:r>
-            <a:endParaRPr kumimoji="1" lang="ja-JP" altLang="en-US" sz="2200" dirty="0"/>
-          </a:p>
-        </p:txBody>
-      </p:sp>
     </p:spTree>
     <p:extLst>
       <p:ext uri="{BB962C8B-B14F-4D97-AF65-F5344CB8AC3E}">
-        <p14:creationId xmlns:p14="http://schemas.microsoft.com/office/powerpoint/2010/main" val="1838766583"/>
+        <p14:creationId xmlns:p14="http://schemas.microsoft.com/office/powerpoint/2010/main" val="1234981894"/>
       </p:ext>
     </p:extLst>
   </p:cSld>
   <p:clrMapOvr>
     <a:masterClrMapping/>
   </p:clrMapOvr>
-  <p:timing>
-    <p:tnLst>
-      <p:par>
-        <p:cTn id="1" dur="indefinite" restart="never" nodeType="tmRoot"/>
-      </p:par>
-    </p:tnLst>
-  </p:timing>
 </p:sld>
 </file>
 
@@ -7429,86 +8109,6 @@
       </p:grpSpPr>
       <p:sp>
         <p:nvSpPr>
-          <p:cNvPr id="2" name="タイトル 1"/>
-          <p:cNvSpPr>
-            <a:spLocks noGrp="1"/>
-          </p:cNvSpPr>
-          <p:nvPr>
-            <p:ph type="title"/>
-          </p:nvPr>
-        </p:nvSpPr>
-        <p:spPr/>
-        <p:txBody>
-          <a:bodyPr/>
-          <a:lstStyle/>
-          <a:p>
-            <a:r>
-              <a:rPr lang="en-US" altLang="ja-JP" dirty="0"/>
-              <a:t>Flask</a:t>
-            </a:r>
-            <a:r>
-              <a:rPr lang="ja-JP" altLang="en-US" dirty="0"/>
-              <a:t>による</a:t>
-            </a:r>
-            <a:r>
-              <a:rPr lang="en-US" altLang="ja-JP" dirty="0"/>
-              <a:t>Web</a:t>
-            </a:r>
-            <a:r>
-              <a:rPr lang="ja-JP" altLang="en-US" dirty="0"/>
-              <a:t>アプリケーション</a:t>
-            </a:r>
-            <a:endParaRPr kumimoji="1" lang="ja-JP" altLang="en-US" dirty="0"/>
-          </a:p>
-        </p:txBody>
-      </p:sp>
-      <p:sp>
-        <p:nvSpPr>
-          <p:cNvPr id="3" name="コンテンツ プレースホルダー 2"/>
-          <p:cNvSpPr>
-            <a:spLocks noGrp="1"/>
-          </p:cNvSpPr>
-          <p:nvPr>
-            <p:ph idx="1"/>
-          </p:nvPr>
-        </p:nvSpPr>
-        <p:spPr>
-          <a:xfrm>
-            <a:off x="457200" y="1600201"/>
-            <a:ext cx="8229600" cy="1252735"/>
-          </a:xfrm>
-        </p:spPr>
-        <p:txBody>
-          <a:bodyPr>
-            <a:normAutofit/>
-          </a:bodyPr>
-          <a:lstStyle/>
-          <a:p>
-            <a:pPr marL="0" indent="0">
-              <a:buNone/>
-            </a:pPr>
-            <a:r>
-              <a:rPr lang="en-US" altLang="ja-JP" dirty="0"/>
-              <a:t>6</a:t>
-            </a:r>
-            <a:r>
-              <a:rPr kumimoji="1" lang="en-US" altLang="ja-JP" dirty="0" smtClean="0"/>
-              <a:t>. </a:t>
-            </a:r>
-            <a:r>
-              <a:rPr kumimoji="1" lang="en-US" altLang="ja-JP" dirty="0" smtClean="0"/>
-              <a:t>jinja2</a:t>
-            </a:r>
-            <a:r>
-              <a:rPr kumimoji="1" lang="ja-JP" altLang="en-US" dirty="0" smtClean="0"/>
-              <a:t>テンプレート解説</a:t>
-            </a:r>
-            <a:endParaRPr kumimoji="1" lang="en-US" altLang="ja-JP" sz="2200" dirty="0"/>
-          </a:p>
-        </p:txBody>
-      </p:sp>
-      <p:sp>
-        <p:nvSpPr>
           <p:cNvPr id="4" name="日付プレースホルダー 3"/>
           <p:cNvSpPr>
             <a:spLocks noGrp="1"/>
@@ -7578,254 +8178,362 @@
       </p:sp>
       <p:sp>
         <p:nvSpPr>
-          <p:cNvPr id="7" name="テキスト ボックス 6"/>
-          <p:cNvSpPr txBox="1"/>
+          <p:cNvPr id="7" name="タイトル 1"/>
+          <p:cNvSpPr txBox="1">
+            <a:spLocks/>
+          </p:cNvSpPr>
           <p:nvPr/>
         </p:nvSpPr>
         <p:spPr>
           <a:xfrm>
-            <a:off x="628215" y="2348880"/>
-            <a:ext cx="7544185" cy="646331"/>
+            <a:off x="539552" y="241771"/>
+            <a:ext cx="8075240" cy="1143000"/>
           </a:xfrm>
           <a:prstGeom prst="rect">
             <a:avLst/>
           </a:prstGeom>
         </p:spPr>
-        <p:style>
-          <a:lnRef idx="1">
-            <a:schemeClr val="accent1"/>
-          </a:lnRef>
-          <a:fillRef idx="2">
-            <a:schemeClr val="accent1"/>
-          </a:fillRef>
-          <a:effectRef idx="1">
-            <a:schemeClr val="accent1"/>
-          </a:effectRef>
-          <a:fontRef idx="minor">
-            <a:schemeClr val="dk1"/>
-          </a:fontRef>
-        </p:style>
-        <p:txBody>
-          <a:bodyPr wrap="square" rtlCol="0">
-            <a:spAutoFit/>
+        <p:txBody>
+          <a:bodyPr vert="horz" lIns="91440" tIns="45720" rIns="91440" bIns="45720" rtlCol="0" anchor="ctr">
+            <a:noAutofit/>
           </a:bodyPr>
-          <a:lstStyle/>
-          <a:p>
-            <a:r>
-              <a:rPr lang="en-US" altLang="ja-JP" dirty="0">
-                <a:latin typeface="Courier New" pitchFamily="49" charset="0"/>
-                <a:cs typeface="Courier New" pitchFamily="49" charset="0"/>
-              </a:rPr>
-              <a:t>&lt;link </a:t>
-            </a:r>
-            <a:r>
-              <a:rPr lang="en-US" altLang="ja-JP" dirty="0" err="1" smtClean="0">
-                <a:latin typeface="Courier New" pitchFamily="49" charset="0"/>
-                <a:cs typeface="Courier New" pitchFamily="49" charset="0"/>
-              </a:rPr>
-              <a:t>rel</a:t>
-            </a:r>
-            <a:r>
-              <a:rPr lang="en-US" altLang="ja-JP" dirty="0" smtClean="0">
-                <a:latin typeface="Courier New" pitchFamily="49" charset="0"/>
-                <a:cs typeface="Courier New" pitchFamily="49" charset="0"/>
-              </a:rPr>
-              <a:t>=</a:t>
-            </a:r>
-            <a:r>
-              <a:rPr lang="en-US" altLang="ja-JP" dirty="0" err="1" smtClean="0">
-                <a:latin typeface="Courier New" pitchFamily="49" charset="0"/>
-                <a:cs typeface="Courier New" pitchFamily="49" charset="0"/>
-              </a:rPr>
-              <a:t>stylesheet</a:t>
-            </a:r>
-            <a:r>
-              <a:rPr lang="en-US" altLang="ja-JP" dirty="0" smtClean="0">
-                <a:latin typeface="Courier New" pitchFamily="49" charset="0"/>
-                <a:cs typeface="Courier New" pitchFamily="49" charset="0"/>
-              </a:rPr>
-              <a:t> type=text/</a:t>
-            </a:r>
-            <a:r>
-              <a:rPr lang="en-US" altLang="ja-JP" dirty="0" err="1" smtClean="0">
-                <a:latin typeface="Courier New" pitchFamily="49" charset="0"/>
-                <a:cs typeface="Courier New" pitchFamily="49" charset="0"/>
-              </a:rPr>
-              <a:t>css</a:t>
-            </a:r>
-            <a:r>
-              <a:rPr lang="en-US" altLang="ja-JP" dirty="0" smtClean="0">
-                <a:latin typeface="Courier New" pitchFamily="49" charset="0"/>
-                <a:cs typeface="Courier New" pitchFamily="49" charset="0"/>
-              </a:rPr>
-              <a:t> </a:t>
-            </a:r>
-            <a:br>
-              <a:rPr lang="en-US" altLang="ja-JP" dirty="0" smtClean="0">
-                <a:latin typeface="Courier New" pitchFamily="49" charset="0"/>
-                <a:cs typeface="Courier New" pitchFamily="49" charset="0"/>
-              </a:rPr>
-            </a:br>
-            <a:r>
-              <a:rPr lang="en-US" altLang="ja-JP" dirty="0" err="1" smtClean="0">
-                <a:latin typeface="Courier New" pitchFamily="49" charset="0"/>
-                <a:cs typeface="Courier New" pitchFamily="49" charset="0"/>
-              </a:rPr>
-              <a:t>href</a:t>
-            </a:r>
-            <a:r>
-              <a:rPr lang="en-US" altLang="ja-JP" dirty="0">
-                <a:latin typeface="Courier New" pitchFamily="49" charset="0"/>
-                <a:cs typeface="Courier New" pitchFamily="49" charset="0"/>
-              </a:rPr>
-              <a:t>="{{ </a:t>
-            </a:r>
-            <a:r>
-              <a:rPr lang="en-US" altLang="ja-JP" dirty="0" err="1">
-                <a:latin typeface="Courier New" pitchFamily="49" charset="0"/>
-                <a:cs typeface="Courier New" pitchFamily="49" charset="0"/>
-              </a:rPr>
-              <a:t>url_for</a:t>
-            </a:r>
-            <a:r>
-              <a:rPr lang="en-US" altLang="ja-JP" dirty="0">
-                <a:latin typeface="Courier New" pitchFamily="49" charset="0"/>
-                <a:cs typeface="Courier New" pitchFamily="49" charset="0"/>
-              </a:rPr>
-              <a:t>('static', filename='style.css') }}"&gt;</a:t>
-            </a:r>
-          </a:p>
-        </p:txBody>
-      </p:sp>
-      <p:sp>
-        <p:nvSpPr>
-          <p:cNvPr id="8" name="テキスト ボックス 7"/>
-          <p:cNvSpPr txBox="1"/>
+          <a:lstStyle>
+            <a:lvl1pPr algn="ctr" defTabSz="914400" rtl="0" eaLnBrk="1" latinLnBrk="0" hangingPunct="1">
+              <a:spcBef>
+                <a:spcPct val="0"/>
+              </a:spcBef>
+              <a:buNone/>
+              <a:defRPr kumimoji="1" sz="4400" kern="1200">
+                <a:solidFill>
+                  <a:schemeClr val="tx1"/>
+                </a:solidFill>
+                <a:latin typeface="+mj-lt"/>
+                <a:ea typeface="+mj-ea"/>
+                <a:cs typeface="+mj-cs"/>
+              </a:defRPr>
+            </a:lvl1pPr>
+          </a:lstStyle>
+          <a:p>
+            <a:r>
+              <a:rPr lang="en-US" altLang="ja-JP" sz="3200" dirty="0" smtClean="0"/>
+              <a:t>show_messages.html</a:t>
+            </a:r>
+            <a:endParaRPr lang="ja-JP" altLang="en-US" sz="3200" dirty="0"/>
+          </a:p>
+        </p:txBody>
+      </p:sp>
+      <p:sp>
+        <p:nvSpPr>
+          <p:cNvPr id="8" name="コンテンツ プレースホルダー 2"/>
+          <p:cNvSpPr txBox="1">
+            <a:spLocks/>
+          </p:cNvSpPr>
           <p:nvPr/>
         </p:nvSpPr>
         <p:spPr>
           <a:xfrm>
-            <a:off x="628215" y="5230361"/>
-            <a:ext cx="7697941" cy="430887"/>
+            <a:off x="467544" y="1279301"/>
+            <a:ext cx="8208912" cy="4525963"/>
           </a:xfrm>
           <a:prstGeom prst="rect">
             <a:avLst/>
           </a:prstGeom>
-          <a:noFill/>
+          <a:ln>
+            <a:solidFill>
+              <a:schemeClr val="tx2"/>
+            </a:solidFill>
+          </a:ln>
         </p:spPr>
         <p:txBody>
-          <a:bodyPr wrap="none" rtlCol="0">
-            <a:spAutoFit/>
+          <a:bodyPr vert="horz" lIns="91440" tIns="45720" rIns="91440" bIns="45720" rtlCol="0">
+            <a:normAutofit/>
           </a:bodyPr>
-          <a:lstStyle/>
-          <a:p>
-            <a:r>
-              <a:rPr kumimoji="1" lang="en-US" altLang="ja-JP" sz="2200" b="1" dirty="0" smtClean="0">
-                <a:latin typeface="Courier New" pitchFamily="49" charset="0"/>
-                <a:cs typeface="Courier New" pitchFamily="49" charset="0"/>
-              </a:rPr>
-              <a:t>{% for x in xx %}</a:t>
-            </a:r>
-            <a:r>
-              <a:rPr kumimoji="1" lang="en-US" altLang="ja-JP" sz="2200" dirty="0" smtClean="0">
-                <a:latin typeface="Courier New" pitchFamily="49" charset="0"/>
-                <a:cs typeface="Courier New" pitchFamily="49" charset="0"/>
-              </a:rPr>
-              <a:t> ~</a:t>
-            </a:r>
-            <a:r>
-              <a:rPr lang="ja-JP" altLang="en-US" sz="2200" b="1" dirty="0" smtClean="0">
+          <a:lstStyle>
+            <a:lvl1pPr marL="342900" indent="-342900" algn="l" defTabSz="914400" rtl="0" eaLnBrk="1" latinLnBrk="0" hangingPunct="1">
+              <a:spcBef>
+                <a:spcPct val="20000"/>
+              </a:spcBef>
+              <a:buFont typeface="Arial" pitchFamily="34" charset="0"/>
+              <a:buChar char="•"/>
+              <a:defRPr kumimoji="1" sz="3200" kern="1200">
+                <a:solidFill>
+                  <a:schemeClr val="tx1"/>
+                </a:solidFill>
+                <a:latin typeface="+mn-lt"/>
+                <a:ea typeface="+mn-ea"/>
+                <a:cs typeface="+mn-cs"/>
+              </a:defRPr>
+            </a:lvl1pPr>
+            <a:lvl2pPr marL="742950" indent="-285750" algn="l" defTabSz="914400" rtl="0" eaLnBrk="1" latinLnBrk="0" hangingPunct="1">
+              <a:spcBef>
+                <a:spcPct val="20000"/>
+              </a:spcBef>
+              <a:buFont typeface="Arial" pitchFamily="34" charset="0"/>
+              <a:buChar char="–"/>
+              <a:defRPr kumimoji="1" sz="2800" kern="1200">
+                <a:solidFill>
+                  <a:schemeClr val="tx1"/>
+                </a:solidFill>
+                <a:latin typeface="+mn-lt"/>
+                <a:ea typeface="+mn-ea"/>
+                <a:cs typeface="+mn-cs"/>
+              </a:defRPr>
+            </a:lvl2pPr>
+            <a:lvl3pPr marL="1143000" indent="-228600" algn="l" defTabSz="914400" rtl="0" eaLnBrk="1" latinLnBrk="0" hangingPunct="1">
+              <a:spcBef>
+                <a:spcPct val="20000"/>
+              </a:spcBef>
+              <a:buFont typeface="Arial" pitchFamily="34" charset="0"/>
+              <a:buChar char="•"/>
+              <a:defRPr kumimoji="1" sz="2400" kern="1200">
+                <a:solidFill>
+                  <a:schemeClr val="tx1"/>
+                </a:solidFill>
+                <a:latin typeface="+mn-lt"/>
+                <a:ea typeface="+mn-ea"/>
+                <a:cs typeface="+mn-cs"/>
+              </a:defRPr>
+            </a:lvl3pPr>
+            <a:lvl4pPr marL="1600200" indent="-228600" algn="l" defTabSz="914400" rtl="0" eaLnBrk="1" latinLnBrk="0" hangingPunct="1">
+              <a:spcBef>
+                <a:spcPct val="20000"/>
+              </a:spcBef>
+              <a:buFont typeface="Arial" pitchFamily="34" charset="0"/>
+              <a:buChar char="–"/>
+              <a:defRPr kumimoji="1" sz="2000" kern="1200">
+                <a:solidFill>
+                  <a:schemeClr val="tx1"/>
+                </a:solidFill>
+                <a:latin typeface="+mn-lt"/>
+                <a:ea typeface="+mn-ea"/>
+                <a:cs typeface="+mn-cs"/>
+              </a:defRPr>
+            </a:lvl4pPr>
+            <a:lvl5pPr marL="2057400" indent="-228600" algn="l" defTabSz="914400" rtl="0" eaLnBrk="1" latinLnBrk="0" hangingPunct="1">
+              <a:spcBef>
+                <a:spcPct val="20000"/>
+              </a:spcBef>
+              <a:buFont typeface="Arial" pitchFamily="34" charset="0"/>
+              <a:buChar char="»"/>
+              <a:defRPr kumimoji="1" sz="2000" kern="1200">
+                <a:solidFill>
+                  <a:schemeClr val="tx1"/>
+                </a:solidFill>
+                <a:latin typeface="+mn-lt"/>
+                <a:ea typeface="+mn-ea"/>
+                <a:cs typeface="+mn-cs"/>
+              </a:defRPr>
+            </a:lvl5pPr>
+            <a:lvl6pPr marL="2514600" indent="-228600" algn="l" defTabSz="914400" rtl="0" eaLnBrk="1" latinLnBrk="0" hangingPunct="1">
+              <a:spcBef>
+                <a:spcPct val="20000"/>
+              </a:spcBef>
+              <a:buFont typeface="Arial" pitchFamily="34" charset="0"/>
+              <a:buChar char="•"/>
+              <a:defRPr kumimoji="1" sz="2000" kern="1200">
+                <a:solidFill>
+                  <a:schemeClr val="tx1"/>
+                </a:solidFill>
+                <a:latin typeface="+mn-lt"/>
+                <a:ea typeface="+mn-ea"/>
+                <a:cs typeface="+mn-cs"/>
+              </a:defRPr>
+            </a:lvl6pPr>
+            <a:lvl7pPr marL="2971800" indent="-228600" algn="l" defTabSz="914400" rtl="0" eaLnBrk="1" latinLnBrk="0" hangingPunct="1">
+              <a:spcBef>
+                <a:spcPct val="20000"/>
+              </a:spcBef>
+              <a:buFont typeface="Arial" pitchFamily="34" charset="0"/>
+              <a:buChar char="•"/>
+              <a:defRPr kumimoji="1" sz="2000" kern="1200">
+                <a:solidFill>
+                  <a:schemeClr val="tx1"/>
+                </a:solidFill>
+                <a:latin typeface="+mn-lt"/>
+                <a:ea typeface="+mn-ea"/>
+                <a:cs typeface="+mn-cs"/>
+              </a:defRPr>
+            </a:lvl7pPr>
+            <a:lvl8pPr marL="3429000" indent="-228600" algn="l" defTabSz="914400" rtl="0" eaLnBrk="1" latinLnBrk="0" hangingPunct="1">
+              <a:spcBef>
+                <a:spcPct val="20000"/>
+              </a:spcBef>
+              <a:buFont typeface="Arial" pitchFamily="34" charset="0"/>
+              <a:buChar char="•"/>
+              <a:defRPr kumimoji="1" sz="2000" kern="1200">
+                <a:solidFill>
+                  <a:schemeClr val="tx1"/>
+                </a:solidFill>
+                <a:latin typeface="+mn-lt"/>
+                <a:ea typeface="+mn-ea"/>
+                <a:cs typeface="+mn-cs"/>
+              </a:defRPr>
+            </a:lvl8pPr>
+            <a:lvl9pPr marL="3886200" indent="-228600" algn="l" defTabSz="914400" rtl="0" eaLnBrk="1" latinLnBrk="0" hangingPunct="1">
+              <a:spcBef>
+                <a:spcPct val="20000"/>
+              </a:spcBef>
+              <a:buFont typeface="Arial" pitchFamily="34" charset="0"/>
+              <a:buChar char="•"/>
+              <a:defRPr kumimoji="1" sz="2000" kern="1200">
+                <a:solidFill>
+                  <a:schemeClr val="tx1"/>
+                </a:solidFill>
+                <a:latin typeface="+mn-lt"/>
+                <a:ea typeface="+mn-ea"/>
+                <a:cs typeface="+mn-cs"/>
+              </a:defRPr>
+            </a:lvl9pPr>
+          </a:lstStyle>
+          <a:p>
+            <a:pPr marL="0" indent="0">
+              <a:buNone/>
+            </a:pPr>
+            <a:r>
+              <a:rPr lang="en-US" altLang="ja-JP" sz="1400" dirty="0">
+                <a:latin typeface="Courier New" pitchFamily="49" charset="0"/>
+                <a:cs typeface="Courier New" pitchFamily="49" charset="0"/>
+              </a:rPr>
+              <a:t>&lt;!</a:t>
+            </a:r>
+            <a:r>
+              <a:rPr lang="en-US" altLang="ja-JP" sz="1400" dirty="0" err="1">
+                <a:latin typeface="Courier New" pitchFamily="49" charset="0"/>
+                <a:cs typeface="Courier New" pitchFamily="49" charset="0"/>
+              </a:rPr>
+              <a:t>doctype</a:t>
+            </a:r>
+            <a:r>
+              <a:rPr lang="en-US" altLang="ja-JP" sz="1400" dirty="0">
+                <a:latin typeface="Courier New" pitchFamily="49" charset="0"/>
+                <a:cs typeface="Courier New" pitchFamily="49" charset="0"/>
+              </a:rPr>
+              <a:t> html&gt;</a:t>
+            </a:r>
+          </a:p>
+          <a:p>
+            <a:pPr marL="0" indent="0">
+              <a:buNone/>
+            </a:pPr>
+            <a:r>
+              <a:rPr lang="en-US" altLang="ja-JP" sz="1400" dirty="0">
+                <a:latin typeface="Courier New" pitchFamily="49" charset="0"/>
+                <a:cs typeface="Courier New" pitchFamily="49" charset="0"/>
+              </a:rPr>
+              <a:t>&lt;link </a:t>
+            </a:r>
+            <a:r>
+              <a:rPr lang="en-US" altLang="ja-JP" sz="1400" dirty="0" err="1">
+                <a:latin typeface="Courier New" pitchFamily="49" charset="0"/>
+                <a:cs typeface="Courier New" pitchFamily="49" charset="0"/>
+              </a:rPr>
+              <a:t>rel</a:t>
+            </a:r>
+            <a:r>
+              <a:rPr lang="en-US" altLang="ja-JP" sz="1400" dirty="0">
+                <a:latin typeface="Courier New" pitchFamily="49" charset="0"/>
+                <a:cs typeface="Courier New" pitchFamily="49" charset="0"/>
+              </a:rPr>
+              <a:t>=</a:t>
+            </a:r>
+            <a:r>
+              <a:rPr lang="en-US" altLang="ja-JP" sz="1400" dirty="0" err="1">
+                <a:latin typeface="Courier New" pitchFamily="49" charset="0"/>
+                <a:cs typeface="Courier New" pitchFamily="49" charset="0"/>
+              </a:rPr>
+              <a:t>stylesheet</a:t>
+            </a:r>
+            <a:r>
+              <a:rPr lang="en-US" altLang="ja-JP" sz="1400" dirty="0">
+                <a:latin typeface="Courier New" pitchFamily="49" charset="0"/>
+                <a:cs typeface="Courier New" pitchFamily="49" charset="0"/>
+              </a:rPr>
+              <a:t> type=text/</a:t>
+            </a:r>
+            <a:r>
+              <a:rPr lang="en-US" altLang="ja-JP" sz="1400" dirty="0" err="1">
+                <a:latin typeface="Courier New" pitchFamily="49" charset="0"/>
+                <a:cs typeface="Courier New" pitchFamily="49" charset="0"/>
+              </a:rPr>
+              <a:t>css</a:t>
+            </a:r>
+            <a:r>
+              <a:rPr lang="en-US" altLang="ja-JP" sz="1400" dirty="0">
                 <a:latin typeface="Courier New" pitchFamily="49" charset="0"/>
                 <a:cs typeface="Courier New" pitchFamily="49" charset="0"/>
               </a:rPr>
               <a:t> </a:t>
             </a:r>
             <a:r>
-              <a:rPr lang="en-US" altLang="ja-JP" sz="2200" b="1" dirty="0" smtClean="0">
-                <a:latin typeface="Courier New" pitchFamily="49" charset="0"/>
-                <a:cs typeface="Courier New" pitchFamily="49" charset="0"/>
-              </a:rPr>
-              <a:t>{% </a:t>
-            </a:r>
-            <a:r>
-              <a:rPr lang="en-US" altLang="ja-JP" sz="2200" b="1" dirty="0" err="1" smtClean="0">
-                <a:latin typeface="Courier New" pitchFamily="49" charset="0"/>
-                <a:cs typeface="Courier New" pitchFamily="49" charset="0"/>
-              </a:rPr>
-              <a:t>endfor</a:t>
-            </a:r>
-            <a:r>
-              <a:rPr lang="en-US" altLang="ja-JP" sz="2200" b="1" dirty="0" smtClean="0">
-                <a:latin typeface="Courier New" pitchFamily="49" charset="0"/>
-                <a:cs typeface="Courier New" pitchFamily="49" charset="0"/>
-              </a:rPr>
-              <a:t> %} </a:t>
-            </a:r>
-            <a:r>
-              <a:rPr lang="ja-JP" altLang="en-US" sz="2200" dirty="0" smtClean="0">
-                <a:latin typeface="Courier New" pitchFamily="49" charset="0"/>
-                <a:cs typeface="Courier New" pitchFamily="49" charset="0"/>
-              </a:rPr>
-              <a:t>で </a:t>
-            </a:r>
-            <a:r>
-              <a:rPr lang="en-US" altLang="ja-JP" sz="2200" dirty="0" smtClean="0">
-                <a:latin typeface="Courier New" pitchFamily="49" charset="0"/>
-                <a:cs typeface="Courier New" pitchFamily="49" charset="0"/>
-              </a:rPr>
-              <a:t>for </a:t>
-            </a:r>
-            <a:r>
-              <a:rPr lang="ja-JP" altLang="en-US" sz="2200" dirty="0" smtClean="0">
-                <a:latin typeface="Courier New" pitchFamily="49" charset="0"/>
-                <a:cs typeface="Courier New" pitchFamily="49" charset="0"/>
-              </a:rPr>
-              <a:t>ループ</a:t>
-            </a:r>
-            <a:endParaRPr kumimoji="1" lang="en-US" altLang="ja-JP" sz="2200" dirty="0" smtClean="0">
+              <a:rPr lang="en-US" altLang="ja-JP" sz="1400" dirty="0" err="1">
+                <a:latin typeface="Courier New" pitchFamily="49" charset="0"/>
+                <a:cs typeface="Courier New" pitchFamily="49" charset="0"/>
+              </a:rPr>
+              <a:t>href</a:t>
+            </a:r>
+            <a:r>
+              <a:rPr lang="en-US" altLang="ja-JP" sz="1400" dirty="0">
+                <a:latin typeface="Courier New" pitchFamily="49" charset="0"/>
+                <a:cs typeface="Courier New" pitchFamily="49" charset="0"/>
+              </a:rPr>
+              <a:t>="{{ </a:t>
+            </a:r>
+            <a:r>
+              <a:rPr lang="en-US" altLang="ja-JP" sz="1400" dirty="0" err="1">
+                <a:latin typeface="Courier New" pitchFamily="49" charset="0"/>
+                <a:cs typeface="Courier New" pitchFamily="49" charset="0"/>
+              </a:rPr>
+              <a:t>url_for</a:t>
+            </a:r>
+            <a:r>
+              <a:rPr lang="en-US" altLang="ja-JP" sz="1400" dirty="0">
+                <a:latin typeface="Courier New" pitchFamily="49" charset="0"/>
+                <a:cs typeface="Courier New" pitchFamily="49" charset="0"/>
+              </a:rPr>
+              <a:t>('static', filename='style.css') }}"&gt;</a:t>
+            </a:r>
+          </a:p>
+          <a:p>
+            <a:pPr marL="0" indent="0">
+              <a:buNone/>
+            </a:pPr>
+            <a:endParaRPr lang="en-US" altLang="ja-JP" sz="1400" dirty="0">
               <a:latin typeface="Courier New" pitchFamily="49" charset="0"/>
               <a:cs typeface="Courier New" pitchFamily="49" charset="0"/>
             </a:endParaRPr>
           </a:p>
-        </p:txBody>
-      </p:sp>
-      <p:sp>
-        <p:nvSpPr>
-          <p:cNvPr id="11" name="テキスト ボックス 10"/>
-          <p:cNvSpPr txBox="1"/>
-          <p:nvPr/>
-        </p:nvSpPr>
-        <p:spPr>
-          <a:xfrm>
-            <a:off x="611560" y="4089846"/>
-            <a:ext cx="7128792" cy="923330"/>
-          </a:xfrm>
-          <a:prstGeom prst="rect">
-            <a:avLst/>
-          </a:prstGeom>
-        </p:spPr>
-        <p:style>
-          <a:lnRef idx="1">
-            <a:schemeClr val="accent1"/>
-          </a:lnRef>
-          <a:fillRef idx="2">
-            <a:schemeClr val="accent1"/>
-          </a:fillRef>
-          <a:effectRef idx="1">
-            <a:schemeClr val="accent1"/>
-          </a:effectRef>
-          <a:fontRef idx="minor">
-            <a:schemeClr val="dk1"/>
-          </a:fontRef>
-        </p:style>
-        <p:txBody>
-          <a:bodyPr wrap="square" rtlCol="0">
-            <a:spAutoFit/>
-          </a:bodyPr>
-          <a:lstStyle/>
-          <a:p>
-            <a:r>
-              <a:rPr lang="da-DK" altLang="ja-JP" dirty="0">
+          <a:p>
+            <a:pPr marL="0" indent="0">
+              <a:buNone/>
+            </a:pPr>
+            <a:r>
+              <a:rPr lang="en-US" altLang="ja-JP" sz="1400" dirty="0">
+                <a:latin typeface="Courier New" pitchFamily="49" charset="0"/>
+                <a:cs typeface="Courier New" pitchFamily="49" charset="0"/>
+              </a:rPr>
+              <a:t>&lt;h1&gt;</a:t>
+            </a:r>
+            <a:r>
+              <a:rPr lang="ja-JP" altLang="en-US" sz="1400" dirty="0">
+                <a:latin typeface="Courier New" pitchFamily="49" charset="0"/>
+                <a:cs typeface="Courier New" pitchFamily="49" charset="0"/>
+              </a:rPr>
+              <a:t>登録済みメッセージ</a:t>
+            </a:r>
+            <a:r>
+              <a:rPr lang="en-US" altLang="ja-JP" sz="1400" dirty="0">
+                <a:latin typeface="Courier New" pitchFamily="49" charset="0"/>
+                <a:cs typeface="Courier New" pitchFamily="49" charset="0"/>
+              </a:rPr>
+              <a:t>&lt;/h1&gt;</a:t>
+            </a:r>
+          </a:p>
+          <a:p>
+            <a:pPr marL="0" indent="0">
+              <a:buNone/>
+            </a:pPr>
+            <a:r>
+              <a:rPr lang="en-US" altLang="ja-JP" sz="1400" dirty="0">
                 <a:latin typeface="Courier New" pitchFamily="49" charset="0"/>
                 <a:cs typeface="Courier New" pitchFamily="49" charset="0"/>
               </a:rPr>
@@ -7833,8 +8541,11 @@
             </a:r>
           </a:p>
           <a:p>
-            <a:r>
-              <a:rPr lang="da-DK" altLang="ja-JP" dirty="0">
+            <a:pPr marL="0" indent="0">
+              <a:buNone/>
+            </a:pPr>
+            <a:r>
+              <a:rPr lang="en-US" altLang="ja-JP" sz="1400" dirty="0">
                 <a:latin typeface="Courier New" pitchFamily="49" charset="0"/>
                 <a:cs typeface="Courier New" pitchFamily="49" charset="0"/>
               </a:rPr>
@@ -7842,178 +8553,168 @@
             </a:r>
           </a:p>
           <a:p>
-            <a:r>
-              <a:rPr lang="da-DK" altLang="ja-JP" dirty="0">
-                <a:latin typeface="Courier New" pitchFamily="49" charset="0"/>
-                <a:cs typeface="Courier New" pitchFamily="49" charset="0"/>
-              </a:rPr>
-              <a:t>{% endfor %}</a:t>
-            </a:r>
-            <a:endParaRPr lang="da-DK" altLang="ja-JP" dirty="0" smtClean="0">
+            <a:pPr marL="0" indent="0">
+              <a:buNone/>
+            </a:pPr>
+            <a:r>
+              <a:rPr lang="en-US" altLang="ja-JP" sz="1400" dirty="0">
+                <a:latin typeface="Courier New" pitchFamily="49" charset="0"/>
+                <a:cs typeface="Courier New" pitchFamily="49" charset="0"/>
+              </a:rPr>
+              <a:t>{% </a:t>
+            </a:r>
+            <a:r>
+              <a:rPr lang="en-US" altLang="ja-JP" sz="1400" dirty="0" err="1">
+                <a:latin typeface="Courier New" pitchFamily="49" charset="0"/>
+                <a:cs typeface="Courier New" pitchFamily="49" charset="0"/>
+              </a:rPr>
+              <a:t>endfor</a:t>
+            </a:r>
+            <a:r>
+              <a:rPr lang="en-US" altLang="ja-JP" sz="1400" dirty="0">
+                <a:latin typeface="Courier New" pitchFamily="49" charset="0"/>
+                <a:cs typeface="Courier New" pitchFamily="49" charset="0"/>
+              </a:rPr>
+              <a:t> %}</a:t>
+            </a:r>
+          </a:p>
+          <a:p>
+            <a:pPr marL="0" indent="0">
+              <a:buNone/>
+            </a:pPr>
+            <a:endParaRPr lang="en-US" altLang="ja-JP" sz="1400" dirty="0">
               <a:latin typeface="Courier New" pitchFamily="49" charset="0"/>
               <a:cs typeface="Courier New" pitchFamily="49" charset="0"/>
             </a:endParaRPr>
           </a:p>
-        </p:txBody>
-      </p:sp>
-      <p:sp>
-        <p:nvSpPr>
-          <p:cNvPr id="15" name="テキスト ボックス 14"/>
-          <p:cNvSpPr txBox="1"/>
-          <p:nvPr/>
-        </p:nvSpPr>
-        <p:spPr>
-          <a:xfrm>
-            <a:off x="683568" y="3199239"/>
-            <a:ext cx="6510115" cy="769441"/>
-          </a:xfrm>
-          <a:prstGeom prst="rect">
-            <a:avLst/>
-          </a:prstGeom>
-          <a:noFill/>
-        </p:spPr>
-        <p:txBody>
-          <a:bodyPr wrap="none" rtlCol="0">
-            <a:spAutoFit/>
-          </a:bodyPr>
-          <a:lstStyle/>
-          <a:p>
-            <a:pPr marL="342900" indent="-342900">
-              <a:buFont typeface="Wingdings" pitchFamily="2" charset="2"/>
-              <a:buChar char="l"/>
+          <a:p>
+            <a:pPr marL="0" indent="0">
+              <a:buNone/>
             </a:pPr>
             <a:r>
-              <a:rPr lang="en-US" altLang="ja-JP" sz="2200" b="1" dirty="0" smtClean="0">
-                <a:latin typeface="Courier New" pitchFamily="49" charset="0"/>
-                <a:cs typeface="Courier New" pitchFamily="49" charset="0"/>
-              </a:rPr>
-              <a:t>{{ </a:t>
-            </a:r>
-            <a:r>
-              <a:rPr lang="ja-JP" altLang="en-US" sz="2200" b="1" dirty="0" smtClean="0">
-                <a:latin typeface="Courier New" pitchFamily="49" charset="0"/>
-                <a:cs typeface="Courier New" pitchFamily="49" charset="0"/>
-              </a:rPr>
-              <a:t>式 </a:t>
-            </a:r>
-            <a:r>
-              <a:rPr lang="en-US" altLang="ja-JP" sz="2200" b="1" dirty="0" smtClean="0">
-                <a:latin typeface="Courier New" pitchFamily="49" charset="0"/>
-                <a:cs typeface="Courier New" pitchFamily="49" charset="0"/>
-              </a:rPr>
-              <a:t>}}</a:t>
-            </a:r>
-            <a:r>
-              <a:rPr lang="en-US" altLang="ja-JP" sz="2200" dirty="0" smtClean="0">
-                <a:latin typeface="Courier New" pitchFamily="49" charset="0"/>
-                <a:cs typeface="Courier New" pitchFamily="49" charset="0"/>
-              </a:rPr>
-              <a:t> </a:t>
-            </a:r>
-            <a:r>
-              <a:rPr lang="ja-JP" altLang="en-US" sz="2200" dirty="0" smtClean="0">
-                <a:latin typeface="Courier New" pitchFamily="49" charset="0"/>
-                <a:cs typeface="Courier New" pitchFamily="49" charset="0"/>
-              </a:rPr>
-              <a:t>で式を</a:t>
-            </a:r>
-            <a:r>
-              <a:rPr lang="en-US" altLang="ja-JP" sz="2200" dirty="0" smtClean="0">
-                <a:latin typeface="Courier New" pitchFamily="49" charset="0"/>
-                <a:cs typeface="Courier New" pitchFamily="49" charset="0"/>
-              </a:rPr>
-              <a:t>HTML</a:t>
-            </a:r>
-            <a:r>
-              <a:rPr lang="ja-JP" altLang="en-US" sz="2200" dirty="0" smtClean="0">
-                <a:latin typeface="Courier New" pitchFamily="49" charset="0"/>
-                <a:cs typeface="Courier New" pitchFamily="49" charset="0"/>
-              </a:rPr>
-              <a:t>に展開</a:t>
-            </a:r>
-            <a:endParaRPr lang="en-US" altLang="ja-JP" sz="2200" dirty="0" smtClean="0">
+              <a:rPr lang="en-US" altLang="ja-JP" sz="1400" dirty="0">
+                <a:latin typeface="Courier New" pitchFamily="49" charset="0"/>
+                <a:cs typeface="Courier New" pitchFamily="49" charset="0"/>
+              </a:rPr>
+              <a:t>&lt;</a:t>
+            </a:r>
+            <a:r>
+              <a:rPr lang="en-US" altLang="ja-JP" sz="1400" dirty="0" err="1">
+                <a:latin typeface="Courier New" pitchFamily="49" charset="0"/>
+                <a:cs typeface="Courier New" pitchFamily="49" charset="0"/>
+              </a:rPr>
+              <a:t>hr</a:t>
+            </a:r>
+            <a:r>
+              <a:rPr lang="en-US" altLang="ja-JP" sz="1400" dirty="0">
+                <a:latin typeface="Courier New" pitchFamily="49" charset="0"/>
+                <a:cs typeface="Courier New" pitchFamily="49" charset="0"/>
+              </a:rPr>
+              <a:t>/&gt;</a:t>
+            </a:r>
+          </a:p>
+          <a:p>
+            <a:pPr marL="0" indent="0">
+              <a:buNone/>
+            </a:pPr>
+            <a:r>
+              <a:rPr lang="en-US" altLang="ja-JP" sz="1400" dirty="0">
+                <a:latin typeface="Courier New" pitchFamily="49" charset="0"/>
+                <a:cs typeface="Courier New" pitchFamily="49" charset="0"/>
+              </a:rPr>
+              <a:t>&lt;</a:t>
+            </a:r>
+            <a:r>
+              <a:rPr lang="en-US" altLang="ja-JP" sz="1400" dirty="0" smtClean="0">
+                <a:latin typeface="Courier New" pitchFamily="49" charset="0"/>
+                <a:cs typeface="Courier New" pitchFamily="49" charset="0"/>
+              </a:rPr>
+              <a:t>a</a:t>
+            </a:r>
+          </a:p>
+          <a:p>
+            <a:pPr marL="0" indent="0">
+              <a:buNone/>
+            </a:pPr>
+            <a:r>
+              <a:rPr lang="en-US" altLang="ja-JP" sz="1400" dirty="0" err="1" smtClean="0">
+                <a:latin typeface="Courier New" pitchFamily="49" charset="0"/>
+                <a:cs typeface="Courier New" pitchFamily="49" charset="0"/>
+              </a:rPr>
+              <a:t>href</a:t>
+            </a:r>
+            <a:r>
+              <a:rPr lang="en-US" altLang="ja-JP" sz="1400" dirty="0">
+                <a:latin typeface="Courier New" pitchFamily="49" charset="0"/>
+                <a:cs typeface="Courier New" pitchFamily="49" charset="0"/>
+              </a:rPr>
+              <a:t>="{{ </a:t>
+            </a:r>
+            <a:r>
+              <a:rPr lang="en-US" altLang="ja-JP" sz="1400" dirty="0" err="1">
+                <a:latin typeface="Courier New" pitchFamily="49" charset="0"/>
+                <a:cs typeface="Courier New" pitchFamily="49" charset="0"/>
+              </a:rPr>
+              <a:t>url_for</a:t>
+            </a:r>
+            <a:r>
+              <a:rPr lang="en-US" altLang="ja-JP" sz="1400" dirty="0">
+                <a:latin typeface="Courier New" pitchFamily="49" charset="0"/>
+                <a:cs typeface="Courier New" pitchFamily="49" charset="0"/>
+              </a:rPr>
+              <a:t>('</a:t>
+            </a:r>
+            <a:r>
+              <a:rPr lang="en-US" altLang="ja-JP" sz="1400" dirty="0" err="1">
+                <a:latin typeface="Courier New" pitchFamily="49" charset="0"/>
+                <a:cs typeface="Courier New" pitchFamily="49" charset="0"/>
+              </a:rPr>
+              <a:t>message_form</a:t>
+            </a:r>
+            <a:r>
+              <a:rPr lang="en-US" altLang="ja-JP" sz="1400" dirty="0" smtClean="0">
+                <a:latin typeface="Courier New" pitchFamily="49" charset="0"/>
+                <a:cs typeface="Courier New" pitchFamily="49" charset="0"/>
+              </a:rPr>
+              <a:t>') }} "&gt;</a:t>
+            </a:r>
+            <a:r>
+              <a:rPr lang="ja-JP" altLang="en-US" sz="1400" dirty="0">
+                <a:latin typeface="Courier New" pitchFamily="49" charset="0"/>
+                <a:cs typeface="Courier New" pitchFamily="49" charset="0"/>
+              </a:rPr>
+              <a:t>戻る</a:t>
+            </a:r>
+            <a:r>
+              <a:rPr lang="en-US" altLang="ja-JP" sz="1400" dirty="0">
+                <a:latin typeface="Courier New" pitchFamily="49" charset="0"/>
+                <a:cs typeface="Courier New" pitchFamily="49" charset="0"/>
+              </a:rPr>
+              <a:t>&lt;/a&gt;</a:t>
+            </a:r>
+          </a:p>
+          <a:p>
+            <a:pPr marL="0" indent="0">
+              <a:buFont typeface="Arial" pitchFamily="34" charset="0"/>
+              <a:buNone/>
+            </a:pPr>
+            <a:endParaRPr lang="ja-JP" altLang="en-US" sz="1400" dirty="0">
               <a:latin typeface="Courier New" pitchFamily="49" charset="0"/>
               <a:cs typeface="Courier New" pitchFamily="49" charset="0"/>
             </a:endParaRPr>
           </a:p>
-          <a:p>
-            <a:pPr marL="342900" indent="-342900">
-              <a:buFont typeface="Wingdings" pitchFamily="2" charset="2"/>
-              <a:buChar char="l"/>
-            </a:pPr>
-            <a:r>
-              <a:rPr kumimoji="1" lang="en-US" altLang="ja-JP" sz="2200" b="1" dirty="0" smtClean="0">
-                <a:latin typeface="Courier New" pitchFamily="49" charset="0"/>
-                <a:cs typeface="Courier New" pitchFamily="49" charset="0"/>
-              </a:rPr>
-              <a:t>{{ </a:t>
-            </a:r>
-            <a:r>
-              <a:rPr kumimoji="1" lang="en-US" altLang="ja-JP" sz="2200" b="1" dirty="0" err="1" smtClean="0">
-                <a:latin typeface="Courier New" pitchFamily="49" charset="0"/>
-                <a:cs typeface="Courier New" pitchFamily="49" charset="0"/>
-              </a:rPr>
-              <a:t>url_for</a:t>
-            </a:r>
-            <a:r>
-              <a:rPr kumimoji="1" lang="en-US" altLang="ja-JP" sz="2200" b="1" dirty="0" smtClean="0">
-                <a:latin typeface="Courier New" pitchFamily="49" charset="0"/>
-                <a:cs typeface="Courier New" pitchFamily="49" charset="0"/>
-              </a:rPr>
-              <a:t>(…) }}</a:t>
-            </a:r>
-            <a:r>
-              <a:rPr kumimoji="1" lang="en-US" altLang="ja-JP" sz="2200" dirty="0" smtClean="0">
-                <a:latin typeface="Courier New" pitchFamily="49" charset="0"/>
-                <a:cs typeface="Courier New" pitchFamily="49" charset="0"/>
-              </a:rPr>
-              <a:t> </a:t>
-            </a:r>
-            <a:r>
-              <a:rPr kumimoji="1" lang="ja-JP" altLang="en-US" sz="2200" dirty="0" smtClean="0">
-                <a:latin typeface="Courier New" pitchFamily="49" charset="0"/>
-                <a:cs typeface="Courier New" pitchFamily="49" charset="0"/>
-              </a:rPr>
-              <a:t>でファイルへの</a:t>
-            </a:r>
-            <a:r>
-              <a:rPr kumimoji="1" lang="en-US" altLang="ja-JP" sz="2200" dirty="0" smtClean="0">
-                <a:latin typeface="Courier New" pitchFamily="49" charset="0"/>
-                <a:cs typeface="Courier New" pitchFamily="49" charset="0"/>
-              </a:rPr>
-              <a:t>URL</a:t>
-            </a:r>
-            <a:r>
-              <a:rPr kumimoji="1" lang="ja-JP" altLang="en-US" sz="2200" dirty="0" smtClean="0">
-                <a:latin typeface="Courier New" pitchFamily="49" charset="0"/>
-                <a:cs typeface="Courier New" pitchFamily="49" charset="0"/>
-              </a:rPr>
-              <a:t>を取得</a:t>
-            </a:r>
-            <a:endParaRPr kumimoji="1" lang="ja-JP" altLang="en-US" sz="2200" b="1" dirty="0">
-              <a:latin typeface="Courier New" pitchFamily="49" charset="0"/>
-              <a:cs typeface="Courier New" pitchFamily="49" charset="0"/>
-            </a:endParaRPr>
-          </a:p>
         </p:txBody>
       </p:sp>
     </p:spTree>
     <p:extLst>
       <p:ext uri="{BB962C8B-B14F-4D97-AF65-F5344CB8AC3E}">
-        <p14:creationId xmlns:p14="http://schemas.microsoft.com/office/powerpoint/2010/main" val="2133020811"/>
+        <p14:creationId xmlns:p14="http://schemas.microsoft.com/office/powerpoint/2010/main" val="3763566243"/>
       </p:ext>
     </p:extLst>
   </p:cSld>
   <p:clrMapOvr>
     <a:masterClrMapping/>
   </p:clrMapOvr>
-  <p:timing>
-    <p:tnLst>
-      <p:par>
-        <p:cTn id="1" dur="indefinite" restart="never" nodeType="tmRoot"/>
-      </p:par>
-    </p:tnLst>
-  </p:timing>
 </p:sld>
 </file>
 
@@ -8036,41 +8737,6 @@
       </p:grpSpPr>
       <p:sp>
         <p:nvSpPr>
-          <p:cNvPr id="2" name="タイトル 1"/>
-          <p:cNvSpPr>
-            <a:spLocks noGrp="1"/>
-          </p:cNvSpPr>
-          <p:nvPr>
-            <p:ph type="title"/>
-          </p:nvPr>
-        </p:nvSpPr>
-        <p:spPr/>
-        <p:txBody>
-          <a:bodyPr/>
-          <a:lstStyle/>
-          <a:p>
-            <a:r>
-              <a:rPr lang="en-US" altLang="ja-JP" dirty="0"/>
-              <a:t>Flask</a:t>
-            </a:r>
-            <a:r>
-              <a:rPr lang="ja-JP" altLang="en-US" dirty="0"/>
-              <a:t>による</a:t>
-            </a:r>
-            <a:r>
-              <a:rPr lang="en-US" altLang="ja-JP" dirty="0"/>
-              <a:t>Web</a:t>
-            </a:r>
-            <a:r>
-              <a:rPr lang="ja-JP" altLang="en-US" dirty="0"/>
-              <a:t>アプリケーション</a:t>
-            </a:r>
-            <a:endParaRPr kumimoji="1" lang="ja-JP" altLang="en-US" dirty="0"/>
-          </a:p>
-        </p:txBody>
-      </p:sp>
-      <p:sp>
-        <p:nvSpPr>
           <p:cNvPr id="3" name="コンテンツ プレースホルダー 2"/>
           <p:cNvSpPr>
             <a:spLocks noGrp="1"/>
@@ -8079,7 +8745,17 @@
             <p:ph idx="1"/>
           </p:nvPr>
         </p:nvSpPr>
-        <p:spPr/>
+        <p:spPr>
+          <a:xfrm>
+            <a:off x="457200" y="1279301"/>
+            <a:ext cx="8219256" cy="4525963"/>
+          </a:xfrm>
+          <a:ln>
+            <a:solidFill>
+              <a:schemeClr val="tx2"/>
+            </a:solidFill>
+          </a:ln>
+        </p:spPr>
         <p:txBody>
           <a:bodyPr>
             <a:normAutofit/>
@@ -8090,112 +8766,315 @@
               <a:buNone/>
             </a:pPr>
             <a:r>
-              <a:rPr lang="en-US" altLang="ja-JP" dirty="0"/>
-              <a:t>7</a:t>
-            </a:r>
-            <a:r>
-              <a:rPr kumimoji="1" lang="en-US" altLang="ja-JP" dirty="0" smtClean="0"/>
-              <a:t>.</a:t>
-            </a:r>
-            <a:r>
-              <a:rPr kumimoji="1" lang="ja-JP" altLang="en-US" dirty="0" smtClean="0"/>
-              <a:t> </a:t>
-            </a:r>
-            <a:r>
-              <a:rPr kumimoji="1" lang="ja-JP" altLang="en-US" dirty="0" smtClean="0"/>
-              <a:t>自由演習 </a:t>
-            </a:r>
-            <a:r>
-              <a:rPr kumimoji="1" lang="en-US" altLang="ja-JP" dirty="0" smtClean="0"/>
-              <a:t/>
-            </a:r>
-            <a:br>
-              <a:rPr kumimoji="1" lang="en-US" altLang="ja-JP" dirty="0" smtClean="0"/>
-            </a:br>
-            <a:endParaRPr kumimoji="1" lang="en-US" altLang="ja-JP" sz="1000" dirty="0" smtClean="0"/>
+              <a:rPr lang="en-US" altLang="ja-JP" sz="1400" dirty="0">
+                <a:latin typeface="Courier New" pitchFamily="49" charset="0"/>
+                <a:cs typeface="Courier New" pitchFamily="49" charset="0"/>
+              </a:rPr>
+              <a:t>&lt;!</a:t>
+            </a:r>
+            <a:r>
+              <a:rPr lang="en-US" altLang="ja-JP" sz="1400" dirty="0" err="1">
+                <a:latin typeface="Courier New" pitchFamily="49" charset="0"/>
+                <a:cs typeface="Courier New" pitchFamily="49" charset="0"/>
+              </a:rPr>
+              <a:t>doctype</a:t>
+            </a:r>
+            <a:r>
+              <a:rPr lang="en-US" altLang="ja-JP" sz="1400" dirty="0">
+                <a:latin typeface="Courier New" pitchFamily="49" charset="0"/>
+                <a:cs typeface="Courier New" pitchFamily="49" charset="0"/>
+              </a:rPr>
+              <a:t> html&gt;</a:t>
+            </a:r>
           </a:p>
           <a:p>
             <a:pPr marL="0" indent="0">
               <a:buNone/>
             </a:pPr>
             <a:r>
-              <a:rPr kumimoji="1" lang="ja-JP" altLang="en-US" sz="2400" dirty="0" smtClean="0"/>
-              <a:t>時間があったらどうぞ</a:t>
-            </a:r>
-            <a:r>
-              <a:rPr kumimoji="1" lang="en-US" altLang="ja-JP" sz="2400" dirty="0" smtClean="0"/>
-              <a:t/>
-            </a:r>
-            <a:br>
-              <a:rPr kumimoji="1" lang="en-US" altLang="ja-JP" sz="2400" dirty="0" smtClean="0"/>
-            </a:br>
-            <a:endParaRPr kumimoji="1" lang="en-US" altLang="ja-JP" sz="1000" dirty="0" smtClean="0"/>
-          </a:p>
-          <a:p>
-            <a:pPr marL="514350" indent="-514350">
-              <a:buFont typeface="+mj-lt"/>
-              <a:buAutoNum type="alphaLcPeriod"/>
+              <a:rPr lang="en-US" altLang="ja-JP" sz="1400" dirty="0">
+                <a:latin typeface="Courier New" pitchFamily="49" charset="0"/>
+                <a:cs typeface="Courier New" pitchFamily="49" charset="0"/>
+              </a:rPr>
+              <a:t>&lt;link </a:t>
+            </a:r>
+            <a:r>
+              <a:rPr lang="en-US" altLang="ja-JP" sz="1400" dirty="0" err="1">
+                <a:latin typeface="Courier New" pitchFamily="49" charset="0"/>
+                <a:cs typeface="Courier New" pitchFamily="49" charset="0"/>
+              </a:rPr>
+              <a:t>rel</a:t>
+            </a:r>
+            <a:r>
+              <a:rPr lang="en-US" altLang="ja-JP" sz="1400" dirty="0">
+                <a:latin typeface="Courier New" pitchFamily="49" charset="0"/>
+                <a:cs typeface="Courier New" pitchFamily="49" charset="0"/>
+              </a:rPr>
+              <a:t>=</a:t>
+            </a:r>
+            <a:r>
+              <a:rPr lang="en-US" altLang="ja-JP" sz="1400" dirty="0" err="1">
+                <a:latin typeface="Courier New" pitchFamily="49" charset="0"/>
+                <a:cs typeface="Courier New" pitchFamily="49" charset="0"/>
+              </a:rPr>
+              <a:t>stylesheet</a:t>
+            </a:r>
+            <a:r>
+              <a:rPr lang="en-US" altLang="ja-JP" sz="1400" dirty="0">
+                <a:latin typeface="Courier New" pitchFamily="49" charset="0"/>
+                <a:cs typeface="Courier New" pitchFamily="49" charset="0"/>
+              </a:rPr>
+              <a:t> type=text/</a:t>
+            </a:r>
+            <a:r>
+              <a:rPr lang="en-US" altLang="ja-JP" sz="1400" dirty="0" err="1">
+                <a:latin typeface="Courier New" pitchFamily="49" charset="0"/>
+                <a:cs typeface="Courier New" pitchFamily="49" charset="0"/>
+              </a:rPr>
+              <a:t>css</a:t>
+            </a:r>
+            <a:r>
+              <a:rPr lang="en-US" altLang="ja-JP" sz="1400" dirty="0">
+                <a:latin typeface="Courier New" pitchFamily="49" charset="0"/>
+                <a:cs typeface="Courier New" pitchFamily="49" charset="0"/>
+              </a:rPr>
+              <a:t> </a:t>
+            </a:r>
+            <a:r>
+              <a:rPr lang="en-US" altLang="ja-JP" sz="1400" dirty="0" err="1">
+                <a:latin typeface="Courier New" pitchFamily="49" charset="0"/>
+                <a:cs typeface="Courier New" pitchFamily="49" charset="0"/>
+              </a:rPr>
+              <a:t>href</a:t>
+            </a:r>
+            <a:r>
+              <a:rPr lang="en-US" altLang="ja-JP" sz="1400" dirty="0">
+                <a:latin typeface="Courier New" pitchFamily="49" charset="0"/>
+                <a:cs typeface="Courier New" pitchFamily="49" charset="0"/>
+              </a:rPr>
+              <a:t>="{{ </a:t>
+            </a:r>
+            <a:r>
+              <a:rPr lang="en-US" altLang="ja-JP" sz="1400" dirty="0" err="1">
+                <a:latin typeface="Courier New" pitchFamily="49" charset="0"/>
+                <a:cs typeface="Courier New" pitchFamily="49" charset="0"/>
+              </a:rPr>
+              <a:t>url_for</a:t>
+            </a:r>
+            <a:r>
+              <a:rPr lang="en-US" altLang="ja-JP" sz="1400" dirty="0">
+                <a:latin typeface="Courier New" pitchFamily="49" charset="0"/>
+                <a:cs typeface="Courier New" pitchFamily="49" charset="0"/>
+              </a:rPr>
+              <a:t>('static', filename='style.css') }}"&gt;</a:t>
+            </a:r>
+          </a:p>
+          <a:p>
+            <a:pPr marL="0" indent="0">
+              <a:buNone/>
             </a:pPr>
             <a:r>
-              <a:rPr kumimoji="1" lang="ja-JP" altLang="en-US" dirty="0" smtClean="0">
-                <a:latin typeface="Courier New" pitchFamily="49" charset="0"/>
-                <a:cs typeface="Courier New" pitchFamily="49" charset="0"/>
-              </a:rPr>
-              <a:t>各ページに、現在時刻を表示してみよう</a:t>
-            </a:r>
-            <a:endParaRPr kumimoji="1" lang="en-US" altLang="ja-JP" dirty="0" smtClean="0">
+              <a:rPr lang="en-US" altLang="ja-JP" sz="1400" dirty="0">
+                <a:latin typeface="Courier New" pitchFamily="49" charset="0"/>
+                <a:cs typeface="Courier New" pitchFamily="49" charset="0"/>
+              </a:rPr>
+              <a:t>&lt;title&gt;</a:t>
+            </a:r>
+            <a:r>
+              <a:rPr lang="ja-JP" altLang="en-US" sz="1400" dirty="0">
+                <a:latin typeface="Courier New" pitchFamily="49" charset="0"/>
+                <a:cs typeface="Courier New" pitchFamily="49" charset="0"/>
+              </a:rPr>
+              <a:t>メッセージ登録</a:t>
+            </a:r>
+            <a:r>
+              <a:rPr lang="en-US" altLang="ja-JP" sz="1400" dirty="0">
+                <a:latin typeface="Courier New" pitchFamily="49" charset="0"/>
+                <a:cs typeface="Courier New" pitchFamily="49" charset="0"/>
+              </a:rPr>
+              <a:t>&lt;/title&gt;</a:t>
+            </a:r>
+          </a:p>
+          <a:p>
+            <a:pPr marL="0" indent="0">
+              <a:buNone/>
+            </a:pPr>
+            <a:endParaRPr lang="en-US" altLang="ja-JP" sz="1400" dirty="0">
               <a:latin typeface="Courier New" pitchFamily="49" charset="0"/>
               <a:cs typeface="Courier New" pitchFamily="49" charset="0"/>
             </a:endParaRPr>
           </a:p>
           <a:p>
-            <a:pPr marL="514350" indent="-514350">
-              <a:buFont typeface="+mj-lt"/>
-              <a:buAutoNum type="alphaLcPeriod"/>
+            <a:pPr marL="0" indent="0">
+              <a:buNone/>
             </a:pPr>
             <a:r>
-              <a:rPr lang="ja-JP" altLang="en-US" dirty="0" smtClean="0">
-                <a:latin typeface="Courier New" pitchFamily="49" charset="0"/>
-                <a:cs typeface="Courier New" pitchFamily="49" charset="0"/>
-              </a:rPr>
-              <a:t>メッセージの長さチェック処理を入れてみよう</a:t>
-            </a:r>
-            <a:endParaRPr lang="en-US" altLang="ja-JP" dirty="0" smtClean="0">
+              <a:rPr lang="en-US" altLang="ja-JP" sz="1400" dirty="0">
+                <a:latin typeface="Courier New" pitchFamily="49" charset="0"/>
+                <a:cs typeface="Courier New" pitchFamily="49" charset="0"/>
+              </a:rPr>
+              <a:t>&lt;h1&gt;</a:t>
+            </a:r>
+            <a:r>
+              <a:rPr lang="ja-JP" altLang="en-US" sz="1400" dirty="0">
+                <a:latin typeface="Courier New" pitchFamily="49" charset="0"/>
+                <a:cs typeface="Courier New" pitchFamily="49" charset="0"/>
+              </a:rPr>
+              <a:t>メッセージ登録</a:t>
+            </a:r>
+            <a:r>
+              <a:rPr lang="en-US" altLang="ja-JP" sz="1400" dirty="0">
+                <a:latin typeface="Courier New" pitchFamily="49" charset="0"/>
+                <a:cs typeface="Courier New" pitchFamily="49" charset="0"/>
+              </a:rPr>
+              <a:t>&lt;/h1&gt;</a:t>
+            </a:r>
+          </a:p>
+          <a:p>
+            <a:pPr marL="0" indent="0">
+              <a:buNone/>
+            </a:pPr>
+            <a:r>
+              <a:rPr lang="en-US" altLang="ja-JP" sz="1400" dirty="0">
+                <a:latin typeface="Courier New" pitchFamily="49" charset="0"/>
+                <a:cs typeface="Courier New" pitchFamily="49" charset="0"/>
+              </a:rPr>
+              <a:t>&lt;form method="post" action="{{</a:t>
+            </a:r>
+            <a:r>
+              <a:rPr lang="en-US" altLang="ja-JP" sz="1400" dirty="0" err="1">
+                <a:latin typeface="Courier New" pitchFamily="49" charset="0"/>
+                <a:cs typeface="Courier New" pitchFamily="49" charset="0"/>
+              </a:rPr>
+              <a:t>url_for</a:t>
+            </a:r>
+            <a:r>
+              <a:rPr lang="en-US" altLang="ja-JP" sz="1400" dirty="0">
+                <a:latin typeface="Courier New" pitchFamily="49" charset="0"/>
+                <a:cs typeface="Courier New" pitchFamily="49" charset="0"/>
+              </a:rPr>
+              <a:t>('</a:t>
+            </a:r>
+            <a:r>
+              <a:rPr lang="en-US" altLang="ja-JP" sz="1400" dirty="0" err="1">
+                <a:latin typeface="Courier New" pitchFamily="49" charset="0"/>
+                <a:cs typeface="Courier New" pitchFamily="49" charset="0"/>
+              </a:rPr>
+              <a:t>add_message</a:t>
+            </a:r>
+            <a:r>
+              <a:rPr lang="en-US" altLang="ja-JP" sz="1400" dirty="0">
+                <a:latin typeface="Courier New" pitchFamily="49" charset="0"/>
+                <a:cs typeface="Courier New" pitchFamily="49" charset="0"/>
+              </a:rPr>
+              <a:t>')}}"&gt;</a:t>
+            </a:r>
+          </a:p>
+          <a:p>
+            <a:pPr marL="0" indent="0">
+              <a:buNone/>
+            </a:pPr>
+            <a:r>
+              <a:rPr lang="en-US" altLang="ja-JP" sz="1400" dirty="0">
+                <a:latin typeface="Courier New" pitchFamily="49" charset="0"/>
+                <a:cs typeface="Courier New" pitchFamily="49" charset="0"/>
+              </a:rPr>
+              <a:t>&lt;div&gt;</a:t>
+            </a:r>
+            <a:r>
+              <a:rPr lang="ja-JP" altLang="en-US" sz="1400" dirty="0">
+                <a:latin typeface="Courier New" pitchFamily="49" charset="0"/>
+                <a:cs typeface="Courier New" pitchFamily="49" charset="0"/>
+              </a:rPr>
+              <a:t>メッセージ </a:t>
+            </a:r>
+            <a:r>
+              <a:rPr lang="en-US" altLang="ja-JP" sz="1400" dirty="0">
+                <a:latin typeface="Courier New" pitchFamily="49" charset="0"/>
+                <a:cs typeface="Courier New" pitchFamily="49" charset="0"/>
+              </a:rPr>
+              <a:t>:</a:t>
+            </a:r>
+          </a:p>
+          <a:p>
+            <a:pPr marL="0" indent="0">
+              <a:buNone/>
+            </a:pPr>
+            <a:r>
+              <a:rPr lang="en-US" altLang="ja-JP" sz="1400" dirty="0">
+                <a:latin typeface="Courier New" pitchFamily="49" charset="0"/>
+                <a:cs typeface="Courier New" pitchFamily="49" charset="0"/>
+              </a:rPr>
+              <a:t>  &lt;input type="text" name="message" size=40&gt;</a:t>
+            </a:r>
+          </a:p>
+          <a:p>
+            <a:pPr marL="0" indent="0">
+              <a:buNone/>
+            </a:pPr>
+            <a:r>
+              <a:rPr lang="en-US" altLang="ja-JP" sz="1400" dirty="0">
+                <a:latin typeface="Courier New" pitchFamily="49" charset="0"/>
+                <a:cs typeface="Courier New" pitchFamily="49" charset="0"/>
+              </a:rPr>
+              <a:t>  &lt;button type="submit"&gt;</a:t>
+            </a:r>
+            <a:r>
+              <a:rPr lang="ja-JP" altLang="en-US" sz="1400" dirty="0">
+                <a:latin typeface="Courier New" pitchFamily="49" charset="0"/>
+                <a:cs typeface="Courier New" pitchFamily="49" charset="0"/>
+              </a:rPr>
+              <a:t>登録</a:t>
+            </a:r>
+            <a:r>
+              <a:rPr lang="en-US" altLang="ja-JP" sz="1400" dirty="0">
+                <a:latin typeface="Courier New" pitchFamily="49" charset="0"/>
+                <a:cs typeface="Courier New" pitchFamily="49" charset="0"/>
+              </a:rPr>
+              <a:t>&lt;/button&gt;</a:t>
+            </a:r>
+          </a:p>
+          <a:p>
+            <a:pPr marL="0" indent="0">
+              <a:buNone/>
+            </a:pPr>
+            <a:r>
+              <a:rPr lang="en-US" altLang="ja-JP" sz="1400" dirty="0">
+                <a:latin typeface="Courier New" pitchFamily="49" charset="0"/>
+                <a:cs typeface="Courier New" pitchFamily="49" charset="0"/>
+              </a:rPr>
+              <a:t>&lt;/div&gt;</a:t>
+            </a:r>
+          </a:p>
+          <a:p>
+            <a:pPr marL="0" indent="0">
+              <a:buNone/>
+            </a:pPr>
+            <a:endParaRPr lang="en-US" altLang="ja-JP" sz="1400" dirty="0">
               <a:latin typeface="Courier New" pitchFamily="49" charset="0"/>
               <a:cs typeface="Courier New" pitchFamily="49" charset="0"/>
             </a:endParaRPr>
           </a:p>
           <a:p>
-            <a:pPr marL="514350" indent="-514350">
-              <a:buFont typeface="+mj-lt"/>
-              <a:buAutoNum type="alphaLcPeriod"/>
+            <a:pPr marL="0" indent="0">
+              <a:buNone/>
             </a:pPr>
             <a:r>
-              <a:rPr lang="ja-JP" altLang="en-US" dirty="0" smtClean="0">
-                <a:latin typeface="Courier New" pitchFamily="49" charset="0"/>
-                <a:cs typeface="Courier New" pitchFamily="49" charset="0"/>
-              </a:rPr>
-              <a:t>メッセージをデータベースに格納してみよう</a:t>
-            </a:r>
-            <a:endParaRPr lang="en-US" altLang="ja-JP" dirty="0" smtClean="0">
+              <a:rPr lang="en-US" altLang="ja-JP" sz="1400" dirty="0">
+                <a:latin typeface="Courier New" pitchFamily="49" charset="0"/>
+                <a:cs typeface="Courier New" pitchFamily="49" charset="0"/>
+              </a:rPr>
+              <a:t>&lt;/form&gt;</a:t>
+            </a:r>
+          </a:p>
+          <a:p>
+            <a:pPr marL="0" indent="0">
+              <a:buNone/>
+            </a:pPr>
+            <a:endParaRPr kumimoji="1" lang="ja-JP" altLang="en-US" sz="1400" dirty="0">
               <a:latin typeface="Courier New" pitchFamily="49" charset="0"/>
               <a:cs typeface="Courier New" pitchFamily="49" charset="0"/>
             </a:endParaRPr>
-          </a:p>
-          <a:p>
-            <a:pPr marL="0" indent="0">
-              <a:buNone/>
-            </a:pPr>
-            <a:endParaRPr lang="en-US" altLang="ja-JP" sz="2200" dirty="0" smtClean="0">
-              <a:latin typeface="Courier New" pitchFamily="49" charset="0"/>
-              <a:cs typeface="Courier New" pitchFamily="49" charset="0"/>
-            </a:endParaRPr>
-          </a:p>
-          <a:p>
-            <a:pPr marL="0" indent="0">
-              <a:buNone/>
-            </a:pPr>
-            <a:endParaRPr kumimoji="1" lang="en-US" altLang="ja-JP" sz="2200" dirty="0"/>
           </a:p>
         </p:txBody>
       </p:sp>
@@ -8268,23 +9147,39 @@
           </a:p>
         </p:txBody>
       </p:sp>
+      <p:sp>
+        <p:nvSpPr>
+          <p:cNvPr id="7" name="タイトル 6"/>
+          <p:cNvSpPr>
+            <a:spLocks noGrp="1"/>
+          </p:cNvSpPr>
+          <p:nvPr>
+            <p:ph type="title"/>
+          </p:nvPr>
+        </p:nvSpPr>
+        <p:spPr/>
+        <p:txBody>
+          <a:bodyPr/>
+          <a:lstStyle/>
+          <a:p>
+            <a:r>
+              <a:rPr lang="en-US" altLang="ja-JP" dirty="0" smtClean="0"/>
+              <a:t>style.css</a:t>
+            </a:r>
+            <a:endParaRPr kumimoji="1" lang="ja-JP" altLang="en-US" dirty="0"/>
+          </a:p>
+        </p:txBody>
+      </p:sp>
     </p:spTree>
     <p:extLst>
       <p:ext uri="{BB962C8B-B14F-4D97-AF65-F5344CB8AC3E}">
-        <p14:creationId xmlns:p14="http://schemas.microsoft.com/office/powerpoint/2010/main" val="656933874"/>
+        <p14:creationId xmlns:p14="http://schemas.microsoft.com/office/powerpoint/2010/main" val="1491405041"/>
       </p:ext>
     </p:extLst>
   </p:cSld>
   <p:clrMapOvr>
     <a:masterClrMapping/>
   </p:clrMapOvr>
-  <p:timing>
-    <p:tnLst>
-      <p:par>
-        <p:cTn id="1" dur="indefinite" restart="never" nodeType="tmRoot"/>
-      </p:par>
-    </p:tnLst>
-  </p:timing>
 </p:sld>
 </file>
 
@@ -8721,12 +9616,20 @@
           <a:lstStyle/>
           <a:p>
             <a:r>
-              <a:rPr lang="en-US" altLang="ja-JP" dirty="0" err="1" smtClean="0"/>
-              <a:t>cProfile</a:t>
-            </a:r>
-            <a:r>
-              <a:rPr lang="ja-JP" altLang="en-US" dirty="0" smtClean="0"/>
-              <a:t>モジュール</a:t>
+              <a:rPr lang="en-US" altLang="ja-JP" dirty="0"/>
+              <a:t>Flask</a:t>
+            </a:r>
+            <a:r>
+              <a:rPr lang="ja-JP" altLang="en-US" dirty="0"/>
+              <a:t>による</a:t>
+            </a:r>
+            <a:r>
+              <a:rPr lang="en-US" altLang="ja-JP" dirty="0"/>
+              <a:t>Web</a:t>
+            </a:r>
+            <a:r>
+              <a:rPr lang="ja-JP" altLang="en-US" dirty="0"/>
+              <a:t>アプリケーション</a:t>
             </a:r>
             <a:endParaRPr kumimoji="1" lang="ja-JP" altLang="en-US" dirty="0"/>
           </a:p>
@@ -8742,147 +9645,261 @@
             <p:ph idx="1"/>
           </p:nvPr>
         </p:nvSpPr>
-        <p:spPr>
-          <a:xfrm>
-            <a:off x="457200" y="3184376"/>
-            <a:ext cx="8229600" cy="2620888"/>
-          </a:xfrm>
-        </p:spPr>
+        <p:spPr/>
         <p:txBody>
           <a:bodyPr>
-            <a:normAutofit fontScale="92500" lnSpcReduction="10000"/>
+            <a:normAutofit/>
           </a:bodyPr>
           <a:lstStyle/>
-          <a:p>
-            <a:endParaRPr lang="en-US" altLang="ja-JP" sz="500" dirty="0" smtClean="0">
-              <a:cs typeface="Courier New" pitchFamily="49" charset="0"/>
-            </a:endParaRPr>
-          </a:p>
-          <a:p>
-            <a:r>
-              <a:rPr lang="en-US" altLang="ja-JP" sz="3300" dirty="0" smtClean="0">
-                <a:cs typeface="Courier New" pitchFamily="49" charset="0"/>
-              </a:rPr>
-              <a:t>profile/</a:t>
-            </a:r>
-            <a:r>
-              <a:rPr lang="en-US" altLang="ja-JP" sz="3300" dirty="0" err="1" smtClean="0">
-                <a:cs typeface="Courier New" pitchFamily="49" charset="0"/>
-              </a:rPr>
-              <a:t>cProfile</a:t>
-            </a:r>
-            <a:r>
-              <a:rPr lang="ja-JP" altLang="en-US" sz="3300" dirty="0" smtClean="0">
-                <a:cs typeface="Courier New" pitchFamily="49" charset="0"/>
-              </a:rPr>
-              <a:t>は</a:t>
-            </a:r>
-            <a:r>
-              <a:rPr lang="en-US" altLang="ja-JP" sz="3300" dirty="0" smtClean="0">
-                <a:cs typeface="Courier New" pitchFamily="49" charset="0"/>
-              </a:rPr>
-              <a:t>Python</a:t>
-            </a:r>
-            <a:r>
-              <a:rPr lang="ja-JP" altLang="en-US" sz="3300" dirty="0" smtClean="0">
-                <a:cs typeface="Courier New" pitchFamily="49" charset="0"/>
-              </a:rPr>
-              <a:t>スクリプトの実行速度を測定するモジュールです</a:t>
-            </a:r>
-            <a:endParaRPr lang="en-US" altLang="ja-JP" sz="3300" dirty="0" smtClean="0">
-              <a:cs typeface="Courier New" pitchFamily="49" charset="0"/>
-            </a:endParaRPr>
-          </a:p>
-          <a:p>
-            <a:r>
-              <a:rPr lang="ja-JP" altLang="en-US" sz="3300" dirty="0" smtClean="0">
-                <a:cs typeface="Courier New" pitchFamily="49" charset="0"/>
-              </a:rPr>
-              <a:t>関数の呼び出し回数や処理時間を集計します</a:t>
-            </a:r>
-            <a:endParaRPr lang="en-US" altLang="ja-JP" sz="3300" dirty="0" smtClean="0">
-              <a:cs typeface="Courier New" pitchFamily="49" charset="0"/>
-            </a:endParaRPr>
-          </a:p>
-          <a:p>
-            <a:r>
-              <a:rPr lang="en-US" altLang="ja-JP" sz="3300" dirty="0" smtClean="0">
-                <a:cs typeface="Courier New" pitchFamily="49" charset="0"/>
-              </a:rPr>
-              <a:t>profile</a:t>
-            </a:r>
-            <a:r>
-              <a:rPr lang="ja-JP" altLang="en-US" sz="3300" dirty="0" smtClean="0">
-                <a:cs typeface="Courier New" pitchFamily="49" charset="0"/>
-              </a:rPr>
-              <a:t>と</a:t>
-            </a:r>
-            <a:r>
-              <a:rPr lang="en-US" altLang="ja-JP" sz="3300" dirty="0" err="1" smtClean="0">
-                <a:cs typeface="Courier New" pitchFamily="49" charset="0"/>
-              </a:rPr>
-              <a:t>cProfile</a:t>
-            </a:r>
-            <a:r>
-              <a:rPr lang="ja-JP" altLang="en-US" sz="3300" dirty="0" smtClean="0">
-                <a:cs typeface="Courier New" pitchFamily="49" charset="0"/>
-              </a:rPr>
-              <a:t>の機能はほぼ同じですが、</a:t>
-            </a:r>
-            <a:r>
-              <a:rPr lang="en-US" altLang="ja-JP" sz="3300" dirty="0" smtClean="0">
-                <a:cs typeface="Courier New" pitchFamily="49" charset="0"/>
-              </a:rPr>
-              <a:t>C</a:t>
-            </a:r>
-            <a:r>
-              <a:rPr lang="ja-JP" altLang="en-US" sz="3300" dirty="0" smtClean="0">
-                <a:cs typeface="Courier New" pitchFamily="49" charset="0"/>
-              </a:rPr>
-              <a:t>言語版の</a:t>
-            </a:r>
-            <a:r>
-              <a:rPr lang="en-US" altLang="ja-JP" sz="3300" dirty="0" err="1" smtClean="0">
-                <a:cs typeface="Courier New" pitchFamily="49" charset="0"/>
-              </a:rPr>
-              <a:t>cProfile</a:t>
-            </a:r>
-            <a:r>
-              <a:rPr lang="ja-JP" altLang="en-US" sz="3300" dirty="0" smtClean="0">
-                <a:cs typeface="Courier New" pitchFamily="49" charset="0"/>
-              </a:rPr>
-              <a:t>の方が高速です</a:t>
-            </a:r>
-            <a:endParaRPr lang="en-US" altLang="ja-JP" sz="3300" dirty="0" smtClean="0">
-              <a:cs typeface="Courier New" pitchFamily="49" charset="0"/>
-            </a:endParaRPr>
-          </a:p>
           <a:p>
             <a:pPr marL="0" indent="0">
               <a:buNone/>
             </a:pPr>
+            <a:r>
+              <a:rPr lang="en-US" altLang="ja-JP" dirty="0"/>
+              <a:t>3</a:t>
+            </a:r>
+            <a:r>
+              <a:rPr kumimoji="1" lang="en-US" altLang="ja-JP" dirty="0" smtClean="0"/>
+              <a:t>. </a:t>
+            </a:r>
+            <a:r>
+              <a:rPr kumimoji="1" lang="ja-JP" altLang="en-US" dirty="0" smtClean="0"/>
+              <a:t>実行</a:t>
+            </a:r>
+            <a:r>
+              <a:rPr kumimoji="1" lang="en-US" altLang="ja-JP" dirty="0" smtClean="0"/>
+              <a:t/>
+            </a:r>
+            <a:br>
+              <a:rPr kumimoji="1" lang="en-US" altLang="ja-JP" dirty="0" smtClean="0"/>
+            </a:br>
+            <a:r>
+              <a:rPr kumimoji="1" lang="en-US" altLang="ja-JP" sz="1000" dirty="0" smtClean="0">
+                <a:latin typeface="Courier New" pitchFamily="49" charset="0"/>
+                <a:cs typeface="Courier New" pitchFamily="49" charset="0"/>
+              </a:rPr>
+              <a:t/>
+            </a:r>
+            <a:br>
+              <a:rPr kumimoji="1" lang="en-US" altLang="ja-JP" sz="1000" dirty="0" smtClean="0">
+                <a:latin typeface="Courier New" pitchFamily="49" charset="0"/>
+                <a:cs typeface="Courier New" pitchFamily="49" charset="0"/>
+              </a:rPr>
+            </a:br>
+            <a:r>
+              <a:rPr kumimoji="1" lang="en-US" altLang="ja-JP" dirty="0" smtClean="0">
+                <a:latin typeface="Courier New" pitchFamily="49" charset="0"/>
+                <a:cs typeface="Courier New" pitchFamily="49" charset="0"/>
+              </a:rPr>
+              <a:t>$python handson.py</a:t>
+            </a:r>
+          </a:p>
+          <a:p>
+            <a:pPr marL="0" indent="0">
+              <a:buNone/>
+            </a:pPr>
+            <a:endParaRPr lang="en-US" altLang="ja-JP" sz="1000" dirty="0">
+              <a:latin typeface="Courier New" pitchFamily="49" charset="0"/>
+              <a:cs typeface="Courier New" pitchFamily="49" charset="0"/>
+            </a:endParaRPr>
+          </a:p>
+          <a:p>
+            <a:pPr marL="0" indent="0">
+              <a:buNone/>
+            </a:pPr>
+            <a:r>
+              <a:rPr lang="ja-JP" altLang="en-US" sz="2200" dirty="0">
+                <a:latin typeface="Courier New" pitchFamily="49" charset="0"/>
+                <a:cs typeface="Courier New" pitchFamily="49" charset="0"/>
+              </a:rPr>
+              <a:t>ブラウザ</a:t>
+            </a:r>
+            <a:r>
+              <a:rPr lang="ja-JP" altLang="en-US" sz="2200" dirty="0" smtClean="0">
+                <a:latin typeface="Courier New" pitchFamily="49" charset="0"/>
+                <a:cs typeface="Courier New" pitchFamily="49" charset="0"/>
+              </a:rPr>
+              <a:t>で </a:t>
+            </a:r>
+            <a:r>
+              <a:rPr lang="en-US" altLang="ja-JP" sz="2200" dirty="0" smtClean="0">
+                <a:latin typeface="Courier New" pitchFamily="49" charset="0"/>
+                <a:cs typeface="Courier New" pitchFamily="49" charset="0"/>
+                <a:hlinkClick r:id="rId2"/>
+              </a:rPr>
+              <a:t>http://localhost:5000/</a:t>
+            </a:r>
+            <a:r>
+              <a:rPr lang="en-US" altLang="ja-JP" sz="2200" dirty="0" smtClean="0">
+                <a:latin typeface="Courier New" pitchFamily="49" charset="0"/>
+                <a:cs typeface="Courier New" pitchFamily="49" charset="0"/>
+              </a:rPr>
+              <a:t> </a:t>
+            </a:r>
+            <a:r>
+              <a:rPr lang="ja-JP" altLang="en-US" sz="2200" dirty="0" smtClean="0">
+                <a:latin typeface="Courier New" pitchFamily="49" charset="0"/>
+                <a:cs typeface="Courier New" pitchFamily="49" charset="0"/>
+              </a:rPr>
+              <a:t>を開きます。</a:t>
+            </a:r>
             <a:endParaRPr lang="en-US" altLang="ja-JP" sz="2200" dirty="0" smtClean="0">
               <a:latin typeface="Courier New" pitchFamily="49" charset="0"/>
               <a:cs typeface="Courier New" pitchFamily="49" charset="0"/>
             </a:endParaRPr>
           </a:p>
           <a:p>
-            <a:endParaRPr lang="en-US" altLang="ja-JP" dirty="0" smtClean="0">
+            <a:pPr marL="0" indent="0">
+              <a:buNone/>
+            </a:pPr>
+            <a:endParaRPr kumimoji="1" lang="en-US" altLang="ja-JP" sz="2200" dirty="0">
               <a:latin typeface="Courier New" pitchFamily="49" charset="0"/>
               <a:cs typeface="Courier New" pitchFamily="49" charset="0"/>
             </a:endParaRPr>
           </a:p>
           <a:p>
-            <a:endParaRPr lang="en-US" altLang="ja-JP" sz="2200" dirty="0" smtClean="0">
+            <a:pPr marL="0" indent="0">
+              <a:buNone/>
+            </a:pPr>
+            <a:r>
+              <a:rPr lang="en-US" altLang="ja-JP" dirty="0" smtClean="0"/>
+              <a:t>4. </a:t>
+            </a:r>
+            <a:r>
+              <a:rPr lang="ja-JP" altLang="en-US" dirty="0" smtClean="0"/>
+              <a:t>終了方法</a:t>
+            </a:r>
+            <a:r>
+              <a:rPr lang="en-US" altLang="ja-JP" dirty="0"/>
+              <a:t/>
+            </a:r>
+            <a:br>
+              <a:rPr lang="en-US" altLang="ja-JP" dirty="0"/>
+            </a:br>
+            <a:r>
+              <a:rPr lang="en-US" altLang="ja-JP" sz="1000" dirty="0">
+                <a:latin typeface="Courier New" pitchFamily="49" charset="0"/>
+                <a:cs typeface="Courier New" pitchFamily="49" charset="0"/>
+              </a:rPr>
+              <a:t/>
+            </a:r>
+            <a:br>
+              <a:rPr lang="en-US" altLang="ja-JP" sz="1000" dirty="0">
+                <a:latin typeface="Courier New" pitchFamily="49" charset="0"/>
+                <a:cs typeface="Courier New" pitchFamily="49" charset="0"/>
+              </a:rPr>
+            </a:br>
+            <a:r>
+              <a:rPr lang="en-US" altLang="ja-JP" sz="2400" dirty="0" smtClean="0">
+                <a:latin typeface="Courier New" pitchFamily="49" charset="0"/>
+                <a:cs typeface="Courier New" pitchFamily="49" charset="0"/>
+              </a:rPr>
+              <a:t>^C</a:t>
+            </a:r>
+            <a:r>
+              <a:rPr lang="ja-JP" altLang="en-US" sz="2400" dirty="0" smtClean="0">
+                <a:latin typeface="Courier New" pitchFamily="49" charset="0"/>
+                <a:cs typeface="Courier New" pitchFamily="49" charset="0"/>
+              </a:rPr>
+              <a:t>（</a:t>
+            </a:r>
+            <a:r>
+              <a:rPr lang="en-US" altLang="ja-JP" sz="2400" dirty="0" err="1" smtClean="0">
+                <a:latin typeface="Courier New" pitchFamily="49" charset="0"/>
+                <a:cs typeface="Courier New" pitchFamily="49" charset="0"/>
+              </a:rPr>
+              <a:t>Control+C</a:t>
+            </a:r>
+            <a:r>
+              <a:rPr lang="en-US" altLang="ja-JP" sz="2400" dirty="0" smtClean="0">
+                <a:latin typeface="Courier New" pitchFamily="49" charset="0"/>
+                <a:cs typeface="Courier New" pitchFamily="49" charset="0"/>
+              </a:rPr>
+              <a:t>)</a:t>
+            </a:r>
+            <a:r>
+              <a:rPr lang="ja-JP" altLang="en-US" sz="2400" dirty="0" smtClean="0">
+                <a:latin typeface="Courier New" pitchFamily="49" charset="0"/>
+                <a:cs typeface="Courier New" pitchFamily="49" charset="0"/>
+              </a:rPr>
+              <a:t>で</a:t>
+            </a:r>
+            <a:r>
+              <a:rPr lang="ja-JP" altLang="en-US" sz="2400" dirty="0">
+                <a:latin typeface="Courier New" pitchFamily="49" charset="0"/>
+                <a:cs typeface="Courier New" pitchFamily="49" charset="0"/>
+              </a:rPr>
+              <a:t>終了</a:t>
+            </a:r>
+            <a:r>
+              <a:rPr lang="ja-JP" altLang="en-US" sz="2400" dirty="0" smtClean="0">
+                <a:latin typeface="Courier New" pitchFamily="49" charset="0"/>
+                <a:cs typeface="Courier New" pitchFamily="49" charset="0"/>
+              </a:rPr>
+              <a:t>します。</a:t>
+            </a:r>
+            <a:endParaRPr lang="en-US" altLang="ja-JP" sz="2400" dirty="0" smtClean="0">
               <a:latin typeface="Courier New" pitchFamily="49" charset="0"/>
               <a:cs typeface="Courier New" pitchFamily="49" charset="0"/>
             </a:endParaRPr>
           </a:p>
           <a:p>
-            <a:endParaRPr kumimoji="1" lang="ja-JP" altLang="en-US" sz="2300" dirty="0">
+            <a:pPr marL="0" indent="0">
+              <a:buNone/>
+            </a:pPr>
+            <a:r>
+              <a:rPr lang="en-US" altLang="ja-JP" sz="2400" dirty="0" smtClean="0">
+                <a:latin typeface="Courier New" pitchFamily="49" charset="0"/>
+                <a:cs typeface="Courier New" pitchFamily="49" charset="0"/>
+              </a:rPr>
+              <a:t>Windows</a:t>
+            </a:r>
+            <a:r>
+              <a:rPr lang="ja-JP" altLang="en-US" sz="2400" dirty="0" smtClean="0">
+                <a:latin typeface="Courier New" pitchFamily="49" charset="0"/>
+                <a:cs typeface="Courier New" pitchFamily="49" charset="0"/>
+              </a:rPr>
+              <a:t>で、終了するまで時間がかかる場合、</a:t>
+            </a:r>
+            <a:r>
+              <a:rPr lang="en-US" altLang="ja-JP" sz="2400" dirty="0" err="1" smtClean="0">
+                <a:latin typeface="Courier New" pitchFamily="49" charset="0"/>
+                <a:cs typeface="Courier New" pitchFamily="49" charset="0"/>
+              </a:rPr>
+              <a:t>Control+Break</a:t>
+            </a:r>
+            <a:r>
+              <a:rPr lang="ja-JP" altLang="en-US" sz="2400" dirty="0" smtClean="0">
+                <a:latin typeface="Courier New" pitchFamily="49" charset="0"/>
+                <a:cs typeface="Courier New" pitchFamily="49" charset="0"/>
+              </a:rPr>
+              <a:t>でも</a:t>
+            </a:r>
+            <a:r>
+              <a:rPr lang="ja-JP" altLang="en-US" sz="2400" dirty="0">
+                <a:latin typeface="Courier New" pitchFamily="49" charset="0"/>
+                <a:cs typeface="Courier New" pitchFamily="49" charset="0"/>
+              </a:rPr>
+              <a:t>終了</a:t>
+            </a:r>
+            <a:r>
+              <a:rPr lang="ja-JP" altLang="en-US" sz="2400" dirty="0" smtClean="0">
+                <a:latin typeface="Courier New" pitchFamily="49" charset="0"/>
+                <a:cs typeface="Courier New" pitchFamily="49" charset="0"/>
+              </a:rPr>
+              <a:t>します。</a:t>
+            </a:r>
+            <a:endParaRPr lang="en-US" altLang="ja-JP" sz="2400" dirty="0">
               <a:latin typeface="Courier New" pitchFamily="49" charset="0"/>
               <a:cs typeface="Courier New" pitchFamily="49" charset="0"/>
             </a:endParaRPr>
+          </a:p>
+          <a:p>
+            <a:pPr marL="0" indent="0">
+              <a:buNone/>
+            </a:pPr>
+            <a:endParaRPr kumimoji="1" lang="en-US" altLang="ja-JP" sz="2200" dirty="0"/>
           </a:p>
         </p:txBody>
       </p:sp>
@@ -8955,126 +9972,10 @@
           </a:p>
         </p:txBody>
       </p:sp>
-      <p:sp>
-        <p:nvSpPr>
-          <p:cNvPr id="9" name="テキスト ボックス 8"/>
-          <p:cNvSpPr txBox="1"/>
-          <p:nvPr/>
-        </p:nvSpPr>
-        <p:spPr>
-          <a:xfrm>
-            <a:off x="1331640" y="1744216"/>
-            <a:ext cx="6480720" cy="1107996"/>
-          </a:xfrm>
-          <a:prstGeom prst="rect">
-            <a:avLst/>
-          </a:prstGeom>
-        </p:spPr>
-        <p:style>
-          <a:lnRef idx="2">
-            <a:schemeClr val="accent2">
-              <a:shade val="50000"/>
-            </a:schemeClr>
-          </a:lnRef>
-          <a:fillRef idx="1">
-            <a:schemeClr val="accent2"/>
-          </a:fillRef>
-          <a:effectRef idx="0">
-            <a:schemeClr val="accent2"/>
-          </a:effectRef>
-          <a:fontRef idx="minor">
-            <a:schemeClr val="lt1"/>
-          </a:fontRef>
-        </p:style>
-        <p:txBody>
-          <a:bodyPr wrap="square" rtlCol="0">
-            <a:spAutoFit/>
-          </a:bodyPr>
-          <a:lstStyle/>
-          <a:p>
-            <a:r>
-              <a:rPr lang="en-US" altLang="ja-JP" sz="2200" dirty="0"/>
-              <a:t>(</a:t>
-            </a:r>
-            <a:r>
-              <a:rPr lang="ja-JP" altLang="en-US" sz="2200" dirty="0"/>
-              <a:t>注</a:t>
-            </a:r>
-            <a:r>
-              <a:rPr lang="en-US" altLang="ja-JP" sz="2200" dirty="0"/>
-              <a:t>) </a:t>
-            </a:r>
-            <a:r>
-              <a:rPr lang="en-US" altLang="ja-JP" sz="2200" dirty="0" err="1"/>
-              <a:t>Debian</a:t>
-            </a:r>
-            <a:r>
-              <a:rPr lang="en-US" altLang="ja-JP" sz="2200" dirty="0"/>
-              <a:t>/Ubuntu </a:t>
-            </a:r>
-            <a:r>
-              <a:rPr lang="ja-JP" altLang="en-US" sz="2200" dirty="0"/>
-              <a:t>では、</a:t>
-            </a:r>
-            <a:r>
-              <a:rPr lang="en-US" altLang="ja-JP" sz="2200" dirty="0"/>
-              <a:t/>
-            </a:r>
-            <a:br>
-              <a:rPr lang="en-US" altLang="ja-JP" sz="2200" dirty="0"/>
-            </a:br>
-            <a:r>
-              <a:rPr lang="en-US" altLang="ja-JP" sz="2200" dirty="0">
-                <a:latin typeface="Courier New" pitchFamily="49" charset="0"/>
-                <a:cs typeface="Courier New" pitchFamily="49" charset="0"/>
-              </a:rPr>
-              <a:t>$</a:t>
-            </a:r>
-            <a:r>
-              <a:rPr lang="en-US" altLang="ja-JP" sz="2200" dirty="0" err="1">
-                <a:latin typeface="Courier New" pitchFamily="49" charset="0"/>
-                <a:cs typeface="Courier New" pitchFamily="49" charset="0"/>
-              </a:rPr>
-              <a:t>sudo</a:t>
-            </a:r>
-            <a:r>
-              <a:rPr lang="en-US" altLang="ja-JP" sz="2200" dirty="0">
-                <a:latin typeface="Courier New" pitchFamily="49" charset="0"/>
-                <a:cs typeface="Courier New" pitchFamily="49" charset="0"/>
-              </a:rPr>
-              <a:t> apt-get install python-profiler</a:t>
-            </a:r>
-            <a:br>
-              <a:rPr lang="en-US" altLang="ja-JP" sz="2200" dirty="0">
-                <a:latin typeface="Courier New" pitchFamily="49" charset="0"/>
-                <a:cs typeface="Courier New" pitchFamily="49" charset="0"/>
-              </a:rPr>
-            </a:br>
-            <a:r>
-              <a:rPr lang="ja-JP" altLang="en-US" sz="2200" dirty="0">
-                <a:latin typeface="Courier New" pitchFamily="49" charset="0"/>
-                <a:cs typeface="Courier New" pitchFamily="49" charset="0"/>
-              </a:rPr>
-              <a:t>が</a:t>
-            </a:r>
-            <a:r>
-              <a:rPr lang="ja-JP" altLang="en-US" sz="2200" dirty="0" smtClean="0">
-                <a:latin typeface="Courier New" pitchFamily="49" charset="0"/>
-                <a:cs typeface="Courier New" pitchFamily="49" charset="0"/>
-              </a:rPr>
-              <a:t>必要な場合があります</a:t>
-            </a:r>
-            <a:endParaRPr lang="en-US" altLang="ja-JP" sz="2200" dirty="0">
-              <a:latin typeface="Courier New" pitchFamily="49" charset="0"/>
-              <a:cs typeface="Courier New" pitchFamily="49" charset="0"/>
-            </a:endParaRPr>
-          </a:p>
-        </p:txBody>
-      </p:sp>
     </p:spTree>
     <p:extLst>
       <p:ext uri="{BB962C8B-B14F-4D97-AF65-F5344CB8AC3E}">
-        <p14:creationId xmlns:p14="http://schemas.microsoft.com/office/powerpoint/2010/main" val="1739528805"/>
+        <p14:creationId xmlns:p14="http://schemas.microsoft.com/office/powerpoint/2010/main" val="1757600118"/>
       </p:ext>
     </p:extLst>
   </p:cSld>
@@ -9124,12 +10025,20 @@
           <a:lstStyle/>
           <a:p>
             <a:r>
-              <a:rPr lang="en-US" altLang="ja-JP" dirty="0" err="1"/>
-              <a:t>cProfile</a:t>
+              <a:rPr lang="en-US" altLang="ja-JP" dirty="0"/>
+              <a:t>Flask</a:t>
             </a:r>
             <a:r>
               <a:rPr lang="ja-JP" altLang="en-US" dirty="0"/>
-              <a:t>モジュール</a:t>
+              <a:t>による</a:t>
+            </a:r>
+            <a:r>
+              <a:rPr lang="en-US" altLang="ja-JP" dirty="0"/>
+              <a:t>Web</a:t>
+            </a:r>
+            <a:r>
+              <a:rPr lang="ja-JP" altLang="en-US" dirty="0"/>
+              <a:t>アプリケーション</a:t>
             </a:r>
             <a:endParaRPr kumimoji="1" lang="ja-JP" altLang="en-US" dirty="0"/>
           </a:p>
@@ -9148,44 +10057,31 @@
         <p:spPr>
           <a:xfrm>
             <a:off x="457200" y="1600201"/>
-            <a:ext cx="8229600" cy="1108720"/>
+            <a:ext cx="8229600" cy="1252735"/>
           </a:xfrm>
         </p:spPr>
         <p:txBody>
-          <a:bodyPr/>
-          <a:lstStyle/>
-          <a:p>
-            <a:r>
-              <a:rPr lang="en-US" altLang="ja-JP" dirty="0" err="1" smtClean="0">
-                <a:latin typeface="Courier New" pitchFamily="49" charset="0"/>
-                <a:cs typeface="Courier New" pitchFamily="49" charset="0"/>
-              </a:rPr>
-              <a:t>show_messages</a:t>
-            </a:r>
-            <a:r>
-              <a:rPr lang="en-US" altLang="ja-JP" dirty="0" smtClean="0">
-                <a:latin typeface="Courier New" pitchFamily="49" charset="0"/>
-                <a:cs typeface="Courier New" pitchFamily="49" charset="0"/>
-              </a:rPr>
-              <a:t>()</a:t>
-            </a:r>
-            <a:r>
-              <a:rPr lang="ja-JP" altLang="en-US" dirty="0" smtClean="0">
-                <a:latin typeface="Courier New" pitchFamily="49" charset="0"/>
-                <a:cs typeface="Courier New" pitchFamily="49" charset="0"/>
-              </a:rPr>
-              <a:t>関数を修正します</a:t>
-            </a:r>
-            <a:endParaRPr lang="en-US" altLang="ja-JP" dirty="0">
-              <a:latin typeface="Courier New" pitchFamily="49" charset="0"/>
-              <a:cs typeface="Courier New" pitchFamily="49" charset="0"/>
-            </a:endParaRPr>
-          </a:p>
+          <a:bodyPr>
+            <a:normAutofit/>
+          </a:bodyPr>
+          <a:lstStyle/>
           <a:p>
             <a:pPr marL="0" indent="0">
               <a:buNone/>
             </a:pPr>
-            <a:endParaRPr kumimoji="1" lang="ja-JP" altLang="en-US" dirty="0"/>
+            <a:r>
+              <a:rPr lang="en-US" altLang="ja-JP" dirty="0"/>
+              <a:t>5</a:t>
+            </a:r>
+            <a:r>
+              <a:rPr kumimoji="1" lang="en-US" altLang="ja-JP" dirty="0" smtClean="0"/>
+              <a:t>. </a:t>
+            </a:r>
+            <a:r>
+              <a:rPr kumimoji="1" lang="ja-JP" altLang="en-US" dirty="0" smtClean="0"/>
+              <a:t>ソースコード解説</a:t>
+            </a:r>
+            <a:endParaRPr kumimoji="1" lang="en-US" altLang="ja-JP" sz="2200" dirty="0"/>
           </a:p>
         </p:txBody>
       </p:sp>
@@ -9266,8 +10162,8 @@
         </p:nvSpPr>
         <p:spPr>
           <a:xfrm>
-            <a:off x="827584" y="3918535"/>
-            <a:ext cx="7643199" cy="2185214"/>
+            <a:off x="628215" y="2348880"/>
+            <a:ext cx="3079689" cy="369332"/>
           </a:xfrm>
           <a:prstGeom prst="rect">
             <a:avLst/>
@@ -9288,117 +10184,29 @@
           </a:fontRef>
         </p:style>
         <p:txBody>
-          <a:bodyPr wrap="square" rtlCol="0">
+          <a:bodyPr wrap="none" rtlCol="0">
             <a:spAutoFit/>
           </a:bodyPr>
           <a:lstStyle/>
           <a:p>
             <a:r>
-              <a:rPr lang="en-US" altLang="ja-JP" dirty="0"/>
-              <a:t>@</a:t>
-            </a:r>
-            <a:r>
-              <a:rPr lang="en-US" altLang="ja-JP" dirty="0" err="1"/>
-              <a:t>app.route</a:t>
-            </a:r>
-            <a:r>
-              <a:rPr lang="en-US" altLang="ja-JP" dirty="0"/>
-              <a:t>('/show')</a:t>
-            </a:r>
-          </a:p>
-          <a:p>
-            <a:r>
-              <a:rPr lang="en-US" altLang="ja-JP" dirty="0" err="1"/>
-              <a:t>def</a:t>
-            </a:r>
-            <a:r>
-              <a:rPr lang="en-US" altLang="ja-JP" dirty="0"/>
-              <a:t> </a:t>
-            </a:r>
-            <a:r>
-              <a:rPr lang="en-US" altLang="ja-JP" dirty="0" err="1"/>
-              <a:t>show_messages</a:t>
-            </a:r>
-            <a:r>
-              <a:rPr lang="en-US" altLang="ja-JP" dirty="0" smtClean="0"/>
-              <a:t>():</a:t>
-            </a:r>
-          </a:p>
-          <a:p>
-            <a:r>
-              <a:rPr lang="en-US" altLang="ja-JP" sz="2000" b="1" dirty="0" smtClean="0"/>
-              <a:t>    import </a:t>
-            </a:r>
-            <a:r>
-              <a:rPr lang="en-US" altLang="ja-JP" sz="2000" b="1" dirty="0" err="1" smtClean="0"/>
-              <a:t>cProfile</a:t>
-            </a:r>
-            <a:endParaRPr lang="en-US" altLang="ja-JP" sz="2000" b="1" dirty="0" smtClean="0"/>
-          </a:p>
-          <a:p>
-            <a:r>
-              <a:rPr lang="en-US" altLang="ja-JP" sz="2000" b="1" dirty="0" smtClean="0"/>
-              <a:t>    </a:t>
-            </a:r>
-            <a:r>
-              <a:rPr lang="en-US" altLang="ja-JP" sz="2000" b="1" dirty="0" err="1" smtClean="0"/>
-              <a:t>cProfile.runctx</a:t>
-            </a:r>
-            <a:r>
-              <a:rPr lang="en-US" altLang="ja-JP" sz="2000" b="1" dirty="0"/>
-              <a:t>("""ret </a:t>
-            </a:r>
-            <a:r>
-              <a:rPr lang="en-US" altLang="ja-JP" sz="2000" b="1" dirty="0" smtClean="0"/>
-              <a:t>= </a:t>
-            </a:r>
-            <a:r>
-              <a:rPr lang="en-US" altLang="ja-JP" sz="2000" b="1" dirty="0" err="1" smtClean="0"/>
-              <a:t>render_template</a:t>
-            </a:r>
-            <a:r>
-              <a:rPr lang="en-US" altLang="ja-JP" sz="2000" b="1" dirty="0" smtClean="0"/>
-              <a:t>('show_messages.html',</a:t>
-            </a:r>
-          </a:p>
-          <a:p>
-            <a:r>
-              <a:rPr lang="en-US" altLang="ja-JP" sz="2000" b="1" dirty="0" smtClean="0"/>
-              <a:t>                           messages=reversed(session</a:t>
-            </a:r>
-            <a:r>
-              <a:rPr lang="en-US" altLang="ja-JP" sz="2000" b="1" dirty="0"/>
-              <a:t>['messages</a:t>
-            </a:r>
-            <a:r>
-              <a:rPr lang="en-US" altLang="ja-JP" sz="2000" b="1" dirty="0" smtClean="0"/>
-              <a:t>']))""",</a:t>
-            </a:r>
-          </a:p>
-          <a:p>
-            <a:r>
-              <a:rPr lang="en-US" altLang="ja-JP" sz="2000" b="1" dirty="0" smtClean="0"/>
-              <a:t>                           locals(), </a:t>
-            </a:r>
-            <a:r>
-              <a:rPr lang="en-US" altLang="ja-JP" sz="2000" b="1" dirty="0" err="1" smtClean="0"/>
-              <a:t>globals</a:t>
-            </a:r>
-            <a:r>
-              <a:rPr lang="en-US" altLang="ja-JP" sz="2000" b="1" dirty="0" smtClean="0"/>
-              <a:t>(), sort='cumulative') </a:t>
-            </a:r>
-          </a:p>
-          <a:p>
-            <a:r>
-              <a:rPr lang="en-US" altLang="ja-JP" sz="2000" b="1" dirty="0" smtClean="0"/>
-              <a:t>    </a:t>
-            </a:r>
-            <a:r>
-              <a:rPr lang="en-US" altLang="ja-JP" sz="2000" b="1" dirty="0" smtClean="0"/>
-              <a:t>return ret</a:t>
-            </a:r>
-            <a:endParaRPr kumimoji="1" lang="ja-JP" altLang="en-US" sz="2000" b="1" dirty="0"/>
+              <a:rPr lang="en-US" altLang="ja-JP" dirty="0">
+                <a:latin typeface="Courier New" pitchFamily="49" charset="0"/>
+                <a:cs typeface="Courier New" pitchFamily="49" charset="0"/>
+              </a:rPr>
+              <a:t>app = Flask(__name</a:t>
+            </a:r>
+            <a:r>
+              <a:rPr lang="en-US" altLang="ja-JP" dirty="0" smtClean="0">
+                <a:latin typeface="Courier New" pitchFamily="49" charset="0"/>
+                <a:cs typeface="Courier New" pitchFamily="49" charset="0"/>
+              </a:rPr>
+              <a:t>__)</a:t>
+            </a:r>
+            <a:endParaRPr lang="en-US" altLang="ja-JP" dirty="0">
+              <a:latin typeface="Courier New" pitchFamily="49" charset="0"/>
+              <a:cs typeface="Courier New" pitchFamily="49" charset="0"/>
+            </a:endParaRPr>
           </a:p>
         </p:txBody>
       </p:sp>
@@ -9410,8 +10218,42 @@
         </p:nvSpPr>
         <p:spPr>
           <a:xfrm>
-            <a:off x="1331640" y="2321543"/>
-            <a:ext cx="4876784" cy="1077218"/>
+            <a:off x="3851920" y="2349460"/>
+            <a:ext cx="4903907" cy="430887"/>
+          </a:xfrm>
+          <a:prstGeom prst="rect">
+            <a:avLst/>
+          </a:prstGeom>
+          <a:noFill/>
+        </p:spPr>
+        <p:txBody>
+          <a:bodyPr wrap="none" rtlCol="0">
+            <a:spAutoFit/>
+          </a:bodyPr>
+          <a:lstStyle/>
+          <a:p>
+            <a:r>
+              <a:rPr kumimoji="1" lang="en-US" altLang="ja-JP" sz="2200" dirty="0" smtClean="0"/>
+              <a:t>Flask</a:t>
+            </a:r>
+            <a:r>
+              <a:rPr kumimoji="1" lang="ja-JP" altLang="en-US" sz="2200" dirty="0" smtClean="0"/>
+              <a:t>アプリケーションオブジェクトの作成</a:t>
+            </a:r>
+            <a:endParaRPr kumimoji="1" lang="ja-JP" altLang="en-US" sz="2200" dirty="0"/>
+          </a:p>
+        </p:txBody>
+      </p:sp>
+      <p:sp>
+        <p:nvSpPr>
+          <p:cNvPr id="9" name="テキスト ボックス 8"/>
+          <p:cNvSpPr txBox="1"/>
+          <p:nvPr/>
+        </p:nvSpPr>
+        <p:spPr>
+          <a:xfrm>
+            <a:off x="634576" y="2996952"/>
+            <a:ext cx="3073328" cy="923330"/>
           </a:xfrm>
           <a:prstGeom prst="rect">
             <a:avLst/>
@@ -9432,85 +10274,171 @@
           </a:fontRef>
         </p:style>
         <p:txBody>
+          <a:bodyPr wrap="square" rtlCol="0">
+            <a:spAutoFit/>
+          </a:bodyPr>
+          <a:lstStyle/>
+          <a:p>
+            <a:r>
+              <a:rPr lang="en-US" altLang="ja-JP" dirty="0">
+                <a:latin typeface="Courier New" pitchFamily="49" charset="0"/>
+                <a:cs typeface="Courier New" pitchFamily="49" charset="0"/>
+              </a:rPr>
+              <a:t>@</a:t>
+            </a:r>
+            <a:r>
+              <a:rPr lang="en-US" altLang="ja-JP" dirty="0" err="1">
+                <a:latin typeface="Courier New" pitchFamily="49" charset="0"/>
+                <a:cs typeface="Courier New" pitchFamily="49" charset="0"/>
+              </a:rPr>
+              <a:t>app.route</a:t>
+            </a:r>
+            <a:r>
+              <a:rPr lang="en-US" altLang="ja-JP" dirty="0">
+                <a:latin typeface="Courier New" pitchFamily="49" charset="0"/>
+                <a:cs typeface="Courier New" pitchFamily="49" charset="0"/>
+              </a:rPr>
+              <a:t>('/')</a:t>
+            </a:r>
+          </a:p>
+          <a:p>
+            <a:r>
+              <a:rPr lang="en-US" altLang="ja-JP" dirty="0" err="1">
+                <a:latin typeface="Courier New" pitchFamily="49" charset="0"/>
+                <a:cs typeface="Courier New" pitchFamily="49" charset="0"/>
+              </a:rPr>
+              <a:t>def</a:t>
+            </a:r>
+            <a:r>
+              <a:rPr lang="en-US" altLang="ja-JP" dirty="0">
+                <a:latin typeface="Courier New" pitchFamily="49" charset="0"/>
+                <a:cs typeface="Courier New" pitchFamily="49" charset="0"/>
+              </a:rPr>
+              <a:t> </a:t>
+            </a:r>
+            <a:r>
+              <a:rPr lang="en-US" altLang="ja-JP" dirty="0" err="1">
+                <a:latin typeface="Courier New" pitchFamily="49" charset="0"/>
+                <a:cs typeface="Courier New" pitchFamily="49" charset="0"/>
+              </a:rPr>
+              <a:t>index_html</a:t>
+            </a:r>
+            <a:r>
+              <a:rPr lang="en-US" altLang="ja-JP" dirty="0">
+                <a:latin typeface="Courier New" pitchFamily="49" charset="0"/>
+                <a:cs typeface="Courier New" pitchFamily="49" charset="0"/>
+              </a:rPr>
+              <a:t>():</a:t>
+            </a:r>
+          </a:p>
+          <a:p>
+            <a:r>
+              <a:rPr lang="en-US" altLang="ja-JP" dirty="0">
+                <a:latin typeface="Courier New" pitchFamily="49" charset="0"/>
+                <a:cs typeface="Courier New" pitchFamily="49" charset="0"/>
+              </a:rPr>
+              <a:t>    return </a:t>
+            </a:r>
+            <a:r>
+              <a:rPr lang="en-US" altLang="ja-JP" dirty="0" smtClean="0">
+                <a:latin typeface="Courier New" pitchFamily="49" charset="0"/>
+                <a:cs typeface="Courier New" pitchFamily="49" charset="0"/>
+              </a:rPr>
+              <a:t>"Hello"</a:t>
+            </a:r>
+            <a:endParaRPr lang="en-US" altLang="ja-JP" dirty="0">
+              <a:latin typeface="Courier New" pitchFamily="49" charset="0"/>
+              <a:cs typeface="Courier New" pitchFamily="49" charset="0"/>
+            </a:endParaRPr>
+          </a:p>
+        </p:txBody>
+      </p:sp>
+      <p:sp>
+        <p:nvSpPr>
+          <p:cNvPr id="10" name="テキスト ボックス 9"/>
+          <p:cNvSpPr txBox="1"/>
+          <p:nvPr/>
+        </p:nvSpPr>
+        <p:spPr>
+          <a:xfrm>
+            <a:off x="3851920" y="2996952"/>
+            <a:ext cx="4778872" cy="800219"/>
+          </a:xfrm>
+          <a:prstGeom prst="rect">
+            <a:avLst/>
+          </a:prstGeom>
+          <a:noFill/>
+        </p:spPr>
+        <p:txBody>
           <a:bodyPr wrap="none" rtlCol="0">
             <a:spAutoFit/>
           </a:bodyPr>
           <a:lstStyle/>
           <a:p>
             <a:r>
-              <a:rPr lang="en-US" altLang="ja-JP" sz="1600" dirty="0"/>
+              <a:rPr kumimoji="1" lang="en-US" altLang="ja-JP" sz="2400" b="1" dirty="0" smtClean="0">
+                <a:latin typeface="Courier New" pitchFamily="49" charset="0"/>
+                <a:cs typeface="Courier New" pitchFamily="49" charset="0"/>
+              </a:rPr>
               <a:t>@</a:t>
             </a:r>
             <a:r>
-              <a:rPr lang="en-US" altLang="ja-JP" sz="1600" dirty="0" err="1"/>
+              <a:rPr kumimoji="1" lang="en-US" altLang="ja-JP" sz="2400" b="1" dirty="0" err="1" smtClean="0">
+                <a:latin typeface="Courier New" pitchFamily="49" charset="0"/>
+                <a:cs typeface="Courier New" pitchFamily="49" charset="0"/>
+              </a:rPr>
               <a:t>app.route</a:t>
             </a:r>
             <a:r>
-              <a:rPr lang="en-US" altLang="ja-JP" sz="1600" dirty="0"/>
-              <a:t>('/show')</a:t>
-            </a:r>
-          </a:p>
-          <a:p>
-            <a:r>
-              <a:rPr lang="en-US" altLang="ja-JP" sz="1600" dirty="0" err="1"/>
-              <a:t>def</a:t>
-            </a:r>
-            <a:r>
-              <a:rPr lang="en-US" altLang="ja-JP" sz="1600" dirty="0"/>
-              <a:t> </a:t>
-            </a:r>
-            <a:r>
-              <a:rPr lang="en-US" altLang="ja-JP" sz="1600" dirty="0" err="1"/>
-              <a:t>show_messages</a:t>
-            </a:r>
-            <a:r>
-              <a:rPr lang="en-US" altLang="ja-JP" sz="1600" dirty="0"/>
-              <a:t>():</a:t>
-            </a:r>
-          </a:p>
-          <a:p>
-            <a:r>
-              <a:rPr lang="ja-JP" altLang="en-US" sz="1600" dirty="0"/>
-              <a:t>    </a:t>
-            </a:r>
-            <a:r>
-              <a:rPr lang="en-US" altLang="ja-JP" sz="1600" dirty="0"/>
-              <a:t>return </a:t>
-            </a:r>
-            <a:r>
-              <a:rPr lang="en-US" altLang="ja-JP" sz="1600" dirty="0" err="1"/>
-              <a:t>render_template</a:t>
-            </a:r>
-            <a:r>
-              <a:rPr lang="en-US" altLang="ja-JP" sz="1600" dirty="0"/>
-              <a:t>('show_messages.html',</a:t>
-            </a:r>
-          </a:p>
-          <a:p>
-            <a:r>
-              <a:rPr lang="en-US" altLang="ja-JP" sz="1600" dirty="0"/>
-              <a:t>                           messages=reversed(session['messages</a:t>
-            </a:r>
-            <a:r>
-              <a:rPr lang="en-US" altLang="ja-JP" sz="1600" dirty="0" smtClean="0"/>
-              <a:t>']))</a:t>
-            </a:r>
-            <a:endParaRPr lang="en-US" altLang="ja-JP" sz="1600" dirty="0"/>
-          </a:p>
-        </p:txBody>
-      </p:sp>
-      <p:sp>
-        <p:nvSpPr>
-          <p:cNvPr id="9" name="下矢印 8"/>
-          <p:cNvSpPr/>
+              <a:rPr lang="en-US" altLang="ja-JP" sz="2400" b="1" dirty="0">
+                <a:latin typeface="Courier New" pitchFamily="49" charset="0"/>
+                <a:cs typeface="Courier New" pitchFamily="49" charset="0"/>
+              </a:rPr>
+              <a:t>('URL')</a:t>
+            </a:r>
+            <a:r>
+              <a:rPr kumimoji="1" lang="ja-JP" altLang="en-US" sz="2200" dirty="0" smtClean="0"/>
+              <a:t>で</a:t>
+            </a:r>
+            <a:r>
+              <a:rPr lang="ja-JP" altLang="en-US" sz="2200" dirty="0"/>
+              <a:t>、</a:t>
+            </a:r>
+            <a:r>
+              <a:rPr kumimoji="1" lang="en-US" altLang="ja-JP" sz="2200" dirty="0" smtClean="0"/>
+              <a:t>URL</a:t>
+            </a:r>
+            <a:r>
+              <a:rPr kumimoji="1" lang="ja-JP" altLang="en-US" sz="2200" dirty="0" smtClean="0"/>
+              <a:t>への</a:t>
+            </a:r>
+            <a:r>
+              <a:rPr kumimoji="1" lang="en-US" altLang="ja-JP" sz="2200" dirty="0" smtClean="0"/>
+              <a:t/>
+            </a:r>
+            <a:br>
+              <a:rPr kumimoji="1" lang="en-US" altLang="ja-JP" sz="2200" dirty="0" smtClean="0"/>
+            </a:br>
+            <a:r>
+              <a:rPr kumimoji="1" lang="ja-JP" altLang="en-US" sz="2200" dirty="0" smtClean="0"/>
+              <a:t>リクエストハンドラを指定</a:t>
+            </a:r>
+            <a:endParaRPr kumimoji="1" lang="ja-JP" altLang="en-US" sz="2200" dirty="0"/>
+          </a:p>
+        </p:txBody>
+      </p:sp>
+      <p:sp>
+        <p:nvSpPr>
+          <p:cNvPr id="11" name="テキスト ボックス 10"/>
+          <p:cNvSpPr txBox="1"/>
           <p:nvPr/>
         </p:nvSpPr>
         <p:spPr>
           <a:xfrm>
-            <a:off x="3491880" y="3444101"/>
-            <a:ext cx="484632" cy="416947"/>
+            <a:off x="611560" y="4149080"/>
+            <a:ext cx="3096344" cy="923330"/>
           </a:xfrm>
-          <a:prstGeom prst="downArrow">
+          <a:prstGeom prst="rect">
             <a:avLst/>
           </a:prstGeom>
         </p:spPr>
@@ -9529,18 +10457,212 @@
           </a:fontRef>
         </p:style>
         <p:txBody>
-          <a:bodyPr rtlCol="0" anchor="ctr"/>
-          <a:lstStyle/>
-          <a:p>
-            <a:pPr algn="ctr"/>
-            <a:endParaRPr kumimoji="1" lang="ja-JP" altLang="en-US"/>
+          <a:bodyPr wrap="square" rtlCol="0">
+            <a:spAutoFit/>
+          </a:bodyPr>
+          <a:lstStyle/>
+          <a:p>
+            <a:r>
+              <a:rPr lang="en-US" altLang="ja-JP" dirty="0" err="1" smtClean="0">
+                <a:latin typeface="Courier New" pitchFamily="49" charset="0"/>
+                <a:cs typeface="Courier New" pitchFamily="49" charset="0"/>
+              </a:rPr>
+              <a:t>render_template</a:t>
+            </a:r>
+            <a:r>
+              <a:rPr lang="en-US" altLang="ja-JP" dirty="0" smtClean="0">
+                <a:latin typeface="Courier New" pitchFamily="49" charset="0"/>
+                <a:cs typeface="Courier New" pitchFamily="49" charset="0"/>
+              </a:rPr>
+              <a:t>(</a:t>
+            </a:r>
+            <a:br>
+              <a:rPr lang="en-US" altLang="ja-JP" dirty="0" smtClean="0">
+                <a:latin typeface="Courier New" pitchFamily="49" charset="0"/>
+                <a:cs typeface="Courier New" pitchFamily="49" charset="0"/>
+              </a:rPr>
+            </a:br>
+            <a:r>
+              <a:rPr lang="en-US" altLang="ja-JP" dirty="0" smtClean="0">
+                <a:latin typeface="Courier New" pitchFamily="49" charset="0"/>
+                <a:cs typeface="Courier New" pitchFamily="49" charset="0"/>
+              </a:rPr>
+              <a:t>  '</a:t>
+            </a:r>
+            <a:r>
+              <a:rPr lang="ja-JP" altLang="en-US" dirty="0" smtClean="0">
+                <a:latin typeface="Courier New" pitchFamily="49" charset="0"/>
+                <a:cs typeface="Courier New" pitchFamily="49" charset="0"/>
+              </a:rPr>
+              <a:t>テンプレートファイル</a:t>
+            </a:r>
+            <a:r>
+              <a:rPr lang="en-US" altLang="ja-JP" dirty="0" smtClean="0">
+                <a:latin typeface="Courier New" pitchFamily="49" charset="0"/>
+                <a:cs typeface="Courier New" pitchFamily="49" charset="0"/>
+              </a:rPr>
+              <a:t>',</a:t>
+            </a:r>
+            <a:br>
+              <a:rPr lang="en-US" altLang="ja-JP" dirty="0" smtClean="0">
+                <a:latin typeface="Courier New" pitchFamily="49" charset="0"/>
+                <a:cs typeface="Courier New" pitchFamily="49" charset="0"/>
+              </a:rPr>
+            </a:br>
+            <a:r>
+              <a:rPr lang="en-US" altLang="ja-JP" dirty="0" smtClean="0">
+                <a:latin typeface="Courier New" pitchFamily="49" charset="0"/>
+                <a:cs typeface="Courier New" pitchFamily="49" charset="0"/>
+              </a:rPr>
+              <a:t>  </a:t>
+            </a:r>
+            <a:r>
+              <a:rPr lang="en-US" altLang="ja-JP" dirty="0" err="1" smtClean="0">
+                <a:latin typeface="Courier New" pitchFamily="49" charset="0"/>
+                <a:cs typeface="Courier New" pitchFamily="49" charset="0"/>
+              </a:rPr>
+              <a:t>arg</a:t>
+            </a:r>
+            <a:r>
+              <a:rPr lang="en-US" altLang="ja-JP" dirty="0" smtClean="0">
+                <a:latin typeface="Courier New" pitchFamily="49" charset="0"/>
+                <a:cs typeface="Courier New" pitchFamily="49" charset="0"/>
+              </a:rPr>
+              <a:t>=vale)</a:t>
+            </a:r>
+            <a:endParaRPr lang="en-US" altLang="ja-JP" dirty="0">
+              <a:latin typeface="Courier New" pitchFamily="49" charset="0"/>
+              <a:cs typeface="Courier New" pitchFamily="49" charset="0"/>
+            </a:endParaRPr>
+          </a:p>
+        </p:txBody>
+      </p:sp>
+      <p:sp>
+        <p:nvSpPr>
+          <p:cNvPr id="12" name="テキスト ボックス 11"/>
+          <p:cNvSpPr txBox="1"/>
+          <p:nvPr/>
+        </p:nvSpPr>
+        <p:spPr>
+          <a:xfrm>
+            <a:off x="4004320" y="4221088"/>
+            <a:ext cx="3446777" cy="430887"/>
+          </a:xfrm>
+          <a:prstGeom prst="rect">
+            <a:avLst/>
+          </a:prstGeom>
+          <a:noFill/>
+        </p:spPr>
+        <p:txBody>
+          <a:bodyPr wrap="none" rtlCol="0">
+            <a:spAutoFit/>
+          </a:bodyPr>
+          <a:lstStyle/>
+          <a:p>
+            <a:r>
+              <a:rPr kumimoji="1" lang="en-US" altLang="ja-JP" sz="2200" dirty="0" smtClean="0">
+                <a:latin typeface="Courier New" pitchFamily="49" charset="0"/>
+                <a:cs typeface="Courier New" pitchFamily="49" charset="0"/>
+              </a:rPr>
+              <a:t>Jinja2</a:t>
+            </a:r>
+            <a:r>
+              <a:rPr kumimoji="1" lang="ja-JP" altLang="en-US" sz="2200" dirty="0" smtClean="0">
+                <a:latin typeface="Courier New" pitchFamily="49" charset="0"/>
+                <a:cs typeface="Courier New" pitchFamily="49" charset="0"/>
+              </a:rPr>
+              <a:t>テンプレートを実行</a:t>
+            </a:r>
+            <a:endParaRPr kumimoji="1" lang="ja-JP" altLang="en-US" sz="2200" dirty="0"/>
+          </a:p>
+        </p:txBody>
+      </p:sp>
+      <p:sp>
+        <p:nvSpPr>
+          <p:cNvPr id="13" name="テキスト ボックス 12"/>
+          <p:cNvSpPr txBox="1"/>
+          <p:nvPr/>
+        </p:nvSpPr>
+        <p:spPr>
+          <a:xfrm>
+            <a:off x="611560" y="5291916"/>
+            <a:ext cx="3631122" cy="369332"/>
+          </a:xfrm>
+          <a:prstGeom prst="rect">
+            <a:avLst/>
+          </a:prstGeom>
+        </p:spPr>
+        <p:style>
+          <a:lnRef idx="1">
+            <a:schemeClr val="accent1"/>
+          </a:lnRef>
+          <a:fillRef idx="2">
+            <a:schemeClr val="accent1"/>
+          </a:fillRef>
+          <a:effectRef idx="1">
+            <a:schemeClr val="accent1"/>
+          </a:effectRef>
+          <a:fontRef idx="minor">
+            <a:schemeClr val="dk1"/>
+          </a:fontRef>
+        </p:style>
+        <p:txBody>
+          <a:bodyPr wrap="none" rtlCol="0">
+            <a:spAutoFit/>
+          </a:bodyPr>
+          <a:lstStyle/>
+          <a:p>
+            <a:r>
+              <a:rPr lang="en-US" altLang="ja-JP" dirty="0" err="1">
+                <a:latin typeface="Courier New" pitchFamily="49" charset="0"/>
+                <a:cs typeface="Courier New" pitchFamily="49" charset="0"/>
+              </a:rPr>
+              <a:t>app.secret_key</a:t>
+            </a:r>
+            <a:r>
+              <a:rPr lang="en-US" altLang="ja-JP" dirty="0">
+                <a:latin typeface="Courier New" pitchFamily="49" charset="0"/>
+                <a:cs typeface="Courier New" pitchFamily="49" charset="0"/>
+              </a:rPr>
+              <a:t> = "secret"</a:t>
+            </a:r>
+          </a:p>
+        </p:txBody>
+      </p:sp>
+      <p:sp>
+        <p:nvSpPr>
+          <p:cNvPr id="14" name="テキスト ボックス 13"/>
+          <p:cNvSpPr txBox="1"/>
+          <p:nvPr/>
+        </p:nvSpPr>
+        <p:spPr>
+          <a:xfrm>
+            <a:off x="4427984" y="5302369"/>
+            <a:ext cx="4719562" cy="430887"/>
+          </a:xfrm>
+          <a:prstGeom prst="rect">
+            <a:avLst/>
+          </a:prstGeom>
+          <a:noFill/>
+        </p:spPr>
+        <p:txBody>
+          <a:bodyPr wrap="none" rtlCol="0">
+            <a:spAutoFit/>
+          </a:bodyPr>
+          <a:lstStyle/>
+          <a:p>
+            <a:r>
+              <a:rPr kumimoji="1" lang="ja-JP" altLang="en-US" sz="2200" dirty="0" smtClean="0"/>
+              <a:t>セッションを利用するためのおまじない</a:t>
+            </a:r>
+            <a:endParaRPr kumimoji="1" lang="ja-JP" altLang="en-US" sz="2200" dirty="0"/>
           </a:p>
         </p:txBody>
       </p:sp>
     </p:spTree>
     <p:extLst>
       <p:ext uri="{BB962C8B-B14F-4D97-AF65-F5344CB8AC3E}">
-        <p14:creationId xmlns:p14="http://schemas.microsoft.com/office/powerpoint/2010/main" val="2131035604"/>
+        <p14:creationId xmlns:p14="http://schemas.microsoft.com/office/powerpoint/2010/main" val="1838766583"/>
       </p:ext>
     </p:extLst>
   </p:cSld>
@@ -9590,14 +10712,63 @@
           <a:lstStyle/>
           <a:p>
             <a:r>
-              <a:rPr lang="en-US" altLang="ja-JP" dirty="0" err="1"/>
-              <a:t>cProfile</a:t>
+              <a:rPr lang="en-US" altLang="ja-JP" dirty="0"/>
+              <a:t>Flask</a:t>
             </a:r>
             <a:r>
               <a:rPr lang="ja-JP" altLang="en-US" dirty="0"/>
-              <a:t>モジュール</a:t>
+              <a:t>による</a:t>
+            </a:r>
+            <a:r>
+              <a:rPr lang="en-US" altLang="ja-JP" dirty="0"/>
+              <a:t>Web</a:t>
+            </a:r>
+            <a:r>
+              <a:rPr lang="ja-JP" altLang="en-US" dirty="0"/>
+              <a:t>アプリケーション</a:t>
             </a:r>
             <a:endParaRPr kumimoji="1" lang="ja-JP" altLang="en-US" dirty="0"/>
+          </a:p>
+        </p:txBody>
+      </p:sp>
+      <p:sp>
+        <p:nvSpPr>
+          <p:cNvPr id="3" name="コンテンツ プレースホルダー 2"/>
+          <p:cNvSpPr>
+            <a:spLocks noGrp="1"/>
+          </p:cNvSpPr>
+          <p:nvPr>
+            <p:ph idx="1"/>
+          </p:nvPr>
+        </p:nvSpPr>
+        <p:spPr>
+          <a:xfrm>
+            <a:off x="457200" y="1600201"/>
+            <a:ext cx="8229600" cy="1252735"/>
+          </a:xfrm>
+        </p:spPr>
+        <p:txBody>
+          <a:bodyPr>
+            <a:normAutofit/>
+          </a:bodyPr>
+          <a:lstStyle/>
+          <a:p>
+            <a:pPr marL="0" indent="0">
+              <a:buNone/>
+            </a:pPr>
+            <a:r>
+              <a:rPr lang="en-US" altLang="ja-JP" dirty="0"/>
+              <a:t>6</a:t>
+            </a:r>
+            <a:r>
+              <a:rPr kumimoji="1" lang="en-US" altLang="ja-JP" dirty="0" smtClean="0"/>
+              <a:t>. jinja2</a:t>
+            </a:r>
+            <a:r>
+              <a:rPr kumimoji="1" lang="ja-JP" altLang="en-US" dirty="0" smtClean="0"/>
+              <a:t>テンプレート解説</a:t>
+            </a:r>
+            <a:endParaRPr kumimoji="1" lang="en-US" altLang="ja-JP" sz="2200" dirty="0"/>
           </a:p>
         </p:txBody>
       </p:sp>
@@ -9665,6 +10836,2921 @@
             <a:fld id="{19959EA1-192A-4245-8904-FFE1D97E5CEF}" type="slidenum">
               <a:rPr kumimoji="1" lang="ja-JP" altLang="en-US" smtClean="0"/>
               <a:t>22</a:t>
+            </a:fld>
+            <a:endParaRPr kumimoji="1" lang="ja-JP" altLang="en-US" dirty="0"/>
+          </a:p>
+        </p:txBody>
+      </p:sp>
+      <p:sp>
+        <p:nvSpPr>
+          <p:cNvPr id="7" name="テキスト ボックス 6"/>
+          <p:cNvSpPr txBox="1"/>
+          <p:nvPr/>
+        </p:nvSpPr>
+        <p:spPr>
+          <a:xfrm>
+            <a:off x="628215" y="2348880"/>
+            <a:ext cx="7544185" cy="646331"/>
+          </a:xfrm>
+          <a:prstGeom prst="rect">
+            <a:avLst/>
+          </a:prstGeom>
+        </p:spPr>
+        <p:style>
+          <a:lnRef idx="1">
+            <a:schemeClr val="accent1"/>
+          </a:lnRef>
+          <a:fillRef idx="2">
+            <a:schemeClr val="accent1"/>
+          </a:fillRef>
+          <a:effectRef idx="1">
+            <a:schemeClr val="accent1"/>
+          </a:effectRef>
+          <a:fontRef idx="minor">
+            <a:schemeClr val="dk1"/>
+          </a:fontRef>
+        </p:style>
+        <p:txBody>
+          <a:bodyPr wrap="square" rtlCol="0">
+            <a:spAutoFit/>
+          </a:bodyPr>
+          <a:lstStyle/>
+          <a:p>
+            <a:r>
+              <a:rPr lang="en-US" altLang="ja-JP" dirty="0">
+                <a:latin typeface="Courier New" pitchFamily="49" charset="0"/>
+                <a:cs typeface="Courier New" pitchFamily="49" charset="0"/>
+              </a:rPr>
+              <a:t>&lt;link </a:t>
+            </a:r>
+            <a:r>
+              <a:rPr lang="en-US" altLang="ja-JP" dirty="0" err="1" smtClean="0">
+                <a:latin typeface="Courier New" pitchFamily="49" charset="0"/>
+                <a:cs typeface="Courier New" pitchFamily="49" charset="0"/>
+              </a:rPr>
+              <a:t>rel</a:t>
+            </a:r>
+            <a:r>
+              <a:rPr lang="en-US" altLang="ja-JP" dirty="0" smtClean="0">
+                <a:latin typeface="Courier New" pitchFamily="49" charset="0"/>
+                <a:cs typeface="Courier New" pitchFamily="49" charset="0"/>
+              </a:rPr>
+              <a:t>=</a:t>
+            </a:r>
+            <a:r>
+              <a:rPr lang="en-US" altLang="ja-JP" dirty="0" err="1" smtClean="0">
+                <a:latin typeface="Courier New" pitchFamily="49" charset="0"/>
+                <a:cs typeface="Courier New" pitchFamily="49" charset="0"/>
+              </a:rPr>
+              <a:t>stylesheet</a:t>
+            </a:r>
+            <a:r>
+              <a:rPr lang="en-US" altLang="ja-JP" dirty="0" smtClean="0">
+                <a:latin typeface="Courier New" pitchFamily="49" charset="0"/>
+                <a:cs typeface="Courier New" pitchFamily="49" charset="0"/>
+              </a:rPr>
+              <a:t> type=text/</a:t>
+            </a:r>
+            <a:r>
+              <a:rPr lang="en-US" altLang="ja-JP" dirty="0" err="1" smtClean="0">
+                <a:latin typeface="Courier New" pitchFamily="49" charset="0"/>
+                <a:cs typeface="Courier New" pitchFamily="49" charset="0"/>
+              </a:rPr>
+              <a:t>css</a:t>
+            </a:r>
+            <a:r>
+              <a:rPr lang="en-US" altLang="ja-JP" dirty="0" smtClean="0">
+                <a:latin typeface="Courier New" pitchFamily="49" charset="0"/>
+                <a:cs typeface="Courier New" pitchFamily="49" charset="0"/>
+              </a:rPr>
+              <a:t> </a:t>
+            </a:r>
+            <a:br>
+              <a:rPr lang="en-US" altLang="ja-JP" dirty="0" smtClean="0">
+                <a:latin typeface="Courier New" pitchFamily="49" charset="0"/>
+                <a:cs typeface="Courier New" pitchFamily="49" charset="0"/>
+              </a:rPr>
+            </a:br>
+            <a:r>
+              <a:rPr lang="en-US" altLang="ja-JP" dirty="0" err="1" smtClean="0">
+                <a:latin typeface="Courier New" pitchFamily="49" charset="0"/>
+                <a:cs typeface="Courier New" pitchFamily="49" charset="0"/>
+              </a:rPr>
+              <a:t>href</a:t>
+            </a:r>
+            <a:r>
+              <a:rPr lang="en-US" altLang="ja-JP" dirty="0">
+                <a:latin typeface="Courier New" pitchFamily="49" charset="0"/>
+                <a:cs typeface="Courier New" pitchFamily="49" charset="0"/>
+              </a:rPr>
+              <a:t>="{{ </a:t>
+            </a:r>
+            <a:r>
+              <a:rPr lang="en-US" altLang="ja-JP" dirty="0" err="1">
+                <a:latin typeface="Courier New" pitchFamily="49" charset="0"/>
+                <a:cs typeface="Courier New" pitchFamily="49" charset="0"/>
+              </a:rPr>
+              <a:t>url_for</a:t>
+            </a:r>
+            <a:r>
+              <a:rPr lang="en-US" altLang="ja-JP" dirty="0">
+                <a:latin typeface="Courier New" pitchFamily="49" charset="0"/>
+                <a:cs typeface="Courier New" pitchFamily="49" charset="0"/>
+              </a:rPr>
+              <a:t>('static', filename='style.css') }}"&gt;</a:t>
+            </a:r>
+          </a:p>
+        </p:txBody>
+      </p:sp>
+      <p:sp>
+        <p:nvSpPr>
+          <p:cNvPr id="8" name="テキスト ボックス 7"/>
+          <p:cNvSpPr txBox="1"/>
+          <p:nvPr/>
+        </p:nvSpPr>
+        <p:spPr>
+          <a:xfrm>
+            <a:off x="628215" y="5230361"/>
+            <a:ext cx="7697941" cy="430887"/>
+          </a:xfrm>
+          <a:prstGeom prst="rect">
+            <a:avLst/>
+          </a:prstGeom>
+          <a:noFill/>
+        </p:spPr>
+        <p:txBody>
+          <a:bodyPr wrap="none" rtlCol="0">
+            <a:spAutoFit/>
+          </a:bodyPr>
+          <a:lstStyle/>
+          <a:p>
+            <a:r>
+              <a:rPr kumimoji="1" lang="en-US" altLang="ja-JP" sz="2200" b="1" dirty="0" smtClean="0">
+                <a:latin typeface="Courier New" pitchFamily="49" charset="0"/>
+                <a:cs typeface="Courier New" pitchFamily="49" charset="0"/>
+              </a:rPr>
+              <a:t>{% for x in xx %}</a:t>
+            </a:r>
+            <a:r>
+              <a:rPr kumimoji="1" lang="en-US" altLang="ja-JP" sz="2200" dirty="0" smtClean="0">
+                <a:latin typeface="Courier New" pitchFamily="49" charset="0"/>
+                <a:cs typeface="Courier New" pitchFamily="49" charset="0"/>
+              </a:rPr>
+              <a:t> ~</a:t>
+            </a:r>
+            <a:r>
+              <a:rPr lang="ja-JP" altLang="en-US" sz="2200" b="1" dirty="0" smtClean="0">
+                <a:latin typeface="Courier New" pitchFamily="49" charset="0"/>
+                <a:cs typeface="Courier New" pitchFamily="49" charset="0"/>
+              </a:rPr>
+              <a:t> </a:t>
+            </a:r>
+            <a:r>
+              <a:rPr lang="en-US" altLang="ja-JP" sz="2200" b="1" dirty="0" smtClean="0">
+                <a:latin typeface="Courier New" pitchFamily="49" charset="0"/>
+                <a:cs typeface="Courier New" pitchFamily="49" charset="0"/>
+              </a:rPr>
+              <a:t>{% </a:t>
+            </a:r>
+            <a:r>
+              <a:rPr lang="en-US" altLang="ja-JP" sz="2200" b="1" dirty="0" err="1" smtClean="0">
+                <a:latin typeface="Courier New" pitchFamily="49" charset="0"/>
+                <a:cs typeface="Courier New" pitchFamily="49" charset="0"/>
+              </a:rPr>
+              <a:t>endfor</a:t>
+            </a:r>
+            <a:r>
+              <a:rPr lang="en-US" altLang="ja-JP" sz="2200" b="1" dirty="0" smtClean="0">
+                <a:latin typeface="Courier New" pitchFamily="49" charset="0"/>
+                <a:cs typeface="Courier New" pitchFamily="49" charset="0"/>
+              </a:rPr>
+              <a:t> %} </a:t>
+            </a:r>
+            <a:r>
+              <a:rPr lang="ja-JP" altLang="en-US" sz="2200" dirty="0" smtClean="0">
+                <a:latin typeface="Courier New" pitchFamily="49" charset="0"/>
+                <a:cs typeface="Courier New" pitchFamily="49" charset="0"/>
+              </a:rPr>
+              <a:t>で </a:t>
+            </a:r>
+            <a:r>
+              <a:rPr lang="en-US" altLang="ja-JP" sz="2200" dirty="0" smtClean="0">
+                <a:latin typeface="Courier New" pitchFamily="49" charset="0"/>
+                <a:cs typeface="Courier New" pitchFamily="49" charset="0"/>
+              </a:rPr>
+              <a:t>for </a:t>
+            </a:r>
+            <a:r>
+              <a:rPr lang="ja-JP" altLang="en-US" sz="2200" dirty="0" smtClean="0">
+                <a:latin typeface="Courier New" pitchFamily="49" charset="0"/>
+                <a:cs typeface="Courier New" pitchFamily="49" charset="0"/>
+              </a:rPr>
+              <a:t>ループ</a:t>
+            </a:r>
+            <a:endParaRPr kumimoji="1" lang="en-US" altLang="ja-JP" sz="2200" dirty="0" smtClean="0">
+              <a:latin typeface="Courier New" pitchFamily="49" charset="0"/>
+              <a:cs typeface="Courier New" pitchFamily="49" charset="0"/>
+            </a:endParaRPr>
+          </a:p>
+        </p:txBody>
+      </p:sp>
+      <p:sp>
+        <p:nvSpPr>
+          <p:cNvPr id="11" name="テキスト ボックス 10"/>
+          <p:cNvSpPr txBox="1"/>
+          <p:nvPr/>
+        </p:nvSpPr>
+        <p:spPr>
+          <a:xfrm>
+            <a:off x="611560" y="4089846"/>
+            <a:ext cx="7128792" cy="923330"/>
+          </a:xfrm>
+          <a:prstGeom prst="rect">
+            <a:avLst/>
+          </a:prstGeom>
+        </p:spPr>
+        <p:style>
+          <a:lnRef idx="1">
+            <a:schemeClr val="accent1"/>
+          </a:lnRef>
+          <a:fillRef idx="2">
+            <a:schemeClr val="accent1"/>
+          </a:fillRef>
+          <a:effectRef idx="1">
+            <a:schemeClr val="accent1"/>
+          </a:effectRef>
+          <a:fontRef idx="minor">
+            <a:schemeClr val="dk1"/>
+          </a:fontRef>
+        </p:style>
+        <p:txBody>
+          <a:bodyPr wrap="square" rtlCol="0">
+            <a:spAutoFit/>
+          </a:bodyPr>
+          <a:lstStyle/>
+          <a:p>
+            <a:r>
+              <a:rPr lang="da-DK" altLang="ja-JP" dirty="0">
+                <a:latin typeface="Courier New" pitchFamily="49" charset="0"/>
+                <a:cs typeface="Courier New" pitchFamily="49" charset="0"/>
+              </a:rPr>
+              <a:t>{% for message in messages %}</a:t>
+            </a:r>
+          </a:p>
+          <a:p>
+            <a:r>
+              <a:rPr lang="da-DK" altLang="ja-JP" dirty="0">
+                <a:latin typeface="Courier New" pitchFamily="49" charset="0"/>
+                <a:cs typeface="Courier New" pitchFamily="49" charset="0"/>
+              </a:rPr>
+              <a:t>    &lt;div&gt;{{ message }}&lt;/div&gt;</a:t>
+            </a:r>
+          </a:p>
+          <a:p>
+            <a:r>
+              <a:rPr lang="da-DK" altLang="ja-JP" dirty="0">
+                <a:latin typeface="Courier New" pitchFamily="49" charset="0"/>
+                <a:cs typeface="Courier New" pitchFamily="49" charset="0"/>
+              </a:rPr>
+              <a:t>{% endfor %}</a:t>
+            </a:r>
+            <a:endParaRPr lang="da-DK" altLang="ja-JP" dirty="0" smtClean="0">
+              <a:latin typeface="Courier New" pitchFamily="49" charset="0"/>
+              <a:cs typeface="Courier New" pitchFamily="49" charset="0"/>
+            </a:endParaRPr>
+          </a:p>
+        </p:txBody>
+      </p:sp>
+      <p:sp>
+        <p:nvSpPr>
+          <p:cNvPr id="15" name="テキスト ボックス 14"/>
+          <p:cNvSpPr txBox="1"/>
+          <p:nvPr/>
+        </p:nvSpPr>
+        <p:spPr>
+          <a:xfrm>
+            <a:off x="683568" y="3199239"/>
+            <a:ext cx="6510115" cy="769441"/>
+          </a:xfrm>
+          <a:prstGeom prst="rect">
+            <a:avLst/>
+          </a:prstGeom>
+          <a:noFill/>
+        </p:spPr>
+        <p:txBody>
+          <a:bodyPr wrap="none" rtlCol="0">
+            <a:spAutoFit/>
+          </a:bodyPr>
+          <a:lstStyle/>
+          <a:p>
+            <a:pPr marL="342900" indent="-342900">
+              <a:buFont typeface="Wingdings" pitchFamily="2" charset="2"/>
+              <a:buChar char="l"/>
+            </a:pPr>
+            <a:r>
+              <a:rPr lang="en-US" altLang="ja-JP" sz="2200" b="1" dirty="0" smtClean="0">
+                <a:latin typeface="Courier New" pitchFamily="49" charset="0"/>
+                <a:cs typeface="Courier New" pitchFamily="49" charset="0"/>
+              </a:rPr>
+              <a:t>{{ </a:t>
+            </a:r>
+            <a:r>
+              <a:rPr lang="ja-JP" altLang="en-US" sz="2200" b="1" dirty="0" smtClean="0">
+                <a:latin typeface="Courier New" pitchFamily="49" charset="0"/>
+                <a:cs typeface="Courier New" pitchFamily="49" charset="0"/>
+              </a:rPr>
+              <a:t>式 </a:t>
+            </a:r>
+            <a:r>
+              <a:rPr lang="en-US" altLang="ja-JP" sz="2200" b="1" dirty="0" smtClean="0">
+                <a:latin typeface="Courier New" pitchFamily="49" charset="0"/>
+                <a:cs typeface="Courier New" pitchFamily="49" charset="0"/>
+              </a:rPr>
+              <a:t>}}</a:t>
+            </a:r>
+            <a:r>
+              <a:rPr lang="en-US" altLang="ja-JP" sz="2200" dirty="0" smtClean="0">
+                <a:latin typeface="Courier New" pitchFamily="49" charset="0"/>
+                <a:cs typeface="Courier New" pitchFamily="49" charset="0"/>
+              </a:rPr>
+              <a:t> </a:t>
+            </a:r>
+            <a:r>
+              <a:rPr lang="ja-JP" altLang="en-US" sz="2200" dirty="0" smtClean="0">
+                <a:latin typeface="Courier New" pitchFamily="49" charset="0"/>
+                <a:cs typeface="Courier New" pitchFamily="49" charset="0"/>
+              </a:rPr>
+              <a:t>で式を</a:t>
+            </a:r>
+            <a:r>
+              <a:rPr lang="en-US" altLang="ja-JP" sz="2200" dirty="0" smtClean="0">
+                <a:latin typeface="Courier New" pitchFamily="49" charset="0"/>
+                <a:cs typeface="Courier New" pitchFamily="49" charset="0"/>
+              </a:rPr>
+              <a:t>HTML</a:t>
+            </a:r>
+            <a:r>
+              <a:rPr lang="ja-JP" altLang="en-US" sz="2200" dirty="0" smtClean="0">
+                <a:latin typeface="Courier New" pitchFamily="49" charset="0"/>
+                <a:cs typeface="Courier New" pitchFamily="49" charset="0"/>
+              </a:rPr>
+              <a:t>に展開</a:t>
+            </a:r>
+            <a:endParaRPr lang="en-US" altLang="ja-JP" sz="2200" dirty="0" smtClean="0">
+              <a:latin typeface="Courier New" pitchFamily="49" charset="0"/>
+              <a:cs typeface="Courier New" pitchFamily="49" charset="0"/>
+            </a:endParaRPr>
+          </a:p>
+          <a:p>
+            <a:pPr marL="342900" indent="-342900">
+              <a:buFont typeface="Wingdings" pitchFamily="2" charset="2"/>
+              <a:buChar char="l"/>
+            </a:pPr>
+            <a:r>
+              <a:rPr kumimoji="1" lang="en-US" altLang="ja-JP" sz="2200" b="1" dirty="0" smtClean="0">
+                <a:latin typeface="Courier New" pitchFamily="49" charset="0"/>
+                <a:cs typeface="Courier New" pitchFamily="49" charset="0"/>
+              </a:rPr>
+              <a:t>{{ </a:t>
+            </a:r>
+            <a:r>
+              <a:rPr kumimoji="1" lang="en-US" altLang="ja-JP" sz="2200" b="1" dirty="0" err="1" smtClean="0">
+                <a:latin typeface="Courier New" pitchFamily="49" charset="0"/>
+                <a:cs typeface="Courier New" pitchFamily="49" charset="0"/>
+              </a:rPr>
+              <a:t>url_for</a:t>
+            </a:r>
+            <a:r>
+              <a:rPr kumimoji="1" lang="en-US" altLang="ja-JP" sz="2200" b="1" dirty="0" smtClean="0">
+                <a:latin typeface="Courier New" pitchFamily="49" charset="0"/>
+                <a:cs typeface="Courier New" pitchFamily="49" charset="0"/>
+              </a:rPr>
+              <a:t>(…) }}</a:t>
+            </a:r>
+            <a:r>
+              <a:rPr kumimoji="1" lang="en-US" altLang="ja-JP" sz="2200" dirty="0" smtClean="0">
+                <a:latin typeface="Courier New" pitchFamily="49" charset="0"/>
+                <a:cs typeface="Courier New" pitchFamily="49" charset="0"/>
+              </a:rPr>
+              <a:t> </a:t>
+            </a:r>
+            <a:r>
+              <a:rPr kumimoji="1" lang="ja-JP" altLang="en-US" sz="2200" dirty="0" smtClean="0">
+                <a:latin typeface="Courier New" pitchFamily="49" charset="0"/>
+                <a:cs typeface="Courier New" pitchFamily="49" charset="0"/>
+              </a:rPr>
+              <a:t>でファイルへの</a:t>
+            </a:r>
+            <a:r>
+              <a:rPr kumimoji="1" lang="en-US" altLang="ja-JP" sz="2200" dirty="0" smtClean="0">
+                <a:latin typeface="Courier New" pitchFamily="49" charset="0"/>
+                <a:cs typeface="Courier New" pitchFamily="49" charset="0"/>
+              </a:rPr>
+              <a:t>URL</a:t>
+            </a:r>
+            <a:r>
+              <a:rPr kumimoji="1" lang="ja-JP" altLang="en-US" sz="2200" dirty="0" smtClean="0">
+                <a:latin typeface="Courier New" pitchFamily="49" charset="0"/>
+                <a:cs typeface="Courier New" pitchFamily="49" charset="0"/>
+              </a:rPr>
+              <a:t>を取得</a:t>
+            </a:r>
+            <a:endParaRPr kumimoji="1" lang="ja-JP" altLang="en-US" sz="2200" b="1" dirty="0">
+              <a:latin typeface="Courier New" pitchFamily="49" charset="0"/>
+              <a:cs typeface="Courier New" pitchFamily="49" charset="0"/>
+            </a:endParaRPr>
+          </a:p>
+        </p:txBody>
+      </p:sp>
+    </p:spTree>
+    <p:extLst>
+      <p:ext uri="{BB962C8B-B14F-4D97-AF65-F5344CB8AC3E}">
+        <p14:creationId xmlns:p14="http://schemas.microsoft.com/office/powerpoint/2010/main" val="2133020811"/>
+      </p:ext>
+    </p:extLst>
+  </p:cSld>
+  <p:clrMapOvr>
+    <a:masterClrMapping/>
+  </p:clrMapOvr>
+  <p:timing>
+    <p:tnLst>
+      <p:par>
+        <p:cTn id="1" dur="indefinite" restart="never" nodeType="tmRoot"/>
+      </p:par>
+    </p:tnLst>
+  </p:timing>
+</p:sld>
+</file>
+
+<file path=ppt/slides/slide23.xml><?xml version="1.0" encoding="utf-8"?>
+<p:sld xmlns:a="http://schemas.openxmlformats.org/drawingml/2006/main" xmlns:r="http://schemas.openxmlformats.org/officeDocument/2006/relationships" xmlns:p="http://schemas.openxmlformats.org/presentationml/2006/main">
+  <p:cSld>
+    <p:spTree>
+      <p:nvGrpSpPr>
+        <p:cNvPr id="1" name=""/>
+        <p:cNvGrpSpPr/>
+        <p:nvPr/>
+      </p:nvGrpSpPr>
+      <p:grpSpPr>
+        <a:xfrm>
+          <a:off x="0" y="0"/>
+          <a:ext cx="0" cy="0"/>
+          <a:chOff x="0" y="0"/>
+          <a:chExt cx="0" cy="0"/>
+        </a:xfrm>
+      </p:grpSpPr>
+      <p:sp>
+        <p:nvSpPr>
+          <p:cNvPr id="2" name="タイトル 1"/>
+          <p:cNvSpPr>
+            <a:spLocks noGrp="1"/>
+          </p:cNvSpPr>
+          <p:nvPr>
+            <p:ph type="title"/>
+          </p:nvPr>
+        </p:nvSpPr>
+        <p:spPr/>
+        <p:txBody>
+          <a:bodyPr/>
+          <a:lstStyle/>
+          <a:p>
+            <a:r>
+              <a:rPr lang="en-US" altLang="ja-JP" dirty="0"/>
+              <a:t>Flask</a:t>
+            </a:r>
+            <a:r>
+              <a:rPr lang="ja-JP" altLang="en-US" dirty="0"/>
+              <a:t>による</a:t>
+            </a:r>
+            <a:r>
+              <a:rPr lang="en-US" altLang="ja-JP" dirty="0"/>
+              <a:t>Web</a:t>
+            </a:r>
+            <a:r>
+              <a:rPr lang="ja-JP" altLang="en-US" dirty="0"/>
+              <a:t>アプリケーション</a:t>
+            </a:r>
+            <a:endParaRPr kumimoji="1" lang="ja-JP" altLang="en-US" dirty="0"/>
+          </a:p>
+        </p:txBody>
+      </p:sp>
+      <p:sp>
+        <p:nvSpPr>
+          <p:cNvPr id="3" name="コンテンツ プレースホルダー 2"/>
+          <p:cNvSpPr>
+            <a:spLocks noGrp="1"/>
+          </p:cNvSpPr>
+          <p:nvPr>
+            <p:ph idx="1"/>
+          </p:nvPr>
+        </p:nvSpPr>
+        <p:spPr/>
+        <p:txBody>
+          <a:bodyPr>
+            <a:normAutofit/>
+          </a:bodyPr>
+          <a:lstStyle/>
+          <a:p>
+            <a:pPr marL="0" indent="0">
+              <a:buNone/>
+            </a:pPr>
+            <a:r>
+              <a:rPr lang="en-US" altLang="ja-JP" dirty="0"/>
+              <a:t>7</a:t>
+            </a:r>
+            <a:r>
+              <a:rPr kumimoji="1" lang="en-US" altLang="ja-JP" dirty="0" smtClean="0"/>
+              <a:t>.</a:t>
+            </a:r>
+            <a:r>
+              <a:rPr kumimoji="1" lang="ja-JP" altLang="en-US" dirty="0" smtClean="0"/>
+              <a:t> 自由演習 </a:t>
+            </a:r>
+            <a:r>
+              <a:rPr kumimoji="1" lang="en-US" altLang="ja-JP" dirty="0" smtClean="0"/>
+              <a:t/>
+            </a:r>
+            <a:br>
+              <a:rPr kumimoji="1" lang="en-US" altLang="ja-JP" dirty="0" smtClean="0"/>
+            </a:br>
+            <a:endParaRPr kumimoji="1" lang="en-US" altLang="ja-JP" sz="1000" dirty="0" smtClean="0"/>
+          </a:p>
+          <a:p>
+            <a:pPr marL="0" indent="0">
+              <a:buNone/>
+            </a:pPr>
+            <a:r>
+              <a:rPr kumimoji="1" lang="ja-JP" altLang="en-US" sz="2400" dirty="0" smtClean="0"/>
+              <a:t>時間があったらどうぞ</a:t>
+            </a:r>
+            <a:r>
+              <a:rPr kumimoji="1" lang="en-US" altLang="ja-JP" sz="2400" dirty="0" smtClean="0"/>
+              <a:t/>
+            </a:r>
+            <a:br>
+              <a:rPr kumimoji="1" lang="en-US" altLang="ja-JP" sz="2400" dirty="0" smtClean="0"/>
+            </a:br>
+            <a:endParaRPr kumimoji="1" lang="en-US" altLang="ja-JP" sz="1000" dirty="0" smtClean="0"/>
+          </a:p>
+          <a:p>
+            <a:pPr marL="514350" indent="-514350">
+              <a:buFont typeface="+mj-lt"/>
+              <a:buAutoNum type="alphaLcPeriod"/>
+            </a:pPr>
+            <a:r>
+              <a:rPr kumimoji="1" lang="ja-JP" altLang="en-US" dirty="0" smtClean="0">
+                <a:latin typeface="Courier New" pitchFamily="49" charset="0"/>
+                <a:cs typeface="Courier New" pitchFamily="49" charset="0"/>
+              </a:rPr>
+              <a:t>各ページに、現在時刻を表示してみよう</a:t>
+            </a:r>
+            <a:endParaRPr kumimoji="1" lang="en-US" altLang="ja-JP" dirty="0" smtClean="0">
+              <a:latin typeface="Courier New" pitchFamily="49" charset="0"/>
+              <a:cs typeface="Courier New" pitchFamily="49" charset="0"/>
+            </a:endParaRPr>
+          </a:p>
+          <a:p>
+            <a:pPr marL="514350" indent="-514350">
+              <a:buFont typeface="+mj-lt"/>
+              <a:buAutoNum type="alphaLcPeriod"/>
+            </a:pPr>
+            <a:r>
+              <a:rPr lang="ja-JP" altLang="en-US" dirty="0" smtClean="0">
+                <a:latin typeface="Courier New" pitchFamily="49" charset="0"/>
+                <a:cs typeface="Courier New" pitchFamily="49" charset="0"/>
+              </a:rPr>
+              <a:t>メッセージの長さチェック処理を入れてみよう</a:t>
+            </a:r>
+            <a:endParaRPr lang="en-US" altLang="ja-JP" dirty="0" smtClean="0">
+              <a:latin typeface="Courier New" pitchFamily="49" charset="0"/>
+              <a:cs typeface="Courier New" pitchFamily="49" charset="0"/>
+            </a:endParaRPr>
+          </a:p>
+          <a:p>
+            <a:pPr marL="514350" indent="-514350">
+              <a:buFont typeface="+mj-lt"/>
+              <a:buAutoNum type="alphaLcPeriod"/>
+            </a:pPr>
+            <a:r>
+              <a:rPr lang="ja-JP" altLang="en-US" dirty="0" smtClean="0">
+                <a:latin typeface="Courier New" pitchFamily="49" charset="0"/>
+                <a:cs typeface="Courier New" pitchFamily="49" charset="0"/>
+              </a:rPr>
+              <a:t>メッセージをデータベースに格納してみよう</a:t>
+            </a:r>
+            <a:endParaRPr lang="en-US" altLang="ja-JP" dirty="0" smtClean="0">
+              <a:latin typeface="Courier New" pitchFamily="49" charset="0"/>
+              <a:cs typeface="Courier New" pitchFamily="49" charset="0"/>
+            </a:endParaRPr>
+          </a:p>
+          <a:p>
+            <a:pPr marL="0" indent="0">
+              <a:buNone/>
+            </a:pPr>
+            <a:endParaRPr lang="en-US" altLang="ja-JP" sz="2200" dirty="0" smtClean="0">
+              <a:latin typeface="Courier New" pitchFamily="49" charset="0"/>
+              <a:cs typeface="Courier New" pitchFamily="49" charset="0"/>
+            </a:endParaRPr>
+          </a:p>
+          <a:p>
+            <a:pPr marL="0" indent="0">
+              <a:buNone/>
+            </a:pPr>
+            <a:endParaRPr kumimoji="1" lang="en-US" altLang="ja-JP" sz="2200" dirty="0"/>
+          </a:p>
+        </p:txBody>
+      </p:sp>
+      <p:sp>
+        <p:nvSpPr>
+          <p:cNvPr id="4" name="日付プレースホルダー 3"/>
+          <p:cNvSpPr>
+            <a:spLocks noGrp="1"/>
+          </p:cNvSpPr>
+          <p:nvPr>
+            <p:ph type="dt" sz="half" idx="10"/>
+          </p:nvPr>
+        </p:nvSpPr>
+        <p:spPr/>
+        <p:txBody>
+          <a:bodyPr/>
+          <a:lstStyle/>
+          <a:p>
+            <a:r>
+              <a:rPr kumimoji="1" lang="en-US" altLang="ja-JP" smtClean="0"/>
+              <a:t>2012/9/16</a:t>
+            </a:r>
+            <a:endParaRPr kumimoji="1" lang="ja-JP" altLang="en-US" dirty="0"/>
+          </a:p>
+        </p:txBody>
+      </p:sp>
+      <p:sp>
+        <p:nvSpPr>
+          <p:cNvPr id="5" name="フッター プレースホルダー 4"/>
+          <p:cNvSpPr>
+            <a:spLocks noGrp="1"/>
+          </p:cNvSpPr>
+          <p:nvPr>
+            <p:ph type="ftr" sz="quarter" idx="11"/>
+          </p:nvPr>
+        </p:nvSpPr>
+        <p:spPr/>
+        <p:txBody>
+          <a:bodyPr/>
+          <a:lstStyle/>
+          <a:p>
+            <a:r>
+              <a:rPr kumimoji="1" lang="en-US" altLang="ja-JP" smtClean="0"/>
+              <a:t>PyCon JP 2012 Hands on session</a:t>
+            </a:r>
+            <a:endParaRPr kumimoji="1" lang="ja-JP" altLang="en-US" dirty="0"/>
+          </a:p>
+        </p:txBody>
+      </p:sp>
+      <p:sp>
+        <p:nvSpPr>
+          <p:cNvPr id="6" name="スライド番号プレースホルダー 5"/>
+          <p:cNvSpPr>
+            <a:spLocks noGrp="1"/>
+          </p:cNvSpPr>
+          <p:nvPr>
+            <p:ph type="sldNum" sz="quarter" idx="12"/>
+          </p:nvPr>
+        </p:nvSpPr>
+        <p:spPr/>
+        <p:txBody>
+          <a:bodyPr/>
+          <a:lstStyle/>
+          <a:p>
+            <a:fld id="{19959EA1-192A-4245-8904-FFE1D97E5CEF}" type="slidenum">
+              <a:rPr kumimoji="1" lang="ja-JP" altLang="en-US" smtClean="0"/>
+              <a:t>23</a:t>
+            </a:fld>
+            <a:endParaRPr kumimoji="1" lang="ja-JP" altLang="en-US" dirty="0"/>
+          </a:p>
+        </p:txBody>
+      </p:sp>
+    </p:spTree>
+    <p:extLst>
+      <p:ext uri="{BB962C8B-B14F-4D97-AF65-F5344CB8AC3E}">
+        <p14:creationId xmlns:p14="http://schemas.microsoft.com/office/powerpoint/2010/main" val="656933874"/>
+      </p:ext>
+    </p:extLst>
+  </p:cSld>
+  <p:clrMapOvr>
+    <a:masterClrMapping/>
+  </p:clrMapOvr>
+  <p:timing>
+    <p:tnLst>
+      <p:par>
+        <p:cTn id="1" dur="indefinite" restart="never" nodeType="tmRoot"/>
+      </p:par>
+    </p:tnLst>
+  </p:timing>
+</p:sld>
+</file>
+
+<file path=ppt/slides/slide24.xml><?xml version="1.0" encoding="utf-8"?>
+<p:sld xmlns:a="http://schemas.openxmlformats.org/drawingml/2006/main" xmlns:r="http://schemas.openxmlformats.org/officeDocument/2006/relationships" xmlns:p="http://schemas.openxmlformats.org/presentationml/2006/main">
+  <p:cSld>
+    <p:spTree>
+      <p:nvGrpSpPr>
+        <p:cNvPr id="1" name=""/>
+        <p:cNvGrpSpPr/>
+        <p:nvPr/>
+      </p:nvGrpSpPr>
+      <p:grpSpPr>
+        <a:xfrm>
+          <a:off x="0" y="0"/>
+          <a:ext cx="0" cy="0"/>
+          <a:chOff x="0" y="0"/>
+          <a:chExt cx="0" cy="0"/>
+        </a:xfrm>
+      </p:grpSpPr>
+      <p:sp>
+        <p:nvSpPr>
+          <p:cNvPr id="2" name="タイトル 1"/>
+          <p:cNvSpPr>
+            <a:spLocks noGrp="1"/>
+          </p:cNvSpPr>
+          <p:nvPr>
+            <p:ph type="title"/>
+          </p:nvPr>
+        </p:nvSpPr>
+        <p:spPr/>
+        <p:txBody>
+          <a:bodyPr/>
+          <a:lstStyle/>
+          <a:p>
+            <a:r>
+              <a:rPr lang="en-US" altLang="ja-JP" dirty="0" err="1" smtClean="0"/>
+              <a:t>cProfile</a:t>
+            </a:r>
+            <a:r>
+              <a:rPr lang="ja-JP" altLang="en-US" dirty="0" smtClean="0"/>
+              <a:t>モジュール</a:t>
+            </a:r>
+            <a:endParaRPr kumimoji="1" lang="ja-JP" altLang="en-US" dirty="0"/>
+          </a:p>
+        </p:txBody>
+      </p:sp>
+      <p:sp>
+        <p:nvSpPr>
+          <p:cNvPr id="3" name="コンテンツ プレースホルダー 2"/>
+          <p:cNvSpPr>
+            <a:spLocks noGrp="1"/>
+          </p:cNvSpPr>
+          <p:nvPr>
+            <p:ph idx="1"/>
+          </p:nvPr>
+        </p:nvSpPr>
+        <p:spPr>
+          <a:xfrm>
+            <a:off x="457200" y="3184376"/>
+            <a:ext cx="8229600" cy="2620888"/>
+          </a:xfrm>
+        </p:spPr>
+        <p:txBody>
+          <a:bodyPr>
+            <a:normAutofit fontScale="92500" lnSpcReduction="10000"/>
+          </a:bodyPr>
+          <a:lstStyle/>
+          <a:p>
+            <a:endParaRPr lang="en-US" altLang="ja-JP" sz="500" dirty="0" smtClean="0">
+              <a:cs typeface="Courier New" pitchFamily="49" charset="0"/>
+            </a:endParaRPr>
+          </a:p>
+          <a:p>
+            <a:r>
+              <a:rPr lang="en-US" altLang="ja-JP" sz="3300" dirty="0" smtClean="0">
+                <a:cs typeface="Courier New" pitchFamily="49" charset="0"/>
+              </a:rPr>
+              <a:t>profile/</a:t>
+            </a:r>
+            <a:r>
+              <a:rPr lang="en-US" altLang="ja-JP" sz="3300" dirty="0" err="1" smtClean="0">
+                <a:cs typeface="Courier New" pitchFamily="49" charset="0"/>
+              </a:rPr>
+              <a:t>cProfile</a:t>
+            </a:r>
+            <a:r>
+              <a:rPr lang="ja-JP" altLang="en-US" sz="3300" dirty="0" smtClean="0">
+                <a:cs typeface="Courier New" pitchFamily="49" charset="0"/>
+              </a:rPr>
+              <a:t>は</a:t>
+            </a:r>
+            <a:r>
+              <a:rPr lang="en-US" altLang="ja-JP" sz="3300" dirty="0" smtClean="0">
+                <a:cs typeface="Courier New" pitchFamily="49" charset="0"/>
+              </a:rPr>
+              <a:t>Python</a:t>
+            </a:r>
+            <a:r>
+              <a:rPr lang="ja-JP" altLang="en-US" sz="3300" dirty="0" smtClean="0">
+                <a:cs typeface="Courier New" pitchFamily="49" charset="0"/>
+              </a:rPr>
+              <a:t>スクリプトの実行速度を測定するモジュールです</a:t>
+            </a:r>
+            <a:endParaRPr lang="en-US" altLang="ja-JP" sz="3300" dirty="0" smtClean="0">
+              <a:cs typeface="Courier New" pitchFamily="49" charset="0"/>
+            </a:endParaRPr>
+          </a:p>
+          <a:p>
+            <a:r>
+              <a:rPr lang="ja-JP" altLang="en-US" sz="3300" dirty="0" smtClean="0">
+                <a:cs typeface="Courier New" pitchFamily="49" charset="0"/>
+              </a:rPr>
+              <a:t>関数の呼び出し回数や処理時間を集計します</a:t>
+            </a:r>
+            <a:endParaRPr lang="en-US" altLang="ja-JP" sz="3300" dirty="0" smtClean="0">
+              <a:cs typeface="Courier New" pitchFamily="49" charset="0"/>
+            </a:endParaRPr>
+          </a:p>
+          <a:p>
+            <a:r>
+              <a:rPr lang="en-US" altLang="ja-JP" sz="3300" dirty="0" smtClean="0">
+                <a:cs typeface="Courier New" pitchFamily="49" charset="0"/>
+              </a:rPr>
+              <a:t>profile</a:t>
+            </a:r>
+            <a:r>
+              <a:rPr lang="ja-JP" altLang="en-US" sz="3300" dirty="0" smtClean="0">
+                <a:cs typeface="Courier New" pitchFamily="49" charset="0"/>
+              </a:rPr>
+              <a:t>と</a:t>
+            </a:r>
+            <a:r>
+              <a:rPr lang="en-US" altLang="ja-JP" sz="3300" dirty="0" err="1" smtClean="0">
+                <a:cs typeface="Courier New" pitchFamily="49" charset="0"/>
+              </a:rPr>
+              <a:t>cProfile</a:t>
+            </a:r>
+            <a:r>
+              <a:rPr lang="ja-JP" altLang="en-US" sz="3300" dirty="0" smtClean="0">
+                <a:cs typeface="Courier New" pitchFamily="49" charset="0"/>
+              </a:rPr>
+              <a:t>の機能はほぼ同じですが、</a:t>
+            </a:r>
+            <a:r>
+              <a:rPr lang="en-US" altLang="ja-JP" sz="3300" dirty="0" smtClean="0">
+                <a:cs typeface="Courier New" pitchFamily="49" charset="0"/>
+              </a:rPr>
+              <a:t>C</a:t>
+            </a:r>
+            <a:r>
+              <a:rPr lang="ja-JP" altLang="en-US" sz="3300" dirty="0" smtClean="0">
+                <a:cs typeface="Courier New" pitchFamily="49" charset="0"/>
+              </a:rPr>
+              <a:t>言語版の</a:t>
+            </a:r>
+            <a:r>
+              <a:rPr lang="en-US" altLang="ja-JP" sz="3300" dirty="0" err="1" smtClean="0">
+                <a:cs typeface="Courier New" pitchFamily="49" charset="0"/>
+              </a:rPr>
+              <a:t>cProfile</a:t>
+            </a:r>
+            <a:r>
+              <a:rPr lang="ja-JP" altLang="en-US" sz="3300" dirty="0" smtClean="0">
+                <a:cs typeface="Courier New" pitchFamily="49" charset="0"/>
+              </a:rPr>
+              <a:t>の方が高速です</a:t>
+            </a:r>
+            <a:endParaRPr lang="en-US" altLang="ja-JP" sz="3300" dirty="0" smtClean="0">
+              <a:cs typeface="Courier New" pitchFamily="49" charset="0"/>
+            </a:endParaRPr>
+          </a:p>
+          <a:p>
+            <a:pPr marL="0" indent="0">
+              <a:buNone/>
+            </a:pPr>
+            <a:endParaRPr lang="en-US" altLang="ja-JP" sz="2200" dirty="0" smtClean="0">
+              <a:latin typeface="Courier New" pitchFamily="49" charset="0"/>
+              <a:cs typeface="Courier New" pitchFamily="49" charset="0"/>
+            </a:endParaRPr>
+          </a:p>
+          <a:p>
+            <a:endParaRPr lang="en-US" altLang="ja-JP" dirty="0" smtClean="0">
+              <a:latin typeface="Courier New" pitchFamily="49" charset="0"/>
+              <a:cs typeface="Courier New" pitchFamily="49" charset="0"/>
+            </a:endParaRPr>
+          </a:p>
+          <a:p>
+            <a:endParaRPr lang="en-US" altLang="ja-JP" sz="2200" dirty="0" smtClean="0">
+              <a:latin typeface="Courier New" pitchFamily="49" charset="0"/>
+              <a:cs typeface="Courier New" pitchFamily="49" charset="0"/>
+            </a:endParaRPr>
+          </a:p>
+          <a:p>
+            <a:endParaRPr kumimoji="1" lang="ja-JP" altLang="en-US" sz="2300" dirty="0">
+              <a:latin typeface="Courier New" pitchFamily="49" charset="0"/>
+              <a:cs typeface="Courier New" pitchFamily="49" charset="0"/>
+            </a:endParaRPr>
+          </a:p>
+        </p:txBody>
+      </p:sp>
+      <p:sp>
+        <p:nvSpPr>
+          <p:cNvPr id="4" name="日付プレースホルダー 3"/>
+          <p:cNvSpPr>
+            <a:spLocks noGrp="1"/>
+          </p:cNvSpPr>
+          <p:nvPr>
+            <p:ph type="dt" sz="half" idx="10"/>
+          </p:nvPr>
+        </p:nvSpPr>
+        <p:spPr/>
+        <p:txBody>
+          <a:bodyPr/>
+          <a:lstStyle/>
+          <a:p>
+            <a:r>
+              <a:rPr kumimoji="1" lang="en-US" altLang="ja-JP" smtClean="0"/>
+              <a:t>2012/9/16</a:t>
+            </a:r>
+            <a:endParaRPr kumimoji="1" lang="ja-JP" altLang="en-US" dirty="0"/>
+          </a:p>
+        </p:txBody>
+      </p:sp>
+      <p:sp>
+        <p:nvSpPr>
+          <p:cNvPr id="5" name="フッター プレースホルダー 4"/>
+          <p:cNvSpPr>
+            <a:spLocks noGrp="1"/>
+          </p:cNvSpPr>
+          <p:nvPr>
+            <p:ph type="ftr" sz="quarter" idx="11"/>
+          </p:nvPr>
+        </p:nvSpPr>
+        <p:spPr/>
+        <p:txBody>
+          <a:bodyPr/>
+          <a:lstStyle/>
+          <a:p>
+            <a:r>
+              <a:rPr kumimoji="1" lang="en-US" altLang="ja-JP" smtClean="0"/>
+              <a:t>PyCon JP 2012 Hands on session</a:t>
+            </a:r>
+            <a:endParaRPr kumimoji="1" lang="ja-JP" altLang="en-US" dirty="0"/>
+          </a:p>
+        </p:txBody>
+      </p:sp>
+      <p:sp>
+        <p:nvSpPr>
+          <p:cNvPr id="6" name="スライド番号プレースホルダー 5"/>
+          <p:cNvSpPr>
+            <a:spLocks noGrp="1"/>
+          </p:cNvSpPr>
+          <p:nvPr>
+            <p:ph type="sldNum" sz="quarter" idx="12"/>
+          </p:nvPr>
+        </p:nvSpPr>
+        <p:spPr/>
+        <p:txBody>
+          <a:bodyPr/>
+          <a:lstStyle/>
+          <a:p>
+            <a:fld id="{19959EA1-192A-4245-8904-FFE1D97E5CEF}" type="slidenum">
+              <a:rPr kumimoji="1" lang="ja-JP" altLang="en-US" smtClean="0"/>
+              <a:t>24</a:t>
+            </a:fld>
+            <a:endParaRPr kumimoji="1" lang="ja-JP" altLang="en-US" dirty="0"/>
+          </a:p>
+        </p:txBody>
+      </p:sp>
+      <p:sp>
+        <p:nvSpPr>
+          <p:cNvPr id="9" name="テキスト ボックス 8"/>
+          <p:cNvSpPr txBox="1"/>
+          <p:nvPr/>
+        </p:nvSpPr>
+        <p:spPr>
+          <a:xfrm>
+            <a:off x="1331640" y="1744216"/>
+            <a:ext cx="6480720" cy="1107996"/>
+          </a:xfrm>
+          <a:prstGeom prst="rect">
+            <a:avLst/>
+          </a:prstGeom>
+        </p:spPr>
+        <p:style>
+          <a:lnRef idx="2">
+            <a:schemeClr val="accent2">
+              <a:shade val="50000"/>
+            </a:schemeClr>
+          </a:lnRef>
+          <a:fillRef idx="1">
+            <a:schemeClr val="accent2"/>
+          </a:fillRef>
+          <a:effectRef idx="0">
+            <a:schemeClr val="accent2"/>
+          </a:effectRef>
+          <a:fontRef idx="minor">
+            <a:schemeClr val="lt1"/>
+          </a:fontRef>
+        </p:style>
+        <p:txBody>
+          <a:bodyPr wrap="square" rtlCol="0">
+            <a:spAutoFit/>
+          </a:bodyPr>
+          <a:lstStyle/>
+          <a:p>
+            <a:r>
+              <a:rPr lang="en-US" altLang="ja-JP" sz="2200" dirty="0"/>
+              <a:t>(</a:t>
+            </a:r>
+            <a:r>
+              <a:rPr lang="ja-JP" altLang="en-US" sz="2200" dirty="0"/>
+              <a:t>注</a:t>
+            </a:r>
+            <a:r>
+              <a:rPr lang="en-US" altLang="ja-JP" sz="2200" dirty="0"/>
+              <a:t>) </a:t>
+            </a:r>
+            <a:r>
+              <a:rPr lang="en-US" altLang="ja-JP" sz="2200" dirty="0" err="1"/>
+              <a:t>Debian</a:t>
+            </a:r>
+            <a:r>
+              <a:rPr lang="en-US" altLang="ja-JP" sz="2200" dirty="0"/>
+              <a:t>/Ubuntu </a:t>
+            </a:r>
+            <a:r>
+              <a:rPr lang="ja-JP" altLang="en-US" sz="2200" dirty="0"/>
+              <a:t>では、</a:t>
+            </a:r>
+            <a:r>
+              <a:rPr lang="en-US" altLang="ja-JP" sz="2200" dirty="0"/>
+              <a:t/>
+            </a:r>
+            <a:br>
+              <a:rPr lang="en-US" altLang="ja-JP" sz="2200" dirty="0"/>
+            </a:br>
+            <a:r>
+              <a:rPr lang="en-US" altLang="ja-JP" sz="2200" dirty="0">
+                <a:latin typeface="Courier New" pitchFamily="49" charset="0"/>
+                <a:cs typeface="Courier New" pitchFamily="49" charset="0"/>
+              </a:rPr>
+              <a:t>$</a:t>
+            </a:r>
+            <a:r>
+              <a:rPr lang="en-US" altLang="ja-JP" sz="2200" dirty="0" err="1">
+                <a:latin typeface="Courier New" pitchFamily="49" charset="0"/>
+                <a:cs typeface="Courier New" pitchFamily="49" charset="0"/>
+              </a:rPr>
+              <a:t>sudo</a:t>
+            </a:r>
+            <a:r>
+              <a:rPr lang="en-US" altLang="ja-JP" sz="2200" dirty="0">
+                <a:latin typeface="Courier New" pitchFamily="49" charset="0"/>
+                <a:cs typeface="Courier New" pitchFamily="49" charset="0"/>
+              </a:rPr>
+              <a:t> apt-get install python-profiler</a:t>
+            </a:r>
+            <a:br>
+              <a:rPr lang="en-US" altLang="ja-JP" sz="2200" dirty="0">
+                <a:latin typeface="Courier New" pitchFamily="49" charset="0"/>
+                <a:cs typeface="Courier New" pitchFamily="49" charset="0"/>
+              </a:rPr>
+            </a:br>
+            <a:r>
+              <a:rPr lang="ja-JP" altLang="en-US" sz="2200" dirty="0">
+                <a:latin typeface="Courier New" pitchFamily="49" charset="0"/>
+                <a:cs typeface="Courier New" pitchFamily="49" charset="0"/>
+              </a:rPr>
+              <a:t>が</a:t>
+            </a:r>
+            <a:r>
+              <a:rPr lang="ja-JP" altLang="en-US" sz="2200" dirty="0" smtClean="0">
+                <a:latin typeface="Courier New" pitchFamily="49" charset="0"/>
+                <a:cs typeface="Courier New" pitchFamily="49" charset="0"/>
+              </a:rPr>
+              <a:t>必要な場合があります</a:t>
+            </a:r>
+            <a:endParaRPr lang="en-US" altLang="ja-JP" sz="2200" dirty="0">
+              <a:latin typeface="Courier New" pitchFamily="49" charset="0"/>
+              <a:cs typeface="Courier New" pitchFamily="49" charset="0"/>
+            </a:endParaRPr>
+          </a:p>
+        </p:txBody>
+      </p:sp>
+    </p:spTree>
+    <p:extLst>
+      <p:ext uri="{BB962C8B-B14F-4D97-AF65-F5344CB8AC3E}">
+        <p14:creationId xmlns:p14="http://schemas.microsoft.com/office/powerpoint/2010/main" val="1739528805"/>
+      </p:ext>
+    </p:extLst>
+  </p:cSld>
+  <p:clrMapOvr>
+    <a:masterClrMapping/>
+  </p:clrMapOvr>
+  <p:timing>
+    <p:tnLst>
+      <p:par>
+        <p:cTn id="1" dur="indefinite" restart="never" nodeType="tmRoot"/>
+      </p:par>
+    </p:tnLst>
+  </p:timing>
+</p:sld>
+</file>
+
+<file path=ppt/slides/slide25.xml><?xml version="1.0" encoding="utf-8"?>
+<p:sld xmlns:a="http://schemas.openxmlformats.org/drawingml/2006/main" xmlns:r="http://schemas.openxmlformats.org/officeDocument/2006/relationships" xmlns:p="http://schemas.openxmlformats.org/presentationml/2006/main">
+  <p:cSld>
+    <p:spTree>
+      <p:nvGrpSpPr>
+        <p:cNvPr id="1" name=""/>
+        <p:cNvGrpSpPr/>
+        <p:nvPr/>
+      </p:nvGrpSpPr>
+      <p:grpSpPr>
+        <a:xfrm>
+          <a:off x="0" y="0"/>
+          <a:ext cx="0" cy="0"/>
+          <a:chOff x="0" y="0"/>
+          <a:chExt cx="0" cy="0"/>
+        </a:xfrm>
+      </p:grpSpPr>
+      <p:sp>
+        <p:nvSpPr>
+          <p:cNvPr id="2" name="タイトル 1"/>
+          <p:cNvSpPr>
+            <a:spLocks noGrp="1"/>
+          </p:cNvSpPr>
+          <p:nvPr>
+            <p:ph type="title"/>
+          </p:nvPr>
+        </p:nvSpPr>
+        <p:spPr/>
+        <p:txBody>
+          <a:bodyPr/>
+          <a:lstStyle/>
+          <a:p>
+            <a:r>
+              <a:rPr lang="en-US" altLang="ja-JP" dirty="0" err="1"/>
+              <a:t>cProfile</a:t>
+            </a:r>
+            <a:r>
+              <a:rPr lang="ja-JP" altLang="en-US" dirty="0"/>
+              <a:t>モジュール</a:t>
+            </a:r>
+            <a:endParaRPr kumimoji="1" lang="ja-JP" altLang="en-US" dirty="0"/>
+          </a:p>
+        </p:txBody>
+      </p:sp>
+      <p:sp>
+        <p:nvSpPr>
+          <p:cNvPr id="3" name="コンテンツ プレースホルダー 2"/>
+          <p:cNvSpPr>
+            <a:spLocks noGrp="1"/>
+          </p:cNvSpPr>
+          <p:nvPr>
+            <p:ph idx="1"/>
+          </p:nvPr>
+        </p:nvSpPr>
+        <p:spPr>
+          <a:xfrm>
+            <a:off x="534383" y="1340768"/>
+            <a:ext cx="8229600" cy="721342"/>
+          </a:xfrm>
+        </p:spPr>
+        <p:txBody>
+          <a:bodyPr>
+            <a:normAutofit fontScale="77500" lnSpcReduction="20000"/>
+          </a:bodyPr>
+          <a:lstStyle/>
+          <a:p>
+            <a:r>
+              <a:rPr lang="en-US" altLang="ja-JP" dirty="0" err="1" smtClean="0">
+                <a:latin typeface="Courier New" pitchFamily="49" charset="0"/>
+                <a:cs typeface="Courier New" pitchFamily="49" charset="0"/>
+              </a:rPr>
+              <a:t>show_messages</a:t>
+            </a:r>
+            <a:r>
+              <a:rPr lang="en-US" altLang="ja-JP" dirty="0" smtClean="0">
+                <a:latin typeface="Courier New" pitchFamily="49" charset="0"/>
+                <a:cs typeface="Courier New" pitchFamily="49" charset="0"/>
+              </a:rPr>
+              <a:t>()</a:t>
+            </a:r>
+            <a:r>
+              <a:rPr lang="ja-JP" altLang="en-US" dirty="0" smtClean="0">
+                <a:latin typeface="Courier New" pitchFamily="49" charset="0"/>
+                <a:cs typeface="Courier New" pitchFamily="49" charset="0"/>
+              </a:rPr>
+              <a:t>関数を修正します</a:t>
+            </a:r>
+            <a:r>
+              <a:rPr lang="en-US" altLang="ja-JP" b="1" dirty="0">
+                <a:solidFill>
+                  <a:srgbClr val="FF0000"/>
+                </a:solidFill>
+                <a:latin typeface="Courier New" pitchFamily="49" charset="0"/>
+                <a:cs typeface="Courier New" pitchFamily="49" charset="0"/>
+              </a:rPr>
+              <a:t>(Python2.6</a:t>
+            </a:r>
+            <a:r>
+              <a:rPr lang="ja-JP" altLang="en-US" b="1" dirty="0">
+                <a:solidFill>
+                  <a:srgbClr val="FF0000"/>
+                </a:solidFill>
+                <a:latin typeface="Courier New" pitchFamily="49" charset="0"/>
+                <a:cs typeface="Courier New" pitchFamily="49" charset="0"/>
+              </a:rPr>
+              <a:t>用）</a:t>
+            </a:r>
+            <a:endParaRPr lang="en-US" altLang="ja-JP" dirty="0">
+              <a:latin typeface="Courier New" pitchFamily="49" charset="0"/>
+              <a:cs typeface="Courier New" pitchFamily="49" charset="0"/>
+            </a:endParaRPr>
+          </a:p>
+          <a:p>
+            <a:pPr marL="0" indent="0">
+              <a:buNone/>
+            </a:pPr>
+            <a:endParaRPr kumimoji="1" lang="ja-JP" altLang="en-US" dirty="0"/>
+          </a:p>
+        </p:txBody>
+      </p:sp>
+      <p:sp>
+        <p:nvSpPr>
+          <p:cNvPr id="4" name="日付プレースホルダー 3"/>
+          <p:cNvSpPr>
+            <a:spLocks noGrp="1"/>
+          </p:cNvSpPr>
+          <p:nvPr>
+            <p:ph type="dt" sz="half" idx="10"/>
+          </p:nvPr>
+        </p:nvSpPr>
+        <p:spPr/>
+        <p:txBody>
+          <a:bodyPr/>
+          <a:lstStyle/>
+          <a:p>
+            <a:r>
+              <a:rPr kumimoji="1" lang="en-US" altLang="ja-JP" smtClean="0"/>
+              <a:t>2012/9/16</a:t>
+            </a:r>
+            <a:endParaRPr kumimoji="1" lang="ja-JP" altLang="en-US" dirty="0"/>
+          </a:p>
+        </p:txBody>
+      </p:sp>
+      <p:sp>
+        <p:nvSpPr>
+          <p:cNvPr id="5" name="フッター プレースホルダー 4"/>
+          <p:cNvSpPr>
+            <a:spLocks noGrp="1"/>
+          </p:cNvSpPr>
+          <p:nvPr>
+            <p:ph type="ftr" sz="quarter" idx="11"/>
+          </p:nvPr>
+        </p:nvSpPr>
+        <p:spPr/>
+        <p:txBody>
+          <a:bodyPr/>
+          <a:lstStyle/>
+          <a:p>
+            <a:r>
+              <a:rPr kumimoji="1" lang="en-US" altLang="ja-JP" smtClean="0"/>
+              <a:t>PyCon JP 2012 Hands on session</a:t>
+            </a:r>
+            <a:endParaRPr kumimoji="1" lang="ja-JP" altLang="en-US" dirty="0"/>
+          </a:p>
+        </p:txBody>
+      </p:sp>
+      <p:sp>
+        <p:nvSpPr>
+          <p:cNvPr id="6" name="スライド番号プレースホルダー 5"/>
+          <p:cNvSpPr>
+            <a:spLocks noGrp="1"/>
+          </p:cNvSpPr>
+          <p:nvPr>
+            <p:ph type="sldNum" sz="quarter" idx="12"/>
+          </p:nvPr>
+        </p:nvSpPr>
+        <p:spPr/>
+        <p:txBody>
+          <a:bodyPr/>
+          <a:lstStyle/>
+          <a:p>
+            <a:fld id="{19959EA1-192A-4245-8904-FFE1D97E5CEF}" type="slidenum">
+              <a:rPr kumimoji="1" lang="ja-JP" altLang="en-US" smtClean="0"/>
+              <a:t>25</a:t>
+            </a:fld>
+            <a:endParaRPr kumimoji="1" lang="ja-JP" altLang="en-US" dirty="0"/>
+          </a:p>
+        </p:txBody>
+      </p:sp>
+      <p:sp>
+        <p:nvSpPr>
+          <p:cNvPr id="7" name="テキスト ボックス 6"/>
+          <p:cNvSpPr txBox="1"/>
+          <p:nvPr/>
+        </p:nvSpPr>
+        <p:spPr>
+          <a:xfrm>
+            <a:off x="827584" y="3585832"/>
+            <a:ext cx="7643199" cy="2800767"/>
+          </a:xfrm>
+          <a:prstGeom prst="rect">
+            <a:avLst/>
+          </a:prstGeom>
+        </p:spPr>
+        <p:style>
+          <a:lnRef idx="1">
+            <a:schemeClr val="accent1"/>
+          </a:lnRef>
+          <a:fillRef idx="2">
+            <a:schemeClr val="accent1"/>
+          </a:fillRef>
+          <a:effectRef idx="1">
+            <a:schemeClr val="accent1"/>
+          </a:effectRef>
+          <a:fontRef idx="minor">
+            <a:schemeClr val="dk1"/>
+          </a:fontRef>
+        </p:style>
+        <p:txBody>
+          <a:bodyPr wrap="square" rtlCol="0">
+            <a:spAutoFit/>
+          </a:bodyPr>
+          <a:lstStyle/>
+          <a:p>
+            <a:r>
+              <a:rPr lang="en-US" altLang="ja-JP" dirty="0"/>
+              <a:t>@</a:t>
+            </a:r>
+            <a:r>
+              <a:rPr lang="en-US" altLang="ja-JP" dirty="0" err="1"/>
+              <a:t>app.route</a:t>
+            </a:r>
+            <a:r>
+              <a:rPr lang="en-US" altLang="ja-JP" dirty="0"/>
+              <a:t>('/show')</a:t>
+            </a:r>
+          </a:p>
+          <a:p>
+            <a:r>
+              <a:rPr lang="en-US" altLang="ja-JP" dirty="0" err="1"/>
+              <a:t>def</a:t>
+            </a:r>
+            <a:r>
+              <a:rPr lang="en-US" altLang="ja-JP" dirty="0"/>
+              <a:t> </a:t>
+            </a:r>
+            <a:r>
+              <a:rPr lang="en-US" altLang="ja-JP" dirty="0" err="1"/>
+              <a:t>show_messages</a:t>
+            </a:r>
+            <a:r>
+              <a:rPr lang="en-US" altLang="ja-JP" dirty="0" smtClean="0"/>
+              <a:t>():</a:t>
+            </a:r>
+          </a:p>
+          <a:p>
+            <a:r>
+              <a:rPr lang="en-US" altLang="ja-JP" sz="2000" b="1" dirty="0" smtClean="0"/>
+              <a:t>    import </a:t>
+            </a:r>
+            <a:r>
+              <a:rPr lang="en-US" altLang="ja-JP" sz="2000" b="1" dirty="0" err="1"/>
+              <a:t>cProfile</a:t>
+            </a:r>
+            <a:endParaRPr lang="en-US" altLang="ja-JP" sz="2000" b="1" dirty="0"/>
+          </a:p>
+          <a:p>
+            <a:r>
+              <a:rPr lang="en-US" altLang="ja-JP" sz="2000" b="1" dirty="0"/>
+              <a:t>    </a:t>
+            </a:r>
+            <a:r>
+              <a:rPr lang="en-US" altLang="ja-JP" sz="2000" b="1" dirty="0" err="1"/>
+              <a:t>localvars</a:t>
+            </a:r>
+            <a:r>
+              <a:rPr lang="en-US" altLang="ja-JP" sz="2000" b="1" dirty="0"/>
+              <a:t> = </a:t>
+            </a:r>
+            <a:r>
+              <a:rPr lang="en-US" altLang="ja-JP" sz="2000" b="1" dirty="0"/>
+              <a:t>locals().copy</a:t>
+            </a:r>
+            <a:r>
+              <a:rPr lang="en-US" altLang="ja-JP" sz="2000" b="1" dirty="0" smtClean="0"/>
+              <a:t>()</a:t>
+            </a:r>
+            <a:endParaRPr lang="en-US" altLang="ja-JP" sz="2000" b="1" dirty="0"/>
+          </a:p>
+          <a:p>
+            <a:r>
+              <a:rPr lang="en-US" altLang="ja-JP" sz="2000" b="1" dirty="0"/>
+              <a:t>    </a:t>
+            </a:r>
+            <a:r>
+              <a:rPr lang="en-US" altLang="ja-JP" sz="2000" b="1" dirty="0" err="1"/>
+              <a:t>cProfile.runctx</a:t>
+            </a:r>
+            <a:r>
+              <a:rPr lang="en-US" altLang="ja-JP" sz="2000" b="1" dirty="0"/>
+              <a:t>("""ret = </a:t>
+            </a:r>
+            <a:r>
+              <a:rPr lang="en-US" altLang="ja-JP" sz="2000" b="1" dirty="0" err="1"/>
+              <a:t>render_template</a:t>
+            </a:r>
+            <a:r>
+              <a:rPr lang="en-US" altLang="ja-JP" sz="2000" b="1" dirty="0"/>
+              <a:t>('show_messages.html',</a:t>
+            </a:r>
+          </a:p>
+          <a:p>
+            <a:r>
+              <a:rPr lang="en-US" altLang="ja-JP" sz="2000" b="1" dirty="0"/>
+              <a:t>                           messages=reversed(session['messages']))""",</a:t>
+            </a:r>
+          </a:p>
+          <a:p>
+            <a:r>
+              <a:rPr lang="en-US" altLang="ja-JP" sz="2000" b="1" dirty="0"/>
+              <a:t>                           </a:t>
+            </a:r>
+            <a:r>
+              <a:rPr lang="en-US" altLang="ja-JP" sz="2000" b="1" dirty="0" err="1"/>
+              <a:t>globals</a:t>
+            </a:r>
+            <a:r>
+              <a:rPr lang="en-US" altLang="ja-JP" sz="2000" b="1" dirty="0"/>
+              <a:t>(), </a:t>
+            </a:r>
+            <a:r>
+              <a:rPr lang="en-US" altLang="ja-JP" sz="2000" b="1" dirty="0" err="1" smtClean="0"/>
+              <a:t>localvars</a:t>
+            </a:r>
+            <a:r>
+              <a:rPr lang="en-US" altLang="ja-JP" sz="2000" b="1" dirty="0" smtClean="0"/>
+              <a:t>) </a:t>
+            </a:r>
+            <a:endParaRPr lang="en-US" altLang="ja-JP" sz="2000" b="1" dirty="0"/>
+          </a:p>
+          <a:p>
+            <a:endParaRPr lang="en-US" altLang="ja-JP" sz="2000" b="1" dirty="0"/>
+          </a:p>
+          <a:p>
+            <a:r>
+              <a:rPr lang="en-US" altLang="ja-JP" sz="2000" b="1" dirty="0"/>
+              <a:t>    return </a:t>
+            </a:r>
+            <a:r>
+              <a:rPr lang="en-US" altLang="ja-JP" sz="2000" b="1" dirty="0" err="1"/>
+              <a:t>localvars</a:t>
+            </a:r>
+            <a:r>
+              <a:rPr lang="en-US" altLang="ja-JP" sz="2000" b="1" dirty="0"/>
+              <a:t>["ret"]</a:t>
+            </a:r>
+            <a:endParaRPr kumimoji="1" lang="ja-JP" altLang="en-US" sz="2000" b="1" dirty="0"/>
+          </a:p>
+        </p:txBody>
+      </p:sp>
+      <p:sp>
+        <p:nvSpPr>
+          <p:cNvPr id="8" name="テキスト ボックス 7"/>
+          <p:cNvSpPr txBox="1"/>
+          <p:nvPr/>
+        </p:nvSpPr>
+        <p:spPr>
+          <a:xfrm>
+            <a:off x="1331640" y="1988840"/>
+            <a:ext cx="4876784" cy="1077218"/>
+          </a:xfrm>
+          <a:prstGeom prst="rect">
+            <a:avLst/>
+          </a:prstGeom>
+        </p:spPr>
+        <p:style>
+          <a:lnRef idx="1">
+            <a:schemeClr val="accent1"/>
+          </a:lnRef>
+          <a:fillRef idx="2">
+            <a:schemeClr val="accent1"/>
+          </a:fillRef>
+          <a:effectRef idx="1">
+            <a:schemeClr val="accent1"/>
+          </a:effectRef>
+          <a:fontRef idx="minor">
+            <a:schemeClr val="dk1"/>
+          </a:fontRef>
+        </p:style>
+        <p:txBody>
+          <a:bodyPr wrap="none" rtlCol="0">
+            <a:spAutoFit/>
+          </a:bodyPr>
+          <a:lstStyle/>
+          <a:p>
+            <a:r>
+              <a:rPr lang="en-US" altLang="ja-JP" sz="1600" dirty="0"/>
+              <a:t>@</a:t>
+            </a:r>
+            <a:r>
+              <a:rPr lang="en-US" altLang="ja-JP" sz="1600" dirty="0" err="1"/>
+              <a:t>app.route</a:t>
+            </a:r>
+            <a:r>
+              <a:rPr lang="en-US" altLang="ja-JP" sz="1600" dirty="0"/>
+              <a:t>('/show')</a:t>
+            </a:r>
+          </a:p>
+          <a:p>
+            <a:r>
+              <a:rPr lang="en-US" altLang="ja-JP" sz="1600" dirty="0" err="1"/>
+              <a:t>def</a:t>
+            </a:r>
+            <a:r>
+              <a:rPr lang="en-US" altLang="ja-JP" sz="1600" dirty="0"/>
+              <a:t> </a:t>
+            </a:r>
+            <a:r>
+              <a:rPr lang="en-US" altLang="ja-JP" sz="1600" dirty="0" err="1"/>
+              <a:t>show_messages</a:t>
+            </a:r>
+            <a:r>
+              <a:rPr lang="en-US" altLang="ja-JP" sz="1600" dirty="0"/>
+              <a:t>():</a:t>
+            </a:r>
+          </a:p>
+          <a:p>
+            <a:r>
+              <a:rPr lang="ja-JP" altLang="en-US" sz="1600" dirty="0"/>
+              <a:t>    </a:t>
+            </a:r>
+            <a:r>
+              <a:rPr lang="en-US" altLang="ja-JP" sz="1600" dirty="0"/>
+              <a:t>return </a:t>
+            </a:r>
+            <a:r>
+              <a:rPr lang="en-US" altLang="ja-JP" sz="1600" dirty="0" err="1"/>
+              <a:t>render_template</a:t>
+            </a:r>
+            <a:r>
+              <a:rPr lang="en-US" altLang="ja-JP" sz="1600" dirty="0"/>
+              <a:t>('show_messages.html',</a:t>
+            </a:r>
+          </a:p>
+          <a:p>
+            <a:r>
+              <a:rPr lang="en-US" altLang="ja-JP" sz="1600" dirty="0"/>
+              <a:t>                           messages=reversed(session['messages</a:t>
+            </a:r>
+            <a:r>
+              <a:rPr lang="en-US" altLang="ja-JP" sz="1600" dirty="0" smtClean="0"/>
+              <a:t>']))</a:t>
+            </a:r>
+            <a:endParaRPr lang="en-US" altLang="ja-JP" sz="1600" dirty="0"/>
+          </a:p>
+        </p:txBody>
+      </p:sp>
+      <p:sp>
+        <p:nvSpPr>
+          <p:cNvPr id="9" name="下矢印 8"/>
+          <p:cNvSpPr/>
+          <p:nvPr/>
+        </p:nvSpPr>
+        <p:spPr>
+          <a:xfrm>
+            <a:off x="3491880" y="3111398"/>
+            <a:ext cx="484632" cy="416947"/>
+          </a:xfrm>
+          <a:prstGeom prst="downArrow">
+            <a:avLst/>
+          </a:prstGeom>
+        </p:spPr>
+        <p:style>
+          <a:lnRef idx="1">
+            <a:schemeClr val="accent1"/>
+          </a:lnRef>
+          <a:fillRef idx="2">
+            <a:schemeClr val="accent1"/>
+          </a:fillRef>
+          <a:effectRef idx="1">
+            <a:schemeClr val="accent1"/>
+          </a:effectRef>
+          <a:fontRef idx="minor">
+            <a:schemeClr val="dk1"/>
+          </a:fontRef>
+        </p:style>
+        <p:txBody>
+          <a:bodyPr rtlCol="0" anchor="ctr"/>
+          <a:lstStyle/>
+          <a:p>
+            <a:pPr algn="ctr"/>
+            <a:endParaRPr kumimoji="1" lang="ja-JP" altLang="en-US"/>
+          </a:p>
+        </p:txBody>
+      </p:sp>
+    </p:spTree>
+    <p:extLst>
+      <p:ext uri="{BB962C8B-B14F-4D97-AF65-F5344CB8AC3E}">
+        <p14:creationId xmlns:p14="http://schemas.microsoft.com/office/powerpoint/2010/main" val="2131035604"/>
+      </p:ext>
+    </p:extLst>
+  </p:cSld>
+  <p:clrMapOvr>
+    <a:masterClrMapping/>
+  </p:clrMapOvr>
+  <p:timing>
+    <p:tnLst>
+      <p:par>
+        <p:cTn id="1" dur="indefinite" restart="never" nodeType="tmRoot"/>
+      </p:par>
+    </p:tnLst>
+  </p:timing>
+</p:sld>
+</file>
+
+<file path=ppt/slides/slide26.xml><?xml version="1.0" encoding="utf-8"?>
+<p:sld xmlns:a="http://schemas.openxmlformats.org/drawingml/2006/main" xmlns:r="http://schemas.openxmlformats.org/officeDocument/2006/relationships" xmlns:p="http://schemas.openxmlformats.org/presentationml/2006/main">
+  <p:cSld>
+    <p:spTree>
+      <p:nvGrpSpPr>
+        <p:cNvPr id="1" name=""/>
+        <p:cNvGrpSpPr/>
+        <p:nvPr/>
+      </p:nvGrpSpPr>
+      <p:grpSpPr>
+        <a:xfrm>
+          <a:off x="0" y="0"/>
+          <a:ext cx="0" cy="0"/>
+          <a:chOff x="0" y="0"/>
+          <a:chExt cx="0" cy="0"/>
+        </a:xfrm>
+      </p:grpSpPr>
+      <p:sp>
+        <p:nvSpPr>
+          <p:cNvPr id="2" name="タイトル 1"/>
+          <p:cNvSpPr>
+            <a:spLocks noGrp="1"/>
+          </p:cNvSpPr>
+          <p:nvPr>
+            <p:ph type="title"/>
+          </p:nvPr>
+        </p:nvSpPr>
+        <p:spPr/>
+        <p:txBody>
+          <a:bodyPr/>
+          <a:lstStyle/>
+          <a:p>
+            <a:r>
+              <a:rPr lang="en-US" altLang="ja-JP" dirty="0" err="1"/>
+              <a:t>cProfile</a:t>
+            </a:r>
+            <a:r>
+              <a:rPr lang="ja-JP" altLang="en-US" dirty="0"/>
+              <a:t>モジュール</a:t>
+            </a:r>
+            <a:endParaRPr kumimoji="1" lang="ja-JP" altLang="en-US" dirty="0"/>
+          </a:p>
+        </p:txBody>
+      </p:sp>
+      <p:sp>
+        <p:nvSpPr>
+          <p:cNvPr id="3" name="コンテンツ プレースホルダー 2"/>
+          <p:cNvSpPr>
+            <a:spLocks noGrp="1"/>
+          </p:cNvSpPr>
+          <p:nvPr>
+            <p:ph idx="1"/>
+          </p:nvPr>
+        </p:nvSpPr>
+        <p:spPr>
+          <a:xfrm>
+            <a:off x="534383" y="1340768"/>
+            <a:ext cx="8229600" cy="721342"/>
+          </a:xfrm>
+        </p:spPr>
+        <p:txBody>
+          <a:bodyPr>
+            <a:normAutofit fontScale="77500" lnSpcReduction="20000"/>
+          </a:bodyPr>
+          <a:lstStyle/>
+          <a:p>
+            <a:r>
+              <a:rPr lang="en-US" altLang="ja-JP" dirty="0" err="1" smtClean="0">
+                <a:latin typeface="Courier New" pitchFamily="49" charset="0"/>
+                <a:cs typeface="Courier New" pitchFamily="49" charset="0"/>
+              </a:rPr>
+              <a:t>show_messages</a:t>
+            </a:r>
+            <a:r>
+              <a:rPr lang="en-US" altLang="ja-JP" dirty="0" smtClean="0">
+                <a:latin typeface="Courier New" pitchFamily="49" charset="0"/>
+                <a:cs typeface="Courier New" pitchFamily="49" charset="0"/>
+              </a:rPr>
+              <a:t>()</a:t>
+            </a:r>
+            <a:r>
+              <a:rPr lang="ja-JP" altLang="en-US" dirty="0" smtClean="0">
+                <a:latin typeface="Courier New" pitchFamily="49" charset="0"/>
+                <a:cs typeface="Courier New" pitchFamily="49" charset="0"/>
+              </a:rPr>
+              <a:t>関数を修正します</a:t>
+            </a:r>
+            <a:r>
+              <a:rPr lang="en-US" altLang="ja-JP" b="1" dirty="0">
+                <a:solidFill>
+                  <a:srgbClr val="FF0000"/>
+                </a:solidFill>
+                <a:latin typeface="Courier New" pitchFamily="49" charset="0"/>
+                <a:cs typeface="Courier New" pitchFamily="49" charset="0"/>
+              </a:rPr>
+              <a:t>(</a:t>
+            </a:r>
+            <a:r>
+              <a:rPr lang="en-US" altLang="ja-JP" b="1" dirty="0" smtClean="0">
+                <a:solidFill>
+                  <a:srgbClr val="FF0000"/>
+                </a:solidFill>
+                <a:latin typeface="Courier New" pitchFamily="49" charset="0"/>
+                <a:cs typeface="Courier New" pitchFamily="49" charset="0"/>
+              </a:rPr>
+              <a:t>Python2.7</a:t>
+            </a:r>
+            <a:r>
+              <a:rPr lang="ja-JP" altLang="en-US" b="1" dirty="0" smtClean="0">
+                <a:solidFill>
+                  <a:srgbClr val="FF0000"/>
+                </a:solidFill>
+                <a:latin typeface="Courier New" pitchFamily="49" charset="0"/>
+                <a:cs typeface="Courier New" pitchFamily="49" charset="0"/>
+              </a:rPr>
+              <a:t>用</a:t>
+            </a:r>
+            <a:r>
+              <a:rPr lang="ja-JP" altLang="en-US" b="1" dirty="0">
+                <a:solidFill>
+                  <a:srgbClr val="FF0000"/>
+                </a:solidFill>
+                <a:latin typeface="Courier New" pitchFamily="49" charset="0"/>
+                <a:cs typeface="Courier New" pitchFamily="49" charset="0"/>
+              </a:rPr>
+              <a:t>）</a:t>
+            </a:r>
+            <a:endParaRPr lang="en-US" altLang="ja-JP" dirty="0">
+              <a:latin typeface="Courier New" pitchFamily="49" charset="0"/>
+              <a:cs typeface="Courier New" pitchFamily="49" charset="0"/>
+            </a:endParaRPr>
+          </a:p>
+          <a:p>
+            <a:pPr marL="0" indent="0">
+              <a:buNone/>
+            </a:pPr>
+            <a:endParaRPr kumimoji="1" lang="ja-JP" altLang="en-US" dirty="0"/>
+          </a:p>
+        </p:txBody>
+      </p:sp>
+      <p:sp>
+        <p:nvSpPr>
+          <p:cNvPr id="4" name="日付プレースホルダー 3"/>
+          <p:cNvSpPr>
+            <a:spLocks noGrp="1"/>
+          </p:cNvSpPr>
+          <p:nvPr>
+            <p:ph type="dt" sz="half" idx="10"/>
+          </p:nvPr>
+        </p:nvSpPr>
+        <p:spPr/>
+        <p:txBody>
+          <a:bodyPr/>
+          <a:lstStyle/>
+          <a:p>
+            <a:r>
+              <a:rPr kumimoji="1" lang="en-US" altLang="ja-JP" smtClean="0"/>
+              <a:t>2012/9/16</a:t>
+            </a:r>
+            <a:endParaRPr kumimoji="1" lang="ja-JP" altLang="en-US" dirty="0"/>
+          </a:p>
+        </p:txBody>
+      </p:sp>
+      <p:sp>
+        <p:nvSpPr>
+          <p:cNvPr id="5" name="フッター プレースホルダー 4"/>
+          <p:cNvSpPr>
+            <a:spLocks noGrp="1"/>
+          </p:cNvSpPr>
+          <p:nvPr>
+            <p:ph type="ftr" sz="quarter" idx="11"/>
+          </p:nvPr>
+        </p:nvSpPr>
+        <p:spPr/>
+        <p:txBody>
+          <a:bodyPr/>
+          <a:lstStyle/>
+          <a:p>
+            <a:r>
+              <a:rPr kumimoji="1" lang="en-US" altLang="ja-JP" smtClean="0"/>
+              <a:t>PyCon JP 2012 Hands on session</a:t>
+            </a:r>
+            <a:endParaRPr kumimoji="1" lang="ja-JP" altLang="en-US" dirty="0"/>
+          </a:p>
+        </p:txBody>
+      </p:sp>
+      <p:sp>
+        <p:nvSpPr>
+          <p:cNvPr id="6" name="スライド番号プレースホルダー 5"/>
+          <p:cNvSpPr>
+            <a:spLocks noGrp="1"/>
+          </p:cNvSpPr>
+          <p:nvPr>
+            <p:ph type="sldNum" sz="quarter" idx="12"/>
+          </p:nvPr>
+        </p:nvSpPr>
+        <p:spPr/>
+        <p:txBody>
+          <a:bodyPr/>
+          <a:lstStyle/>
+          <a:p>
+            <a:fld id="{19959EA1-192A-4245-8904-FFE1D97E5CEF}" type="slidenum">
+              <a:rPr kumimoji="1" lang="ja-JP" altLang="en-US" smtClean="0"/>
+              <a:t>26</a:t>
+            </a:fld>
+            <a:endParaRPr kumimoji="1" lang="ja-JP" altLang="en-US" dirty="0"/>
+          </a:p>
+        </p:txBody>
+      </p:sp>
+      <p:sp>
+        <p:nvSpPr>
+          <p:cNvPr id="7" name="テキスト ボックス 6"/>
+          <p:cNvSpPr txBox="1"/>
+          <p:nvPr/>
+        </p:nvSpPr>
+        <p:spPr>
+          <a:xfrm>
+            <a:off x="827584" y="3585832"/>
+            <a:ext cx="7643199" cy="2800767"/>
+          </a:xfrm>
+          <a:prstGeom prst="rect">
+            <a:avLst/>
+          </a:prstGeom>
+        </p:spPr>
+        <p:style>
+          <a:lnRef idx="1">
+            <a:schemeClr val="accent1"/>
+          </a:lnRef>
+          <a:fillRef idx="2">
+            <a:schemeClr val="accent1"/>
+          </a:fillRef>
+          <a:effectRef idx="1">
+            <a:schemeClr val="accent1"/>
+          </a:effectRef>
+          <a:fontRef idx="minor">
+            <a:schemeClr val="dk1"/>
+          </a:fontRef>
+        </p:style>
+        <p:txBody>
+          <a:bodyPr wrap="square" rtlCol="0">
+            <a:spAutoFit/>
+          </a:bodyPr>
+          <a:lstStyle/>
+          <a:p>
+            <a:r>
+              <a:rPr lang="en-US" altLang="ja-JP" dirty="0"/>
+              <a:t>@</a:t>
+            </a:r>
+            <a:r>
+              <a:rPr lang="en-US" altLang="ja-JP" dirty="0" err="1"/>
+              <a:t>app.route</a:t>
+            </a:r>
+            <a:r>
+              <a:rPr lang="en-US" altLang="ja-JP" dirty="0"/>
+              <a:t>('/show')</a:t>
+            </a:r>
+          </a:p>
+          <a:p>
+            <a:r>
+              <a:rPr lang="en-US" altLang="ja-JP" dirty="0" err="1"/>
+              <a:t>def</a:t>
+            </a:r>
+            <a:r>
+              <a:rPr lang="en-US" altLang="ja-JP" dirty="0"/>
+              <a:t> </a:t>
+            </a:r>
+            <a:r>
+              <a:rPr lang="en-US" altLang="ja-JP" dirty="0" err="1"/>
+              <a:t>show_messages</a:t>
+            </a:r>
+            <a:r>
+              <a:rPr lang="en-US" altLang="ja-JP" dirty="0" smtClean="0"/>
+              <a:t>():</a:t>
+            </a:r>
+          </a:p>
+          <a:p>
+            <a:r>
+              <a:rPr lang="en-US" altLang="ja-JP" sz="2000" b="1" dirty="0" smtClean="0"/>
+              <a:t>    import </a:t>
+            </a:r>
+            <a:r>
+              <a:rPr lang="en-US" altLang="ja-JP" sz="2000" b="1" dirty="0" err="1"/>
+              <a:t>cProfile</a:t>
+            </a:r>
+            <a:endParaRPr lang="en-US" altLang="ja-JP" sz="2000" b="1" dirty="0"/>
+          </a:p>
+          <a:p>
+            <a:r>
+              <a:rPr lang="en-US" altLang="ja-JP" sz="2000" b="1" dirty="0"/>
+              <a:t>    </a:t>
+            </a:r>
+            <a:r>
+              <a:rPr lang="en-US" altLang="ja-JP" sz="2000" b="1" dirty="0" err="1"/>
+              <a:t>localvars</a:t>
+            </a:r>
+            <a:r>
+              <a:rPr lang="en-US" altLang="ja-JP" sz="2000" b="1" dirty="0"/>
+              <a:t> = </a:t>
+            </a:r>
+            <a:r>
+              <a:rPr lang="en-US" altLang="ja-JP" sz="2000" b="1" dirty="0" smtClean="0"/>
+              <a:t>locals().copy()</a:t>
+            </a:r>
+            <a:endParaRPr lang="en-US" altLang="ja-JP" sz="2000" b="1" dirty="0"/>
+          </a:p>
+          <a:p>
+            <a:r>
+              <a:rPr lang="en-US" altLang="ja-JP" sz="2000" b="1" dirty="0"/>
+              <a:t>    </a:t>
+            </a:r>
+            <a:r>
+              <a:rPr lang="en-US" altLang="ja-JP" sz="2000" b="1" dirty="0" err="1"/>
+              <a:t>cProfile.runctx</a:t>
+            </a:r>
+            <a:r>
+              <a:rPr lang="en-US" altLang="ja-JP" sz="2000" b="1" dirty="0"/>
+              <a:t>("""ret = </a:t>
+            </a:r>
+            <a:r>
+              <a:rPr lang="en-US" altLang="ja-JP" sz="2000" b="1" dirty="0" err="1"/>
+              <a:t>render_template</a:t>
+            </a:r>
+            <a:r>
+              <a:rPr lang="en-US" altLang="ja-JP" sz="2000" b="1" dirty="0"/>
+              <a:t>('show_messages.html',</a:t>
+            </a:r>
+          </a:p>
+          <a:p>
+            <a:r>
+              <a:rPr lang="en-US" altLang="ja-JP" sz="2000" b="1" dirty="0"/>
+              <a:t>                           messages=reversed(session['messages']))""",</a:t>
+            </a:r>
+          </a:p>
+          <a:p>
+            <a:r>
+              <a:rPr lang="en-US" altLang="ja-JP" sz="2000" b="1" dirty="0"/>
+              <a:t>                           </a:t>
+            </a:r>
+            <a:r>
+              <a:rPr lang="en-US" altLang="ja-JP" sz="2000" b="1" dirty="0" err="1"/>
+              <a:t>globals</a:t>
+            </a:r>
+            <a:r>
+              <a:rPr lang="en-US" altLang="ja-JP" sz="2000" b="1" dirty="0"/>
+              <a:t>(), </a:t>
+            </a:r>
+            <a:r>
+              <a:rPr lang="en-US" altLang="ja-JP" sz="2000" b="1" dirty="0" err="1" smtClean="0"/>
+              <a:t>localvars</a:t>
+            </a:r>
+            <a:r>
+              <a:rPr lang="en-US" altLang="ja-JP" sz="2000" b="1" dirty="0" smtClean="0">
+                <a:solidFill>
+                  <a:srgbClr val="FF0000"/>
+                </a:solidFill>
+              </a:rPr>
+              <a:t>, sort='cumulative'</a:t>
+            </a:r>
+            <a:r>
+              <a:rPr lang="en-US" altLang="ja-JP" sz="2000" b="1" dirty="0" smtClean="0"/>
+              <a:t>) </a:t>
+            </a:r>
+            <a:endParaRPr lang="en-US" altLang="ja-JP" sz="2000" b="1" dirty="0"/>
+          </a:p>
+          <a:p>
+            <a:endParaRPr lang="en-US" altLang="ja-JP" sz="2000" b="1" dirty="0"/>
+          </a:p>
+          <a:p>
+            <a:r>
+              <a:rPr lang="en-US" altLang="ja-JP" sz="2000" b="1" dirty="0"/>
+              <a:t>    return </a:t>
+            </a:r>
+            <a:r>
+              <a:rPr lang="en-US" altLang="ja-JP" sz="2000" b="1" dirty="0" err="1"/>
+              <a:t>localvars</a:t>
+            </a:r>
+            <a:r>
+              <a:rPr lang="en-US" altLang="ja-JP" sz="2000" b="1" dirty="0"/>
+              <a:t>["ret"]</a:t>
+            </a:r>
+            <a:endParaRPr kumimoji="1" lang="ja-JP" altLang="en-US" sz="2000" b="1" dirty="0"/>
+          </a:p>
+        </p:txBody>
+      </p:sp>
+      <p:sp>
+        <p:nvSpPr>
+          <p:cNvPr id="8" name="テキスト ボックス 7"/>
+          <p:cNvSpPr txBox="1"/>
+          <p:nvPr/>
+        </p:nvSpPr>
+        <p:spPr>
+          <a:xfrm>
+            <a:off x="1331640" y="1988840"/>
+            <a:ext cx="4876784" cy="1077218"/>
+          </a:xfrm>
+          <a:prstGeom prst="rect">
+            <a:avLst/>
+          </a:prstGeom>
+        </p:spPr>
+        <p:style>
+          <a:lnRef idx="1">
+            <a:schemeClr val="accent1"/>
+          </a:lnRef>
+          <a:fillRef idx="2">
+            <a:schemeClr val="accent1"/>
+          </a:fillRef>
+          <a:effectRef idx="1">
+            <a:schemeClr val="accent1"/>
+          </a:effectRef>
+          <a:fontRef idx="minor">
+            <a:schemeClr val="dk1"/>
+          </a:fontRef>
+        </p:style>
+        <p:txBody>
+          <a:bodyPr wrap="none" rtlCol="0">
+            <a:spAutoFit/>
+          </a:bodyPr>
+          <a:lstStyle/>
+          <a:p>
+            <a:r>
+              <a:rPr lang="en-US" altLang="ja-JP" sz="1600" dirty="0"/>
+              <a:t>@</a:t>
+            </a:r>
+            <a:r>
+              <a:rPr lang="en-US" altLang="ja-JP" sz="1600" dirty="0" err="1"/>
+              <a:t>app.route</a:t>
+            </a:r>
+            <a:r>
+              <a:rPr lang="en-US" altLang="ja-JP" sz="1600" dirty="0"/>
+              <a:t>('/show')</a:t>
+            </a:r>
+          </a:p>
+          <a:p>
+            <a:r>
+              <a:rPr lang="en-US" altLang="ja-JP" sz="1600" dirty="0" err="1"/>
+              <a:t>def</a:t>
+            </a:r>
+            <a:r>
+              <a:rPr lang="en-US" altLang="ja-JP" sz="1600" dirty="0"/>
+              <a:t> </a:t>
+            </a:r>
+            <a:r>
+              <a:rPr lang="en-US" altLang="ja-JP" sz="1600" dirty="0" err="1"/>
+              <a:t>show_messages</a:t>
+            </a:r>
+            <a:r>
+              <a:rPr lang="en-US" altLang="ja-JP" sz="1600" dirty="0"/>
+              <a:t>():</a:t>
+            </a:r>
+          </a:p>
+          <a:p>
+            <a:r>
+              <a:rPr lang="ja-JP" altLang="en-US" sz="1600" dirty="0"/>
+              <a:t>    </a:t>
+            </a:r>
+            <a:r>
+              <a:rPr lang="en-US" altLang="ja-JP" sz="1600" dirty="0"/>
+              <a:t>return </a:t>
+            </a:r>
+            <a:r>
+              <a:rPr lang="en-US" altLang="ja-JP" sz="1600" dirty="0" err="1"/>
+              <a:t>render_template</a:t>
+            </a:r>
+            <a:r>
+              <a:rPr lang="en-US" altLang="ja-JP" sz="1600" dirty="0"/>
+              <a:t>('show_messages.html',</a:t>
+            </a:r>
+          </a:p>
+          <a:p>
+            <a:r>
+              <a:rPr lang="en-US" altLang="ja-JP" sz="1600" dirty="0"/>
+              <a:t>                           messages=reversed(session['messages</a:t>
+            </a:r>
+            <a:r>
+              <a:rPr lang="en-US" altLang="ja-JP" sz="1600" dirty="0" smtClean="0"/>
+              <a:t>']))</a:t>
+            </a:r>
+            <a:endParaRPr lang="en-US" altLang="ja-JP" sz="1600" dirty="0"/>
+          </a:p>
+        </p:txBody>
+      </p:sp>
+      <p:sp>
+        <p:nvSpPr>
+          <p:cNvPr id="9" name="下矢印 8"/>
+          <p:cNvSpPr/>
+          <p:nvPr/>
+        </p:nvSpPr>
+        <p:spPr>
+          <a:xfrm>
+            <a:off x="3491880" y="3111398"/>
+            <a:ext cx="484632" cy="416947"/>
+          </a:xfrm>
+          <a:prstGeom prst="downArrow">
+            <a:avLst/>
+          </a:prstGeom>
+        </p:spPr>
+        <p:style>
+          <a:lnRef idx="1">
+            <a:schemeClr val="accent1"/>
+          </a:lnRef>
+          <a:fillRef idx="2">
+            <a:schemeClr val="accent1"/>
+          </a:fillRef>
+          <a:effectRef idx="1">
+            <a:schemeClr val="accent1"/>
+          </a:effectRef>
+          <a:fontRef idx="minor">
+            <a:schemeClr val="dk1"/>
+          </a:fontRef>
+        </p:style>
+        <p:txBody>
+          <a:bodyPr rtlCol="0" anchor="ctr"/>
+          <a:lstStyle/>
+          <a:p>
+            <a:pPr algn="ctr"/>
+            <a:endParaRPr kumimoji="1" lang="ja-JP" altLang="en-US"/>
+          </a:p>
+        </p:txBody>
+      </p:sp>
+    </p:spTree>
+    <p:extLst>
+      <p:ext uri="{BB962C8B-B14F-4D97-AF65-F5344CB8AC3E}">
+        <p14:creationId xmlns:p14="http://schemas.microsoft.com/office/powerpoint/2010/main" val="1910799028"/>
+      </p:ext>
+    </p:extLst>
+  </p:cSld>
+  <p:clrMapOvr>
+    <a:masterClrMapping/>
+  </p:clrMapOvr>
+  <p:timing>
+    <p:tnLst>
+      <p:par>
+        <p:cTn id="1" dur="indefinite" restart="never" nodeType="tmRoot"/>
+      </p:par>
+    </p:tnLst>
+  </p:timing>
+</p:sld>
+</file>
+
+<file path=ppt/slides/slide27.xml><?xml version="1.0" encoding="utf-8"?>
+<p:sld xmlns:a="http://schemas.openxmlformats.org/drawingml/2006/main" xmlns:r="http://schemas.openxmlformats.org/officeDocument/2006/relationships" xmlns:p="http://schemas.openxmlformats.org/presentationml/2006/main">
+  <p:cSld>
+    <p:spTree>
+      <p:nvGrpSpPr>
+        <p:cNvPr id="1" name=""/>
+        <p:cNvGrpSpPr/>
+        <p:nvPr/>
+      </p:nvGrpSpPr>
+      <p:grpSpPr>
+        <a:xfrm>
+          <a:off x="0" y="0"/>
+          <a:ext cx="0" cy="0"/>
+          <a:chOff x="0" y="0"/>
+          <a:chExt cx="0" cy="0"/>
+        </a:xfrm>
+      </p:grpSpPr>
+      <p:sp>
+        <p:nvSpPr>
+          <p:cNvPr id="2" name="タイトル 1"/>
+          <p:cNvSpPr>
+            <a:spLocks noGrp="1"/>
+          </p:cNvSpPr>
+          <p:nvPr>
+            <p:ph type="title"/>
+          </p:nvPr>
+        </p:nvSpPr>
+        <p:spPr/>
+        <p:txBody>
+          <a:bodyPr>
+            <a:noAutofit/>
+          </a:bodyPr>
+          <a:lstStyle/>
+          <a:p>
+            <a:r>
+              <a:rPr lang="ja-JP" altLang="en-US" sz="3200" dirty="0" smtClean="0"/>
+              <a:t>ローカル変数を参照するコードをプロファイル</a:t>
+            </a:r>
+            <a:endParaRPr kumimoji="1" lang="ja-JP" altLang="en-US" sz="3200" dirty="0"/>
+          </a:p>
+        </p:txBody>
+      </p:sp>
+      <p:sp>
+        <p:nvSpPr>
+          <p:cNvPr id="4" name="日付プレースホルダー 3"/>
+          <p:cNvSpPr>
+            <a:spLocks noGrp="1"/>
+          </p:cNvSpPr>
+          <p:nvPr>
+            <p:ph type="dt" sz="half" idx="10"/>
+          </p:nvPr>
+        </p:nvSpPr>
+        <p:spPr/>
+        <p:txBody>
+          <a:bodyPr/>
+          <a:lstStyle/>
+          <a:p>
+            <a:r>
+              <a:rPr kumimoji="1" lang="en-US" altLang="ja-JP" smtClean="0"/>
+              <a:t>2012/9/16</a:t>
+            </a:r>
+            <a:endParaRPr kumimoji="1" lang="ja-JP" altLang="en-US" dirty="0"/>
+          </a:p>
+        </p:txBody>
+      </p:sp>
+      <p:sp>
+        <p:nvSpPr>
+          <p:cNvPr id="5" name="フッター プレースホルダー 4"/>
+          <p:cNvSpPr>
+            <a:spLocks noGrp="1"/>
+          </p:cNvSpPr>
+          <p:nvPr>
+            <p:ph type="ftr" sz="quarter" idx="11"/>
+          </p:nvPr>
+        </p:nvSpPr>
+        <p:spPr/>
+        <p:txBody>
+          <a:bodyPr/>
+          <a:lstStyle/>
+          <a:p>
+            <a:r>
+              <a:rPr kumimoji="1" lang="en-US" altLang="ja-JP" smtClean="0"/>
+              <a:t>PyCon JP 2012 Hands on session</a:t>
+            </a:r>
+            <a:endParaRPr kumimoji="1" lang="ja-JP" altLang="en-US" dirty="0"/>
+          </a:p>
+        </p:txBody>
+      </p:sp>
+      <p:sp>
+        <p:nvSpPr>
+          <p:cNvPr id="6" name="スライド番号プレースホルダー 5"/>
+          <p:cNvSpPr>
+            <a:spLocks noGrp="1"/>
+          </p:cNvSpPr>
+          <p:nvPr>
+            <p:ph type="sldNum" sz="quarter" idx="12"/>
+          </p:nvPr>
+        </p:nvSpPr>
+        <p:spPr/>
+        <p:txBody>
+          <a:bodyPr/>
+          <a:lstStyle/>
+          <a:p>
+            <a:fld id="{19959EA1-192A-4245-8904-FFE1D97E5CEF}" type="slidenum">
+              <a:rPr kumimoji="1" lang="ja-JP" altLang="en-US" smtClean="0"/>
+              <a:t>27</a:t>
+            </a:fld>
+            <a:endParaRPr kumimoji="1" lang="ja-JP" altLang="en-US" dirty="0"/>
+          </a:p>
+        </p:txBody>
+      </p:sp>
+      <p:sp>
+        <p:nvSpPr>
+          <p:cNvPr id="8" name="テキスト ボックス 7"/>
+          <p:cNvSpPr txBox="1"/>
+          <p:nvPr/>
+        </p:nvSpPr>
+        <p:spPr>
+          <a:xfrm>
+            <a:off x="827584" y="1484784"/>
+            <a:ext cx="1944216" cy="1077218"/>
+          </a:xfrm>
+          <a:prstGeom prst="rect">
+            <a:avLst/>
+          </a:prstGeom>
+        </p:spPr>
+        <p:style>
+          <a:lnRef idx="1">
+            <a:schemeClr val="accent1"/>
+          </a:lnRef>
+          <a:fillRef idx="2">
+            <a:schemeClr val="accent1"/>
+          </a:fillRef>
+          <a:effectRef idx="1">
+            <a:schemeClr val="accent1"/>
+          </a:effectRef>
+          <a:fontRef idx="minor">
+            <a:schemeClr val="dk1"/>
+          </a:fontRef>
+        </p:style>
+        <p:txBody>
+          <a:bodyPr wrap="square" rtlCol="0">
+            <a:spAutoFit/>
+          </a:bodyPr>
+          <a:lstStyle/>
+          <a:p>
+            <a:r>
+              <a:rPr lang="en-US" altLang="ja-JP" sz="1600" dirty="0" err="1" smtClean="0"/>
+              <a:t>def</a:t>
+            </a:r>
+            <a:r>
+              <a:rPr lang="en-US" altLang="ja-JP" sz="1600" dirty="0" smtClean="0"/>
+              <a:t> spam():</a:t>
+            </a:r>
+          </a:p>
+          <a:p>
+            <a:r>
+              <a:rPr lang="en-US" altLang="ja-JP" sz="1600" dirty="0"/>
+              <a:t> </a:t>
+            </a:r>
+            <a:r>
+              <a:rPr lang="en-US" altLang="ja-JP" sz="1600" dirty="0" smtClean="0"/>
+              <a:t>   ham = 100</a:t>
+            </a:r>
+          </a:p>
+          <a:p>
+            <a:r>
+              <a:rPr lang="en-US" altLang="ja-JP" sz="1600" dirty="0"/>
+              <a:t> </a:t>
+            </a:r>
+            <a:r>
+              <a:rPr lang="en-US" altLang="ja-JP" sz="1600" dirty="0" smtClean="0"/>
+              <a:t>   value = egg(ham)</a:t>
+            </a:r>
+          </a:p>
+          <a:p>
+            <a:r>
+              <a:rPr lang="en-US" altLang="ja-JP" sz="1600" dirty="0" smtClean="0"/>
+              <a:t>    return value</a:t>
+            </a:r>
+          </a:p>
+        </p:txBody>
+      </p:sp>
+      <p:sp>
+        <p:nvSpPr>
+          <p:cNvPr id="10" name="下矢印 9"/>
+          <p:cNvSpPr/>
+          <p:nvPr/>
+        </p:nvSpPr>
+        <p:spPr>
+          <a:xfrm>
+            <a:off x="1567088" y="2636912"/>
+            <a:ext cx="484632" cy="416947"/>
+          </a:xfrm>
+          <a:prstGeom prst="downArrow">
+            <a:avLst/>
+          </a:prstGeom>
+        </p:spPr>
+        <p:style>
+          <a:lnRef idx="1">
+            <a:schemeClr val="accent1"/>
+          </a:lnRef>
+          <a:fillRef idx="2">
+            <a:schemeClr val="accent1"/>
+          </a:fillRef>
+          <a:effectRef idx="1">
+            <a:schemeClr val="accent1"/>
+          </a:effectRef>
+          <a:fontRef idx="minor">
+            <a:schemeClr val="dk1"/>
+          </a:fontRef>
+        </p:style>
+        <p:txBody>
+          <a:bodyPr rtlCol="0" anchor="ctr"/>
+          <a:lstStyle/>
+          <a:p>
+            <a:pPr algn="ctr"/>
+            <a:endParaRPr kumimoji="1" lang="ja-JP" altLang="en-US"/>
+          </a:p>
+        </p:txBody>
+      </p:sp>
+      <p:sp>
+        <p:nvSpPr>
+          <p:cNvPr id="12" name="テキスト ボックス 11"/>
+          <p:cNvSpPr txBox="1"/>
+          <p:nvPr/>
+        </p:nvSpPr>
+        <p:spPr>
+          <a:xfrm>
+            <a:off x="827584" y="3143888"/>
+            <a:ext cx="2808312" cy="1815882"/>
+          </a:xfrm>
+          <a:prstGeom prst="rect">
+            <a:avLst/>
+          </a:prstGeom>
+        </p:spPr>
+        <p:style>
+          <a:lnRef idx="1">
+            <a:schemeClr val="accent1"/>
+          </a:lnRef>
+          <a:fillRef idx="2">
+            <a:schemeClr val="accent1"/>
+          </a:fillRef>
+          <a:effectRef idx="1">
+            <a:schemeClr val="accent1"/>
+          </a:effectRef>
+          <a:fontRef idx="minor">
+            <a:schemeClr val="dk1"/>
+          </a:fontRef>
+        </p:style>
+        <p:txBody>
+          <a:bodyPr wrap="square" rtlCol="0">
+            <a:spAutoFit/>
+          </a:bodyPr>
+          <a:lstStyle/>
+          <a:p>
+            <a:r>
+              <a:rPr lang="en-US" altLang="ja-JP" sz="1600" dirty="0" err="1" smtClean="0"/>
+              <a:t>def</a:t>
+            </a:r>
+            <a:r>
+              <a:rPr lang="en-US" altLang="ja-JP" sz="1600" dirty="0" smtClean="0"/>
+              <a:t> spam():</a:t>
+            </a:r>
+          </a:p>
+          <a:p>
+            <a:r>
+              <a:rPr lang="en-US" altLang="ja-JP" sz="1600" dirty="0"/>
+              <a:t> </a:t>
+            </a:r>
+            <a:r>
+              <a:rPr lang="en-US" altLang="ja-JP" sz="1600" dirty="0" smtClean="0"/>
+              <a:t>   ham = 100</a:t>
+            </a:r>
+          </a:p>
+          <a:p>
+            <a:r>
+              <a:rPr lang="en-US" altLang="ja-JP" sz="1600" dirty="0"/>
+              <a:t> </a:t>
+            </a:r>
+            <a:r>
+              <a:rPr lang="en-US" altLang="ja-JP" sz="1600" dirty="0" smtClean="0"/>
+              <a:t>   </a:t>
+            </a:r>
+            <a:r>
+              <a:rPr lang="en-US" altLang="ja-JP" sz="1600" dirty="0" err="1" smtClean="0"/>
+              <a:t>localvars</a:t>
+            </a:r>
+            <a:r>
+              <a:rPr lang="en-US" altLang="ja-JP" sz="1600" dirty="0" smtClean="0"/>
+              <a:t> = locals()</a:t>
+            </a:r>
+            <a:r>
+              <a:rPr lang="en-US" altLang="ja-JP" sz="1600" b="1" dirty="0" smtClean="0">
+                <a:solidFill>
+                  <a:srgbClr val="FF0000"/>
+                </a:solidFill>
+              </a:rPr>
+              <a:t>.copy()</a:t>
+            </a:r>
+          </a:p>
+          <a:p>
+            <a:r>
+              <a:rPr lang="en-US" altLang="ja-JP" sz="1600" dirty="0"/>
+              <a:t> </a:t>
+            </a:r>
+            <a:r>
+              <a:rPr lang="en-US" altLang="ja-JP" sz="1600" dirty="0" smtClean="0"/>
+              <a:t>   </a:t>
+            </a:r>
+            <a:r>
+              <a:rPr lang="en-US" altLang="ja-JP" sz="1600" dirty="0" err="1" smtClean="0"/>
+              <a:t>cProfile.runctx</a:t>
+            </a:r>
+            <a:r>
+              <a:rPr lang="en-US" altLang="ja-JP" sz="1600" dirty="0" smtClean="0"/>
+              <a:t>(</a:t>
+            </a:r>
+          </a:p>
+          <a:p>
+            <a:r>
+              <a:rPr lang="en-US" altLang="ja-JP" sz="1600" dirty="0"/>
+              <a:t> </a:t>
+            </a:r>
+            <a:r>
+              <a:rPr lang="en-US" altLang="ja-JP" sz="1600" dirty="0" smtClean="0"/>
+              <a:t>       “value = egg(ham)”, </a:t>
+            </a:r>
+          </a:p>
+          <a:p>
+            <a:r>
+              <a:rPr lang="en-US" altLang="ja-JP" sz="1600" dirty="0"/>
+              <a:t> </a:t>
+            </a:r>
+            <a:r>
+              <a:rPr lang="en-US" altLang="ja-JP" sz="1600" dirty="0" smtClean="0"/>
+              <a:t>       </a:t>
+            </a:r>
+            <a:r>
+              <a:rPr lang="en-US" altLang="ja-JP" sz="1600" dirty="0" err="1" smtClean="0"/>
+              <a:t>globals</a:t>
+            </a:r>
+            <a:r>
+              <a:rPr lang="en-US" altLang="ja-JP" sz="1600" dirty="0" smtClean="0"/>
+              <a:t>(), </a:t>
+            </a:r>
+            <a:r>
+              <a:rPr lang="en-US" altLang="ja-JP" sz="1600" dirty="0" err="1" smtClean="0"/>
+              <a:t>localvars</a:t>
+            </a:r>
+            <a:r>
+              <a:rPr lang="en-US" altLang="ja-JP" sz="1600" dirty="0" smtClean="0"/>
+              <a:t>)</a:t>
+            </a:r>
+          </a:p>
+          <a:p>
+            <a:r>
+              <a:rPr lang="en-US" altLang="ja-JP" sz="1600" dirty="0"/>
+              <a:t> </a:t>
+            </a:r>
+            <a:r>
+              <a:rPr lang="en-US" altLang="ja-JP" sz="1600" dirty="0" smtClean="0"/>
+              <a:t>   return </a:t>
+            </a:r>
+            <a:r>
+              <a:rPr lang="en-US" altLang="ja-JP" sz="1600" b="1" dirty="0" err="1" smtClean="0"/>
+              <a:t>localvars</a:t>
+            </a:r>
+            <a:r>
+              <a:rPr lang="en-US" altLang="ja-JP" sz="1600" b="1" dirty="0" smtClean="0"/>
+              <a:t>[‘value’]</a:t>
+            </a:r>
+          </a:p>
+        </p:txBody>
+      </p:sp>
+      <p:sp>
+        <p:nvSpPr>
+          <p:cNvPr id="13" name="テキスト ボックス 12"/>
+          <p:cNvSpPr txBox="1"/>
+          <p:nvPr/>
+        </p:nvSpPr>
+        <p:spPr>
+          <a:xfrm>
+            <a:off x="3851920" y="3143888"/>
+            <a:ext cx="4748416" cy="830997"/>
+          </a:xfrm>
+          <a:prstGeom prst="rect">
+            <a:avLst/>
+          </a:prstGeom>
+        </p:spPr>
+        <p:style>
+          <a:lnRef idx="2">
+            <a:schemeClr val="accent6"/>
+          </a:lnRef>
+          <a:fillRef idx="1">
+            <a:schemeClr val="lt1"/>
+          </a:fillRef>
+          <a:effectRef idx="0">
+            <a:schemeClr val="accent6"/>
+          </a:effectRef>
+          <a:fontRef idx="minor">
+            <a:schemeClr val="dk1"/>
+          </a:fontRef>
+        </p:style>
+        <p:txBody>
+          <a:bodyPr wrap="none" rtlCol="0">
+            <a:spAutoFit/>
+          </a:bodyPr>
+          <a:lstStyle/>
+          <a:p>
+            <a:r>
+              <a:rPr kumimoji="1" lang="en-US" altLang="ja-JP" sz="2400" b="1" dirty="0" err="1" smtClean="0">
+                <a:latin typeface="Courier New" pitchFamily="49" charset="0"/>
+                <a:cs typeface="Courier New" pitchFamily="49" charset="0"/>
+              </a:rPr>
+              <a:t>cProfile.runctx</a:t>
+            </a:r>
+            <a:r>
+              <a:rPr kumimoji="1" lang="en-US" altLang="ja-JP" sz="2400" b="1" dirty="0" smtClean="0">
+                <a:latin typeface="Courier New" pitchFamily="49" charset="0"/>
+                <a:cs typeface="Courier New" pitchFamily="49" charset="0"/>
+              </a:rPr>
+              <a:t>()</a:t>
+            </a:r>
+            <a:r>
+              <a:rPr kumimoji="1" lang="ja-JP" altLang="en-US" sz="2400" b="1" dirty="0" smtClean="0"/>
+              <a:t>には、</a:t>
+            </a:r>
+            <a:r>
+              <a:rPr kumimoji="1" lang="en-US" altLang="ja-JP" sz="2400" b="1" dirty="0" smtClean="0"/>
+              <a:t/>
+            </a:r>
+            <a:br>
+              <a:rPr kumimoji="1" lang="en-US" altLang="ja-JP" sz="2400" b="1" dirty="0" smtClean="0"/>
+            </a:br>
+            <a:r>
+              <a:rPr kumimoji="1" lang="ja-JP" altLang="en-US" sz="2400" b="1" dirty="0" smtClean="0"/>
+              <a:t>ローカル変数辞書を</a:t>
+            </a:r>
+            <a:r>
+              <a:rPr kumimoji="1" lang="ja-JP" altLang="en-US" sz="2400" b="1" dirty="0" smtClean="0">
+                <a:solidFill>
+                  <a:srgbClr val="FF0000"/>
+                </a:solidFill>
+              </a:rPr>
+              <a:t>コピーして</a:t>
+            </a:r>
+            <a:r>
+              <a:rPr kumimoji="1" lang="ja-JP" altLang="en-US" sz="2400" b="1" dirty="0" smtClean="0"/>
+              <a:t>渡す</a:t>
+            </a:r>
+            <a:endParaRPr kumimoji="1" lang="ja-JP" altLang="en-US" sz="2400" b="1" dirty="0"/>
+          </a:p>
+        </p:txBody>
+      </p:sp>
+      <p:sp>
+        <p:nvSpPr>
+          <p:cNvPr id="14" name="テキスト ボックス 13"/>
+          <p:cNvSpPr txBox="1"/>
+          <p:nvPr/>
+        </p:nvSpPr>
+        <p:spPr>
+          <a:xfrm>
+            <a:off x="3824621" y="4830251"/>
+            <a:ext cx="4708340" cy="830997"/>
+          </a:xfrm>
+          <a:prstGeom prst="rect">
+            <a:avLst/>
+          </a:prstGeom>
+        </p:spPr>
+        <p:style>
+          <a:lnRef idx="2">
+            <a:schemeClr val="accent6"/>
+          </a:lnRef>
+          <a:fillRef idx="1">
+            <a:schemeClr val="lt1"/>
+          </a:fillRef>
+          <a:effectRef idx="0">
+            <a:schemeClr val="accent6"/>
+          </a:effectRef>
+          <a:fontRef idx="minor">
+            <a:schemeClr val="dk1"/>
+          </a:fontRef>
+        </p:style>
+        <p:txBody>
+          <a:bodyPr wrap="none" rtlCol="0">
+            <a:spAutoFit/>
+          </a:bodyPr>
+          <a:lstStyle/>
+          <a:p>
+            <a:r>
+              <a:rPr kumimoji="1" lang="ja-JP" altLang="en-US" sz="2400" b="1" dirty="0" smtClean="0"/>
+              <a:t>更新されたローカル変数は、コピー</a:t>
+            </a:r>
+            <a:endParaRPr kumimoji="1" lang="en-US" altLang="ja-JP" sz="2400" b="1" dirty="0" smtClean="0"/>
+          </a:p>
+          <a:p>
+            <a:r>
+              <a:rPr kumimoji="1" lang="ja-JP" altLang="en-US" sz="2400" b="1" dirty="0" smtClean="0"/>
+              <a:t>した辞書から値を取得する</a:t>
+            </a:r>
+            <a:endParaRPr kumimoji="1" lang="ja-JP" altLang="en-US" sz="2400" b="1" dirty="0"/>
+          </a:p>
+        </p:txBody>
+      </p:sp>
+      <p:sp>
+        <p:nvSpPr>
+          <p:cNvPr id="15" name="テキスト ボックス 14"/>
+          <p:cNvSpPr txBox="1"/>
+          <p:nvPr/>
+        </p:nvSpPr>
+        <p:spPr>
+          <a:xfrm>
+            <a:off x="3995936" y="4139788"/>
+            <a:ext cx="5008102" cy="523220"/>
+          </a:xfrm>
+          <a:prstGeom prst="rect">
+            <a:avLst/>
+          </a:prstGeom>
+          <a:noFill/>
+        </p:spPr>
+        <p:txBody>
+          <a:bodyPr wrap="none" rtlCol="0">
+            <a:spAutoFit/>
+          </a:bodyPr>
+          <a:lstStyle/>
+          <a:p>
+            <a:r>
+              <a:rPr kumimoji="1" lang="en-US" altLang="ja-JP" sz="1400" dirty="0" smtClean="0">
+                <a:latin typeface="Courier New" pitchFamily="49" charset="0"/>
+                <a:cs typeface="Courier New" pitchFamily="49" charset="0"/>
+              </a:rPr>
+              <a:t>locals()</a:t>
+            </a:r>
+            <a:r>
+              <a:rPr kumimoji="1" lang="ja-JP" altLang="en-US" sz="1400" dirty="0" smtClean="0">
+                <a:latin typeface="Courier New" pitchFamily="49" charset="0"/>
+                <a:cs typeface="Courier New" pitchFamily="49" charset="0"/>
+              </a:rPr>
+              <a:t>が返す辞書</a:t>
+            </a:r>
+            <a:r>
+              <a:rPr lang="en-US" altLang="ja-JP" sz="1400" dirty="0">
+                <a:latin typeface="Courier New" pitchFamily="49" charset="0"/>
+                <a:cs typeface="Courier New" pitchFamily="49" charset="0"/>
+              </a:rPr>
+              <a:t>(sys._</a:t>
+            </a:r>
+            <a:r>
+              <a:rPr lang="en-US" altLang="ja-JP" sz="1400" dirty="0" err="1">
+                <a:latin typeface="Courier New" pitchFamily="49" charset="0"/>
+                <a:cs typeface="Courier New" pitchFamily="49" charset="0"/>
+              </a:rPr>
+              <a:t>getframe</a:t>
+            </a:r>
+            <a:r>
+              <a:rPr lang="en-US" altLang="ja-JP" sz="1400" dirty="0">
+                <a:latin typeface="Courier New" pitchFamily="49" charset="0"/>
+                <a:cs typeface="Courier New" pitchFamily="49" charset="0"/>
+              </a:rPr>
+              <a:t>().</a:t>
+            </a:r>
+            <a:r>
+              <a:rPr lang="en-US" altLang="ja-JP" sz="1400" dirty="0" err="1" smtClean="0">
+                <a:latin typeface="Courier New" pitchFamily="49" charset="0"/>
+                <a:cs typeface="Courier New" pitchFamily="49" charset="0"/>
+              </a:rPr>
+              <a:t>f_locals</a:t>
+            </a:r>
+            <a:r>
+              <a:rPr lang="ja-JP" altLang="en-US" sz="1400" dirty="0" smtClean="0">
+                <a:latin typeface="Courier New" pitchFamily="49" charset="0"/>
+                <a:cs typeface="Courier New" pitchFamily="49" charset="0"/>
+              </a:rPr>
+              <a:t>）</a:t>
+            </a:r>
+            <a:r>
+              <a:rPr lang="ja-JP" altLang="en-US" sz="1400" dirty="0">
+                <a:latin typeface="Courier New" pitchFamily="49" charset="0"/>
+                <a:cs typeface="Courier New" pitchFamily="49" charset="0"/>
+              </a:rPr>
+              <a:t>は</a:t>
+            </a:r>
+            <a:r>
+              <a:rPr lang="ja-JP" altLang="en-US" sz="1400" dirty="0" smtClean="0">
+                <a:latin typeface="Courier New" pitchFamily="49" charset="0"/>
+                <a:cs typeface="Courier New" pitchFamily="49" charset="0"/>
+              </a:rPr>
+              <a:t>、</a:t>
+            </a:r>
+            <a:r>
+              <a:rPr lang="en-US" altLang="ja-JP" sz="1400" dirty="0" smtClean="0">
+                <a:latin typeface="Courier New" pitchFamily="49" charset="0"/>
+                <a:cs typeface="Courier New" pitchFamily="49" charset="0"/>
+              </a:rPr>
+              <a:t/>
+            </a:r>
+            <a:br>
+              <a:rPr lang="en-US" altLang="ja-JP" sz="1400" dirty="0" smtClean="0">
+                <a:latin typeface="Courier New" pitchFamily="49" charset="0"/>
+                <a:cs typeface="Courier New" pitchFamily="49" charset="0"/>
+              </a:rPr>
+            </a:br>
+            <a:r>
+              <a:rPr lang="ja-JP" altLang="en-US" sz="1400" dirty="0" smtClean="0">
+                <a:latin typeface="Courier New" pitchFamily="49" charset="0"/>
+                <a:cs typeface="Courier New" pitchFamily="49" charset="0"/>
+              </a:rPr>
+              <a:t>インタープリタの都合で初期化されてしまう場合があるため</a:t>
+            </a:r>
+            <a:endParaRPr lang="en-US" altLang="ja-JP" sz="1400" dirty="0" smtClean="0">
+              <a:latin typeface="Courier New" pitchFamily="49" charset="0"/>
+              <a:cs typeface="Courier New" pitchFamily="49" charset="0"/>
+            </a:endParaRPr>
+          </a:p>
+        </p:txBody>
+      </p:sp>
+    </p:spTree>
+    <p:extLst>
+      <p:ext uri="{BB962C8B-B14F-4D97-AF65-F5344CB8AC3E}">
+        <p14:creationId xmlns:p14="http://schemas.microsoft.com/office/powerpoint/2010/main" val="1356402993"/>
+      </p:ext>
+    </p:extLst>
+  </p:cSld>
+  <p:clrMapOvr>
+    <a:masterClrMapping/>
+  </p:clrMapOvr>
+  <p:timing>
+    <p:tnLst>
+      <p:par>
+        <p:cTn id="1" dur="indefinite" restart="never" nodeType="tmRoot"/>
+      </p:par>
+    </p:tnLst>
+  </p:timing>
+</p:sld>
+</file>
+
+<file path=ppt/slides/slide28.xml><?xml version="1.0" encoding="utf-8"?>
+<p:sld xmlns:a="http://schemas.openxmlformats.org/drawingml/2006/main" xmlns:r="http://schemas.openxmlformats.org/officeDocument/2006/relationships" xmlns:p="http://schemas.openxmlformats.org/presentationml/2006/main">
+  <p:cSld>
+    <p:spTree>
+      <p:nvGrpSpPr>
+        <p:cNvPr id="1" name=""/>
+        <p:cNvGrpSpPr/>
+        <p:nvPr/>
+      </p:nvGrpSpPr>
+      <p:grpSpPr>
+        <a:xfrm>
+          <a:off x="0" y="0"/>
+          <a:ext cx="0" cy="0"/>
+          <a:chOff x="0" y="0"/>
+          <a:chExt cx="0" cy="0"/>
+        </a:xfrm>
+      </p:grpSpPr>
+      <p:sp>
+        <p:nvSpPr>
+          <p:cNvPr id="2" name="タイトル 1"/>
+          <p:cNvSpPr>
+            <a:spLocks noGrp="1"/>
+          </p:cNvSpPr>
+          <p:nvPr>
+            <p:ph type="title"/>
+          </p:nvPr>
+        </p:nvSpPr>
+        <p:spPr/>
+        <p:txBody>
+          <a:bodyPr/>
+          <a:lstStyle/>
+          <a:p>
+            <a:r>
+              <a:rPr lang="en-US" altLang="ja-JP" dirty="0" err="1"/>
+              <a:t>cProfile</a:t>
+            </a:r>
+            <a:r>
+              <a:rPr lang="ja-JP" altLang="en-US" dirty="0"/>
+              <a:t>モジュール</a:t>
+            </a:r>
+            <a:endParaRPr kumimoji="1" lang="ja-JP" altLang="en-US" dirty="0"/>
+          </a:p>
+        </p:txBody>
+      </p:sp>
+      <p:sp>
+        <p:nvSpPr>
+          <p:cNvPr id="4" name="日付プレースホルダー 3"/>
+          <p:cNvSpPr>
+            <a:spLocks noGrp="1"/>
+          </p:cNvSpPr>
+          <p:nvPr>
+            <p:ph type="dt" sz="half" idx="10"/>
+          </p:nvPr>
+        </p:nvSpPr>
+        <p:spPr/>
+        <p:txBody>
+          <a:bodyPr/>
+          <a:lstStyle/>
+          <a:p>
+            <a:r>
+              <a:rPr kumimoji="1" lang="en-US" altLang="ja-JP" smtClean="0"/>
+              <a:t>2012/9/16</a:t>
+            </a:r>
+            <a:endParaRPr kumimoji="1" lang="ja-JP" altLang="en-US" dirty="0"/>
+          </a:p>
+        </p:txBody>
+      </p:sp>
+      <p:sp>
+        <p:nvSpPr>
+          <p:cNvPr id="5" name="フッター プレースホルダー 4"/>
+          <p:cNvSpPr>
+            <a:spLocks noGrp="1"/>
+          </p:cNvSpPr>
+          <p:nvPr>
+            <p:ph type="ftr" sz="quarter" idx="11"/>
+          </p:nvPr>
+        </p:nvSpPr>
+        <p:spPr/>
+        <p:txBody>
+          <a:bodyPr/>
+          <a:lstStyle/>
+          <a:p>
+            <a:r>
+              <a:rPr kumimoji="1" lang="en-US" altLang="ja-JP" smtClean="0"/>
+              <a:t>PyCon JP 2012 Hands on session</a:t>
+            </a:r>
+            <a:endParaRPr kumimoji="1" lang="ja-JP" altLang="en-US" dirty="0"/>
+          </a:p>
+        </p:txBody>
+      </p:sp>
+      <p:sp>
+        <p:nvSpPr>
+          <p:cNvPr id="6" name="スライド番号プレースホルダー 5"/>
+          <p:cNvSpPr>
+            <a:spLocks noGrp="1"/>
+          </p:cNvSpPr>
+          <p:nvPr>
+            <p:ph type="sldNum" sz="quarter" idx="12"/>
+          </p:nvPr>
+        </p:nvSpPr>
+        <p:spPr/>
+        <p:txBody>
+          <a:bodyPr/>
+          <a:lstStyle/>
+          <a:p>
+            <a:fld id="{19959EA1-192A-4245-8904-FFE1D97E5CEF}" type="slidenum">
+              <a:rPr kumimoji="1" lang="ja-JP" altLang="en-US" smtClean="0"/>
+              <a:t>28</a:t>
             </a:fld>
             <a:endParaRPr kumimoji="1" lang="ja-JP" altLang="en-US" dirty="0"/>
           </a:p>
@@ -10222,7 +14308,7 @@
 </p:sld>
 </file>
 
-<file path=ppt/slides/slide23.xml><?xml version="1.0" encoding="utf-8"?>
+<file path=ppt/slides/slide29.xml><?xml version="1.0" encoding="utf-8"?>
 <p:sld xmlns:a="http://schemas.openxmlformats.org/drawingml/2006/main" xmlns:r="http://schemas.openxmlformats.org/officeDocument/2006/relationships" xmlns:p="http://schemas.openxmlformats.org/presentationml/2006/main">
   <p:cSld>
     <p:spTree>
@@ -10373,7 +14459,7 @@
           <a:p>
             <a:fld id="{19959EA1-192A-4245-8904-FFE1D97E5CEF}" type="slidenum">
               <a:rPr kumimoji="1" lang="ja-JP" altLang="en-US" smtClean="0"/>
-              <a:t>23</a:t>
+              <a:t>29</a:t>
             </a:fld>
             <a:endParaRPr kumimoji="1" lang="ja-JP" altLang="en-US" dirty="0"/>
           </a:p>
@@ -11145,7 +15231,7 @@
 </p:sld>
 </file>
 
-<file path=ppt/slides/slide24.xml><?xml version="1.0" encoding="utf-8"?>
+<file path=ppt/slides/slide3.xml><?xml version="1.0" encoding="utf-8"?>
 <p:sld xmlns:a="http://schemas.openxmlformats.org/drawingml/2006/main" xmlns:r="http://schemas.openxmlformats.org/officeDocument/2006/relationships" xmlns:p="http://schemas.openxmlformats.org/presentationml/2006/main">
   <p:cSld>
     <p:spTree>
@@ -11178,6 +15264,177 @@
           <a:lstStyle/>
           <a:p>
             <a:r>
+              <a:rPr kumimoji="1" lang="ja-JP" altLang="en-US" dirty="0" smtClean="0"/>
+              <a:t>本日のメニュー</a:t>
+            </a:r>
+            <a:endParaRPr kumimoji="1" lang="ja-JP" altLang="en-US" dirty="0"/>
+          </a:p>
+        </p:txBody>
+      </p:sp>
+      <p:sp>
+        <p:nvSpPr>
+          <p:cNvPr id="3" name="コンテンツ プレースホルダー 2"/>
+          <p:cNvSpPr>
+            <a:spLocks noGrp="1"/>
+          </p:cNvSpPr>
+          <p:nvPr>
+            <p:ph idx="1"/>
+          </p:nvPr>
+        </p:nvSpPr>
+        <p:spPr/>
+        <p:txBody>
+          <a:bodyPr/>
+          <a:lstStyle/>
+          <a:p>
+            <a:r>
+              <a:rPr kumimoji="1" lang="ja-JP" altLang="en-US" dirty="0" smtClean="0"/>
+              <a:t>一応、</a:t>
+            </a:r>
+            <a:r>
+              <a:rPr kumimoji="1" lang="en-US" altLang="ja-JP" dirty="0" smtClean="0"/>
+              <a:t>Python</a:t>
+            </a:r>
+            <a:r>
+              <a:rPr kumimoji="1" lang="ja-JP" altLang="en-US" dirty="0" smtClean="0"/>
+              <a:t>の書き方は知ってる人を、「使いこなせる」段階に</a:t>
+            </a:r>
+            <a:endParaRPr kumimoji="1" lang="en-US" altLang="ja-JP" dirty="0" smtClean="0"/>
+          </a:p>
+          <a:p>
+            <a:r>
+              <a:rPr kumimoji="1" lang="ja-JP" altLang="en-US" dirty="0" smtClean="0"/>
+              <a:t>文法の知識の次に必要な、実践的なテクニックを</a:t>
+            </a:r>
+            <a:r>
+              <a:rPr lang="ja-JP" altLang="en-US" dirty="0"/>
+              <a:t>実習</a:t>
+            </a:r>
+            <a:endParaRPr kumimoji="1" lang="ja-JP" altLang="en-US" dirty="0"/>
+          </a:p>
+        </p:txBody>
+      </p:sp>
+      <p:sp>
+        <p:nvSpPr>
+          <p:cNvPr id="5" name="スライド番号プレースホルダー 4"/>
+          <p:cNvSpPr>
+            <a:spLocks noGrp="1"/>
+          </p:cNvSpPr>
+          <p:nvPr>
+            <p:ph type="sldNum" sz="quarter" idx="12"/>
+          </p:nvPr>
+        </p:nvSpPr>
+        <p:spPr/>
+        <p:txBody>
+          <a:bodyPr/>
+          <a:lstStyle/>
+          <a:p>
+            <a:fld id="{19959EA1-192A-4245-8904-FFE1D97E5CEF}" type="slidenum">
+              <a:rPr kumimoji="1" lang="ja-JP" altLang="en-US" smtClean="0"/>
+              <a:t>3</a:t>
+            </a:fld>
+            <a:endParaRPr kumimoji="1" lang="ja-JP" altLang="en-US" dirty="0"/>
+          </a:p>
+        </p:txBody>
+      </p:sp>
+      <p:sp>
+        <p:nvSpPr>
+          <p:cNvPr id="6" name="日付プレースホルダー 5"/>
+          <p:cNvSpPr>
+            <a:spLocks noGrp="1"/>
+          </p:cNvSpPr>
+          <p:nvPr>
+            <p:ph type="dt" sz="half" idx="10"/>
+          </p:nvPr>
+        </p:nvSpPr>
+        <p:spPr/>
+        <p:txBody>
+          <a:bodyPr/>
+          <a:lstStyle/>
+          <a:p>
+            <a:r>
+              <a:rPr kumimoji="1" lang="en-US" altLang="ja-JP" smtClean="0"/>
+              <a:t>2012/9/16</a:t>
+            </a:r>
+            <a:endParaRPr kumimoji="1" lang="ja-JP" altLang="en-US" dirty="0"/>
+          </a:p>
+        </p:txBody>
+      </p:sp>
+      <p:sp>
+        <p:nvSpPr>
+          <p:cNvPr id="7" name="フッター プレースホルダー 6"/>
+          <p:cNvSpPr>
+            <a:spLocks noGrp="1"/>
+          </p:cNvSpPr>
+          <p:nvPr>
+            <p:ph type="ftr" sz="quarter" idx="11"/>
+          </p:nvPr>
+        </p:nvSpPr>
+        <p:spPr/>
+        <p:txBody>
+          <a:bodyPr/>
+          <a:lstStyle/>
+          <a:p>
+            <a:r>
+              <a:rPr kumimoji="1" lang="en-US" altLang="ja-JP" smtClean="0"/>
+              <a:t>PyCon JP 2012 Hands on session</a:t>
+            </a:r>
+            <a:endParaRPr kumimoji="1" lang="ja-JP" altLang="en-US" dirty="0"/>
+          </a:p>
+        </p:txBody>
+      </p:sp>
+    </p:spTree>
+    <p:extLst>
+      <p:ext uri="{BB962C8B-B14F-4D97-AF65-F5344CB8AC3E}">
+        <p14:creationId xmlns:p14="http://schemas.microsoft.com/office/powerpoint/2010/main" val="4228597070"/>
+      </p:ext>
+    </p:extLst>
+  </p:cSld>
+  <p:clrMapOvr>
+    <a:masterClrMapping/>
+  </p:clrMapOvr>
+  <p:timing>
+    <p:tnLst>
+      <p:par>
+        <p:cTn id="1" dur="indefinite" restart="never" nodeType="tmRoot"/>
+      </p:par>
+    </p:tnLst>
+  </p:timing>
+</p:sld>
+</file>
+
+<file path=ppt/slides/slide30.xml><?xml version="1.0" encoding="utf-8"?>
+<p:sld xmlns:a="http://schemas.openxmlformats.org/drawingml/2006/main" xmlns:r="http://schemas.openxmlformats.org/officeDocument/2006/relationships" xmlns:p="http://schemas.openxmlformats.org/presentationml/2006/main">
+  <p:cSld>
+    <p:spTree>
+      <p:nvGrpSpPr>
+        <p:cNvPr id="1" name=""/>
+        <p:cNvGrpSpPr/>
+        <p:nvPr/>
+      </p:nvGrpSpPr>
+      <p:grpSpPr>
+        <a:xfrm>
+          <a:off x="0" y="0"/>
+          <a:ext cx="0" cy="0"/>
+          <a:chOff x="0" y="0"/>
+          <a:chExt cx="0" cy="0"/>
+        </a:xfrm>
+      </p:grpSpPr>
+      <p:sp>
+        <p:nvSpPr>
+          <p:cNvPr id="2" name="タイトル 1"/>
+          <p:cNvSpPr>
+            <a:spLocks noGrp="1"/>
+          </p:cNvSpPr>
+          <p:nvPr>
+            <p:ph type="title"/>
+          </p:nvPr>
+        </p:nvSpPr>
+        <p:spPr/>
+        <p:txBody>
+          <a:bodyPr/>
+          <a:lstStyle/>
+          <a:p>
+            <a:r>
               <a:rPr kumimoji="1" lang="en-US" altLang="ja-JP" dirty="0" smtClean="0"/>
               <a:t>Flask</a:t>
             </a:r>
@@ -11309,7 +15566,7 @@
           <a:p>
             <a:fld id="{19959EA1-192A-4245-8904-FFE1D97E5CEF}" type="slidenum">
               <a:rPr kumimoji="1" lang="ja-JP" altLang="en-US" smtClean="0"/>
-              <a:t>24</a:t>
+              <a:t>30</a:t>
             </a:fld>
             <a:endParaRPr kumimoji="1" lang="ja-JP" altLang="en-US" dirty="0"/>
           </a:p>
@@ -11323,7 +15580,7 @@
         </p:nvSpPr>
         <p:spPr>
           <a:xfrm>
-            <a:off x="1043608" y="3183940"/>
+            <a:off x="1043608" y="2912170"/>
             <a:ext cx="3744416" cy="369332"/>
           </a:xfrm>
           <a:prstGeom prst="rect">
@@ -11349,7 +15606,7 @@
         </p:nvSpPr>
         <p:spPr>
           <a:xfrm>
-            <a:off x="611560" y="2836674"/>
+            <a:off x="611560" y="2636912"/>
             <a:ext cx="4896544" cy="923330"/>
           </a:xfrm>
           <a:prstGeom prst="rect">
@@ -11439,7 +15696,7 @@
         </p:nvSpPr>
         <p:spPr>
           <a:xfrm>
-            <a:off x="2431184" y="3904020"/>
+            <a:off x="2431184" y="3589278"/>
             <a:ext cx="484632" cy="416947"/>
           </a:xfrm>
           <a:prstGeom prst="downArrow">
@@ -11477,8 +15734,8 @@
         </p:nvSpPr>
         <p:spPr>
           <a:xfrm>
-            <a:off x="539552" y="4492858"/>
-            <a:ext cx="6192688" cy="1600438"/>
+            <a:off x="323528" y="4067487"/>
+            <a:ext cx="8640960" cy="2169825"/>
           </a:xfrm>
           <a:prstGeom prst="rect">
             <a:avLst/>
@@ -11539,57 +15796,123 @@
               <a:t>message_form</a:t>
             </a:r>
             <a:r>
-              <a:rPr lang="en-US" altLang="ja-JP" dirty="0"/>
+              <a:rPr lang="en-US" altLang="ja-JP" dirty="0" smtClean="0"/>
               <a:t>():</a:t>
             </a:r>
           </a:p>
           <a:p>
             <a:r>
-              <a:rPr lang="en-US" altLang="ja-JP" sz="2200" b="1" dirty="0" smtClean="0"/>
+              <a:rPr lang="en-US" altLang="ja-JP" dirty="0" smtClean="0"/>
+              <a:t>     import logging</a:t>
+            </a:r>
+          </a:p>
+          <a:p>
+            <a:r>
+              <a:rPr lang="en-US" altLang="ja-JP" sz="2100" dirty="0"/>
+              <a:t> </a:t>
+            </a:r>
+            <a:r>
+              <a:rPr lang="en-US" altLang="ja-JP" sz="2100" dirty="0" smtClean="0"/>
               <a:t>    </a:t>
             </a:r>
             <a:r>
-              <a:rPr lang="en-US" altLang="ja-JP" sz="2200" b="1" dirty="0" err="1" smtClean="0"/>
+              <a:rPr lang="en-US" altLang="ja-JP" sz="2100" b="1" dirty="0" err="1" smtClean="0"/>
+              <a:t>app.logger.setLevel</a:t>
+            </a:r>
+            <a:r>
+              <a:rPr lang="en-US" altLang="ja-JP" sz="2100" b="1" dirty="0" smtClean="0"/>
+              <a:t>(</a:t>
+            </a:r>
+            <a:r>
+              <a:rPr lang="en-US" altLang="ja-JP" sz="2100" b="1" dirty="0" err="1" smtClean="0"/>
+              <a:t>logging.DEBUG</a:t>
+            </a:r>
+            <a:r>
+              <a:rPr lang="en-US" altLang="ja-JP" sz="2100" b="1" dirty="0" smtClean="0"/>
+              <a:t>)    </a:t>
+            </a:r>
+            <a:r>
+              <a:rPr lang="en-US" altLang="ja-JP" sz="2100" b="1" dirty="0" smtClean="0">
+                <a:solidFill>
+                  <a:srgbClr val="FF0000"/>
+                </a:solidFill>
+              </a:rPr>
+              <a:t># </a:t>
+            </a:r>
+            <a:r>
+              <a:rPr lang="ja-JP" altLang="en-US" sz="2100" b="1" dirty="0" smtClean="0">
+                <a:solidFill>
+                  <a:srgbClr val="FF0000"/>
+                </a:solidFill>
+              </a:rPr>
+              <a:t>出力対象のイベントを指定</a:t>
+            </a:r>
+            <a:endParaRPr lang="en-US" altLang="ja-JP" sz="2100" b="1" dirty="0" smtClean="0">
+              <a:solidFill>
+                <a:srgbClr val="FF0000"/>
+              </a:solidFill>
+            </a:endParaRPr>
+          </a:p>
+          <a:p>
+            <a:r>
+              <a:rPr lang="en-US" altLang="ja-JP" sz="2100" b="1" dirty="0" smtClean="0"/>
+              <a:t>    </a:t>
+            </a:r>
+            <a:r>
+              <a:rPr lang="en-US" altLang="ja-JP" sz="2100" b="1" dirty="0" err="1" smtClean="0"/>
               <a:t>app.logger.debug</a:t>
             </a:r>
             <a:r>
-              <a:rPr lang="en-US" altLang="ja-JP" sz="2200" b="1" dirty="0" smtClean="0"/>
+              <a:rPr lang="en-US" altLang="ja-JP" sz="2100" b="1" dirty="0" smtClean="0"/>
               <a:t>(u</a:t>
             </a:r>
             <a:r>
-              <a:rPr lang="en-US" altLang="ja-JP" sz="2200" b="1" dirty="0"/>
+              <a:rPr lang="en-US" altLang="ja-JP" sz="2100" b="1" dirty="0"/>
               <a:t>"</a:t>
             </a:r>
             <a:r>
-              <a:rPr lang="ja-JP" altLang="en-US" sz="2200" b="1" dirty="0"/>
+              <a:rPr lang="ja-JP" altLang="en-US" sz="2100" b="1" dirty="0"/>
               <a:t>デバッグメッセージ</a:t>
             </a:r>
             <a:r>
-              <a:rPr lang="en-US" altLang="ja-JP" sz="2200" b="1" dirty="0"/>
+              <a:rPr lang="en-US" altLang="ja-JP" sz="2100" b="1" dirty="0"/>
               <a:t>")</a:t>
             </a:r>
           </a:p>
           <a:p>
             <a:r>
-              <a:rPr lang="en-US" altLang="ja-JP" sz="2200" b="1" dirty="0"/>
+              <a:rPr lang="en-US" altLang="ja-JP" sz="2100" b="1" dirty="0"/>
               <a:t>    </a:t>
             </a:r>
             <a:r>
-              <a:rPr lang="en-US" altLang="ja-JP" sz="2200" b="1" dirty="0" err="1"/>
+              <a:rPr lang="en-US" altLang="ja-JP" sz="2100" b="1" dirty="0" err="1" smtClean="0"/>
               <a:t>app.logger.error</a:t>
             </a:r>
             <a:r>
-              <a:rPr lang="en-US" altLang="ja-JP" sz="2200" b="1" dirty="0"/>
-              <a:t>(u"</a:t>
-            </a:r>
-            <a:r>
-              <a:rPr lang="ja-JP" altLang="en-US" sz="2200" b="1" dirty="0"/>
+              <a:rPr lang="en-US" altLang="ja-JP" sz="2100" b="1" dirty="0" smtClean="0"/>
+              <a:t>(u“</a:t>
+            </a:r>
+            <a:r>
+              <a:rPr lang="ja-JP" altLang="en-US" sz="2100" b="1" dirty="0" smtClean="0"/>
               <a:t>エラーメッセージ</a:t>
             </a:r>
             <a:r>
-              <a:rPr lang="en-US" altLang="ja-JP" sz="2200" b="1" dirty="0"/>
-              <a:t>")</a:t>
-            </a:r>
+              <a:rPr lang="en-US" altLang="ja-JP" sz="2100" b="1" dirty="0" smtClean="0"/>
+              <a:t>:%s;%d“, “Spam”, 100)</a:t>
+            </a:r>
+            <a:r>
+              <a:rPr lang="ja-JP" altLang="en-US" sz="2100" b="1" dirty="0" smtClean="0"/>
+              <a:t>  </a:t>
+            </a:r>
+            <a:r>
+              <a:rPr lang="en-US" altLang="ja-JP" sz="2100" b="1" dirty="0" smtClean="0"/>
+              <a:t># </a:t>
+            </a:r>
+            <a:r>
+              <a:rPr lang="ja-JP" altLang="en-US" sz="2100" b="1" dirty="0" smtClean="0"/>
+              <a:t>文字列変換</a:t>
+            </a:r>
+            <a:endParaRPr lang="en-US" altLang="ja-JP" sz="2100" b="1" dirty="0"/>
           </a:p>
           <a:p>
             <a:r>
@@ -11627,7 +15950,7 @@
 </p:sld>
 </file>
 
-<file path=ppt/slides/slide25.xml><?xml version="1.0" encoding="utf-8"?>
+<file path=ppt/slides/slide31.xml><?xml version="1.0" encoding="utf-8"?>
 <p:sld xmlns:a="http://schemas.openxmlformats.org/drawingml/2006/main" xmlns:r="http://schemas.openxmlformats.org/officeDocument/2006/relationships" xmlns:p="http://schemas.openxmlformats.org/presentationml/2006/main">
   <p:cSld>
     <p:spTree>
@@ -11775,7 +16098,7 @@
           <a:p>
             <a:fld id="{19959EA1-192A-4245-8904-FFE1D97E5CEF}" type="slidenum">
               <a:rPr kumimoji="1" lang="ja-JP" altLang="en-US" smtClean="0"/>
-              <a:t>25</a:t>
+              <a:t>31</a:t>
             </a:fld>
             <a:endParaRPr kumimoji="1" lang="ja-JP" altLang="en-US" dirty="0"/>
           </a:p>
@@ -12046,7 +16369,7 @@
 </p:sld>
 </file>
 
-<file path=ppt/slides/slide26.xml><?xml version="1.0" encoding="utf-8"?>
+<file path=ppt/slides/slide32.xml><?xml version="1.0" encoding="utf-8"?>
 <p:sld xmlns:a="http://schemas.openxmlformats.org/drawingml/2006/main" xmlns:r="http://schemas.openxmlformats.org/officeDocument/2006/relationships" xmlns:p="http://schemas.openxmlformats.org/presentationml/2006/main">
   <p:cSld>
     <p:spTree>
@@ -12153,7 +16476,7 @@
           <a:p>
             <a:fld id="{19959EA1-192A-4245-8904-FFE1D97E5CEF}" type="slidenum">
               <a:rPr kumimoji="1" lang="ja-JP" altLang="en-US" smtClean="0"/>
-              <a:t>26</a:t>
+              <a:t>32</a:t>
             </a:fld>
             <a:endParaRPr kumimoji="1" lang="ja-JP" altLang="en-US" dirty="0"/>
           </a:p>
@@ -12300,7 +16623,7 @@
 </p:sld>
 </file>
 
-<file path=ppt/slides/slide27.xml><?xml version="1.0" encoding="utf-8"?>
+<file path=ppt/slides/slide33.xml><?xml version="1.0" encoding="utf-8"?>
 <p:sld xmlns:a="http://schemas.openxmlformats.org/drawingml/2006/main" xmlns:r="http://schemas.openxmlformats.org/officeDocument/2006/relationships" xmlns:p="http://schemas.openxmlformats.org/presentationml/2006/main">
   <p:cSld>
     <p:spTree>
@@ -12407,7 +16730,7 @@
           <a:p>
             <a:fld id="{19959EA1-192A-4245-8904-FFE1D97E5CEF}" type="slidenum">
               <a:rPr kumimoji="1" lang="ja-JP" altLang="en-US" smtClean="0"/>
-              <a:t>27</a:t>
+              <a:t>33</a:t>
             </a:fld>
             <a:endParaRPr kumimoji="1" lang="ja-JP" altLang="en-US" dirty="0"/>
           </a:p>
@@ -13035,7 +17358,7 @@
 </p:sld>
 </file>
 
-<file path=ppt/slides/slide28.xml><?xml version="1.0" encoding="utf-8"?>
+<file path=ppt/slides/slide34.xml><?xml version="1.0" encoding="utf-8"?>
 <p:sld xmlns:a="http://schemas.openxmlformats.org/drawingml/2006/main" xmlns:r="http://schemas.openxmlformats.org/officeDocument/2006/relationships" xmlns:p="http://schemas.openxmlformats.org/presentationml/2006/main">
   <p:cSld>
     <p:spTree>
@@ -13171,7 +17494,7 @@
           <a:p>
             <a:fld id="{19959EA1-192A-4245-8904-FFE1D97E5CEF}" type="slidenum">
               <a:rPr kumimoji="1" lang="ja-JP" altLang="en-US" smtClean="0"/>
-              <a:t>28</a:t>
+              <a:t>34</a:t>
             </a:fld>
             <a:endParaRPr kumimoji="1" lang="ja-JP" altLang="en-US" dirty="0"/>
           </a:p>
@@ -13197,7 +17520,7 @@
 </p:sld>
 </file>
 
-<file path=ppt/slides/slide29.xml><?xml version="1.0" encoding="utf-8"?>
+<file path=ppt/slides/slide35.xml><?xml version="1.0" encoding="utf-8"?>
 <p:sld xmlns:a="http://schemas.openxmlformats.org/drawingml/2006/main" xmlns:r="http://schemas.openxmlformats.org/officeDocument/2006/relationships" xmlns:p="http://schemas.openxmlformats.org/presentationml/2006/main">
   <p:cSld>
     <p:spTree>
@@ -13313,7 +17636,7 @@
           <a:p>
             <a:fld id="{19959EA1-192A-4245-8904-FFE1D97E5CEF}" type="slidenum">
               <a:rPr kumimoji="1" lang="ja-JP" altLang="en-US" smtClean="0"/>
-              <a:t>29</a:t>
+              <a:t>35</a:t>
             </a:fld>
             <a:endParaRPr kumimoji="1" lang="ja-JP" altLang="en-US" dirty="0"/>
           </a:p>
@@ -13323,177 +17646,6 @@
     <p:extLst>
       <p:ext uri="{BB962C8B-B14F-4D97-AF65-F5344CB8AC3E}">
         <p14:creationId xmlns:p14="http://schemas.microsoft.com/office/powerpoint/2010/main" val="296628332"/>
-      </p:ext>
-    </p:extLst>
-  </p:cSld>
-  <p:clrMapOvr>
-    <a:masterClrMapping/>
-  </p:clrMapOvr>
-  <p:timing>
-    <p:tnLst>
-      <p:par>
-        <p:cTn id="1" dur="indefinite" restart="never" nodeType="tmRoot"/>
-      </p:par>
-    </p:tnLst>
-  </p:timing>
-</p:sld>
-</file>
-
-<file path=ppt/slides/slide3.xml><?xml version="1.0" encoding="utf-8"?>
-<p:sld xmlns:a="http://schemas.openxmlformats.org/drawingml/2006/main" xmlns:r="http://schemas.openxmlformats.org/officeDocument/2006/relationships" xmlns:p="http://schemas.openxmlformats.org/presentationml/2006/main">
-  <p:cSld>
-    <p:spTree>
-      <p:nvGrpSpPr>
-        <p:cNvPr id="1" name=""/>
-        <p:cNvGrpSpPr/>
-        <p:nvPr/>
-      </p:nvGrpSpPr>
-      <p:grpSpPr>
-        <a:xfrm>
-          <a:off x="0" y="0"/>
-          <a:ext cx="0" cy="0"/>
-          <a:chOff x="0" y="0"/>
-          <a:chExt cx="0" cy="0"/>
-        </a:xfrm>
-      </p:grpSpPr>
-      <p:sp>
-        <p:nvSpPr>
-          <p:cNvPr id="2" name="タイトル 1"/>
-          <p:cNvSpPr>
-            <a:spLocks noGrp="1"/>
-          </p:cNvSpPr>
-          <p:nvPr>
-            <p:ph type="title"/>
-          </p:nvPr>
-        </p:nvSpPr>
-        <p:spPr/>
-        <p:txBody>
-          <a:bodyPr/>
-          <a:lstStyle/>
-          <a:p>
-            <a:r>
-              <a:rPr kumimoji="1" lang="ja-JP" altLang="en-US" dirty="0" smtClean="0"/>
-              <a:t>本日のメニュー</a:t>
-            </a:r>
-            <a:endParaRPr kumimoji="1" lang="ja-JP" altLang="en-US" dirty="0"/>
-          </a:p>
-        </p:txBody>
-      </p:sp>
-      <p:sp>
-        <p:nvSpPr>
-          <p:cNvPr id="3" name="コンテンツ プレースホルダー 2"/>
-          <p:cNvSpPr>
-            <a:spLocks noGrp="1"/>
-          </p:cNvSpPr>
-          <p:nvPr>
-            <p:ph idx="1"/>
-          </p:nvPr>
-        </p:nvSpPr>
-        <p:spPr/>
-        <p:txBody>
-          <a:bodyPr/>
-          <a:lstStyle/>
-          <a:p>
-            <a:r>
-              <a:rPr kumimoji="1" lang="ja-JP" altLang="en-US" dirty="0" smtClean="0"/>
-              <a:t>一応、</a:t>
-            </a:r>
-            <a:r>
-              <a:rPr kumimoji="1" lang="en-US" altLang="ja-JP" dirty="0" smtClean="0"/>
-              <a:t>Python</a:t>
-            </a:r>
-            <a:r>
-              <a:rPr kumimoji="1" lang="ja-JP" altLang="en-US" dirty="0" smtClean="0"/>
-              <a:t>の書き方は知ってる人を、「使いこなせる」段階に</a:t>
-            </a:r>
-            <a:endParaRPr kumimoji="1" lang="en-US" altLang="ja-JP" dirty="0" smtClean="0"/>
-          </a:p>
-          <a:p>
-            <a:r>
-              <a:rPr kumimoji="1" lang="ja-JP" altLang="en-US" dirty="0" smtClean="0"/>
-              <a:t>文法の知識の次に必要な、実践的なテクニックを</a:t>
-            </a:r>
-            <a:r>
-              <a:rPr lang="ja-JP" altLang="en-US" dirty="0"/>
-              <a:t>実習</a:t>
-            </a:r>
-            <a:endParaRPr kumimoji="1" lang="ja-JP" altLang="en-US" dirty="0"/>
-          </a:p>
-        </p:txBody>
-      </p:sp>
-      <p:sp>
-        <p:nvSpPr>
-          <p:cNvPr id="5" name="スライド番号プレースホルダー 4"/>
-          <p:cNvSpPr>
-            <a:spLocks noGrp="1"/>
-          </p:cNvSpPr>
-          <p:nvPr>
-            <p:ph type="sldNum" sz="quarter" idx="12"/>
-          </p:nvPr>
-        </p:nvSpPr>
-        <p:spPr/>
-        <p:txBody>
-          <a:bodyPr/>
-          <a:lstStyle/>
-          <a:p>
-            <a:fld id="{19959EA1-192A-4245-8904-FFE1D97E5CEF}" type="slidenum">
-              <a:rPr kumimoji="1" lang="ja-JP" altLang="en-US" smtClean="0"/>
-              <a:t>3</a:t>
-            </a:fld>
-            <a:endParaRPr kumimoji="1" lang="ja-JP" altLang="en-US" dirty="0"/>
-          </a:p>
-        </p:txBody>
-      </p:sp>
-      <p:sp>
-        <p:nvSpPr>
-          <p:cNvPr id="6" name="日付プレースホルダー 5"/>
-          <p:cNvSpPr>
-            <a:spLocks noGrp="1"/>
-          </p:cNvSpPr>
-          <p:nvPr>
-            <p:ph type="dt" sz="half" idx="10"/>
-          </p:nvPr>
-        </p:nvSpPr>
-        <p:spPr/>
-        <p:txBody>
-          <a:bodyPr/>
-          <a:lstStyle/>
-          <a:p>
-            <a:r>
-              <a:rPr kumimoji="1" lang="en-US" altLang="ja-JP" smtClean="0"/>
-              <a:t>2012/9/16</a:t>
-            </a:r>
-            <a:endParaRPr kumimoji="1" lang="ja-JP" altLang="en-US" dirty="0"/>
-          </a:p>
-        </p:txBody>
-      </p:sp>
-      <p:sp>
-        <p:nvSpPr>
-          <p:cNvPr id="7" name="フッター プレースホルダー 6"/>
-          <p:cNvSpPr>
-            <a:spLocks noGrp="1"/>
-          </p:cNvSpPr>
-          <p:nvPr>
-            <p:ph type="ftr" sz="quarter" idx="11"/>
-          </p:nvPr>
-        </p:nvSpPr>
-        <p:spPr/>
-        <p:txBody>
-          <a:bodyPr/>
-          <a:lstStyle/>
-          <a:p>
-            <a:r>
-              <a:rPr kumimoji="1" lang="en-US" altLang="ja-JP" smtClean="0"/>
-              <a:t>PyCon JP 2012 Hands on session</a:t>
-            </a:r>
-            <a:endParaRPr kumimoji="1" lang="ja-JP" altLang="en-US" dirty="0"/>
-          </a:p>
-        </p:txBody>
-      </p:sp>
-    </p:spTree>
-    <p:extLst>
-      <p:ext uri="{BB962C8B-B14F-4D97-AF65-F5344CB8AC3E}">
-        <p14:creationId xmlns:p14="http://schemas.microsoft.com/office/powerpoint/2010/main" val="4228597070"/>
       </p:ext>
     </p:extLst>
   </p:cSld>
@@ -13840,11 +17992,7 @@
             <a:pPr lvl="1"/>
             <a:r>
               <a:rPr lang="ja-JP" altLang="en-US" dirty="0" smtClean="0"/>
-              <a:t>拡張性</a:t>
-            </a:r>
-            <a:r>
-              <a:rPr lang="ja-JP" altLang="en-US" dirty="0" smtClean="0"/>
-              <a:t>重視</a:t>
+              <a:t>拡張性重視</a:t>
             </a:r>
             <a:endParaRPr lang="en-US" altLang="ja-JP" dirty="0" smtClean="0"/>
           </a:p>
@@ -13854,7 +18002,6 @@
               <a:rPr lang="en-US" altLang="ja-JP" dirty="0" smtClean="0"/>
               <a:t>jinja2</a:t>
             </a:r>
-            <a:endParaRPr lang="en-US" altLang="ja-JP" dirty="0" smtClean="0"/>
           </a:p>
           <a:p>
             <a:pPr marL="457200" lvl="1" indent="0">
